--- a/images/alliance-leadership/Brave-Leadership 2.pptx
+++ b/images/alliance-leadership/Brave-Leadership 2.pptx
@@ -333,9 +333,7 @@
 <file path=ppt/revisionInfo.xml><?xml version="1.0" encoding="utf-8"?>
 <p1510:revInfo xmlns:a="http://schemas.openxmlformats.org/drawingml/2006/main" xmlns:r="http://schemas.openxmlformats.org/officeDocument/2006/relationships" xmlns:p1510="http://schemas.microsoft.com/office/powerpoint/2015/10/main">
   <p1510:revLst>
-    <p1510:client id="{0CD06005-BE02-46D1-B07A-48E42C56809F}" v="5" dt="2021-11-29T23:04:16.369"/>
-    <p1510:client id="{4BE024F7-1545-4B72-AEEC-C0F382AEBC24}" v="1" dt="2021-11-30T22:07:32.014"/>
-    <p1510:client id="{9344AE72-F363-428B-B7F1-1C064A3A24DF}" v="120" dt="2021-11-30T22:34:37.864"/>
+    <p1510:client id="{9344AE72-F363-428B-B7F1-1C064A3A24DF}" v="123" dt="2021-12-17T00:09:07.009"/>
   </p1510:revLst>
 </p1510:revInfo>
 </file>
@@ -441,12 +439,12 @@
   <pc:docChgLst>
     <pc:chgData name="Aiden Jepson" userId="27ac3319768fac1a" providerId="LiveId" clId="{9344AE72-F363-428B-B7F1-1C064A3A24DF}"/>
     <pc:docChg chg="undo redo custSel modSld">
-      <pc:chgData name="Aiden Jepson" userId="27ac3319768fac1a" providerId="LiveId" clId="{9344AE72-F363-428B-B7F1-1C064A3A24DF}" dt="2021-11-30T22:36:18.624" v="191" actId="14100"/>
+      <pc:chgData name="Aiden Jepson" userId="27ac3319768fac1a" providerId="LiveId" clId="{9344AE72-F363-428B-B7F1-1C064A3A24DF}" dt="2021-12-17T00:09:07.008" v="229" actId="14826"/>
       <pc:docMkLst>
         <pc:docMk/>
       </pc:docMkLst>
       <pc:sldChg chg="addSp delSp modSp mod">
-        <pc:chgData name="Aiden Jepson" userId="27ac3319768fac1a" providerId="LiveId" clId="{9344AE72-F363-428B-B7F1-1C064A3A24DF}" dt="2021-11-30T22:36:18.624" v="191" actId="14100"/>
+        <pc:chgData name="Aiden Jepson" userId="27ac3319768fac1a" providerId="LiveId" clId="{9344AE72-F363-428B-B7F1-1C064A3A24DF}" dt="2021-12-17T00:09:07.008" v="229" actId="14826"/>
         <pc:sldMkLst>
           <pc:docMk/>
           <pc:sldMk cId="180280424" sldId="326"/>
@@ -459,6 +457,14 @@
             <ac:spMk id="19" creationId="{608F4391-B634-4647-8A0B-8ECA34A121BD}"/>
           </ac:spMkLst>
         </pc:spChg>
+        <pc:spChg chg="mod">
+          <ac:chgData name="Aiden Jepson" userId="27ac3319768fac1a" providerId="LiveId" clId="{9344AE72-F363-428B-B7F1-1C064A3A24DF}" dt="2021-12-17T00:08:59.789" v="227" actId="20577"/>
+          <ac:spMkLst>
+            <pc:docMk/>
+            <pc:sldMk cId="180280424" sldId="326"/>
+            <ac:spMk id="133" creationId="{9CD6EC34-8EEB-46FD-AF2F-9BB796E407EA}"/>
+          </ac:spMkLst>
+        </pc:spChg>
         <pc:picChg chg="add mod">
           <ac:chgData name="Aiden Jepson" userId="27ac3319768fac1a" providerId="LiveId" clId="{9344AE72-F363-428B-B7F1-1C064A3A24DF}" dt="2021-11-30T22:18:15.168" v="7" actId="1076"/>
           <ac:picMkLst>
@@ -467,8 +473,8 @@
             <ac:picMk id="9" creationId="{D40F93B3-220F-483A-A139-7736AF69F455}"/>
           </ac:picMkLst>
         </pc:picChg>
-        <pc:picChg chg="add mod">
-          <ac:chgData name="Aiden Jepson" userId="27ac3319768fac1a" providerId="LiveId" clId="{9344AE72-F363-428B-B7F1-1C064A3A24DF}" dt="2021-11-30T22:27:21.363" v="155" actId="14100"/>
+        <pc:picChg chg="add del mod">
+          <ac:chgData name="Aiden Jepson" userId="27ac3319768fac1a" providerId="LiveId" clId="{9344AE72-F363-428B-B7F1-1C064A3A24DF}" dt="2021-12-17T00:09:01.759" v="228" actId="478"/>
           <ac:picMkLst>
             <pc:docMk/>
             <pc:sldMk cId="180280424" sldId="326"/>
@@ -505,6 +511,22 @@
             <pc:docMk/>
             <pc:sldMk cId="180280424" sldId="326"/>
             <ac:picMk id="27" creationId="{98CEBC88-76FB-4223-A9DE-1C988649D7E9}"/>
+          </ac:picMkLst>
+        </pc:picChg>
+        <pc:picChg chg="mod">
+          <ac:chgData name="Aiden Jepson" userId="27ac3319768fac1a" providerId="LiveId" clId="{9344AE72-F363-428B-B7F1-1C064A3A24DF}" dt="2021-12-17T00:08:57.654" v="223" actId="14100"/>
+          <ac:picMkLst>
+            <pc:docMk/>
+            <pc:sldMk cId="180280424" sldId="326"/>
+            <ac:picMk id="130" creationId="{21EECA8D-7537-4FC0-B94F-71DCE19C40B8}"/>
+          </ac:picMkLst>
+        </pc:picChg>
+        <pc:picChg chg="mod">
+          <ac:chgData name="Aiden Jepson" userId="27ac3319768fac1a" providerId="LiveId" clId="{9344AE72-F363-428B-B7F1-1C064A3A24DF}" dt="2021-12-17T00:09:07.008" v="229" actId="14826"/>
+          <ac:picMkLst>
+            <pc:docMk/>
+            <pc:sldMk cId="180280424" sldId="326"/>
+            <ac:picMk id="135" creationId="{87D19866-70A9-43A6-8792-CE04481AD8F8}"/>
           </ac:picMkLst>
         </pc:picChg>
       </pc:sldChg>
@@ -2222,7 +2244,7 @@
           </a:ln>
           <a:extLst>
             <a:ext uri="{C572A759-6A51-4108-AA02-DFA0A04FC94B}">
-              <ma14:wrappingTextBoxFlag xmlns:ma14="http://schemas.microsoft.com/office/mac/drawingml/2011/main" xmlns:a14="http://schemas.microsoft.com/office/drawing/2010/main" xmlns:m="http://schemas.openxmlformats.org/officeDocument/2006/math" xmlns="" val="1"/>
+              <ma14:wrappingTextBoxFlag xmlns="" xmlns:m="http://schemas.openxmlformats.org/officeDocument/2006/math" xmlns:a14="http://schemas.microsoft.com/office/drawing/2010/main" xmlns:ma14="http://schemas.microsoft.com/office/mac/drawingml/2011/main" val="1"/>
             </a:ext>
           </a:extLst>
         </p:spPr>
@@ -2261,7 +2283,7 @@
           </a:ln>
           <a:extLst>
             <a:ext uri="{C572A759-6A51-4108-AA02-DFA0A04FC94B}">
-              <ma14:wrappingTextBoxFlag xmlns:ma14="http://schemas.microsoft.com/office/mac/drawingml/2011/main" xmlns:a14="http://schemas.microsoft.com/office/drawing/2010/main" xmlns:m="http://schemas.openxmlformats.org/officeDocument/2006/math" xmlns="" val="1"/>
+              <ma14:wrappingTextBoxFlag xmlns="" xmlns:m="http://schemas.openxmlformats.org/officeDocument/2006/math" xmlns:a14="http://schemas.microsoft.com/office/drawing/2010/main" xmlns:ma14="http://schemas.microsoft.com/office/mac/drawingml/2011/main" val="1"/>
             </a:ext>
           </a:extLst>
         </p:spPr>
@@ -3886,7 +3908,7 @@
           <a:effectLst/>
           <a:extLst>
             <a:ext uri="{C572A759-6A51-4108-AA02-DFA0A04FC94B}">
-              <ma14:wrappingTextBoxFlag xmlns:ma14="http://schemas.microsoft.com/office/mac/drawingml/2011/main" xmlns:a14="http://schemas.microsoft.com/office/drawing/2010/main" xmlns:m="http://schemas.openxmlformats.org/officeDocument/2006/math" xmlns="" val="1"/>
+              <ma14:wrappingTextBoxFlag xmlns="" xmlns:m="http://schemas.openxmlformats.org/officeDocument/2006/math" xmlns:a14="http://schemas.microsoft.com/office/drawing/2010/main" xmlns:ma14="http://schemas.microsoft.com/office/mac/drawingml/2011/main" val="1"/>
             </a:ext>
           </a:extLst>
         </p:spPr>
@@ -4189,7 +4211,7 @@
           <a:effectLst/>
           <a:extLst>
             <a:ext uri="{C572A759-6A51-4108-AA02-DFA0A04FC94B}">
-              <ma14:wrappingTextBoxFlag xmlns:ma14="http://schemas.microsoft.com/office/mac/drawingml/2011/main" xmlns:a14="http://schemas.microsoft.com/office/drawing/2010/main" xmlns:m="http://schemas.openxmlformats.org/officeDocument/2006/math" xmlns="" val="1"/>
+              <ma14:wrappingTextBoxFlag xmlns="" xmlns:m="http://schemas.openxmlformats.org/officeDocument/2006/math" xmlns:a14="http://schemas.microsoft.com/office/drawing/2010/main" xmlns:ma14="http://schemas.microsoft.com/office/mac/drawingml/2011/main" val="1"/>
             </a:ext>
           </a:extLst>
         </p:spPr>
@@ -4636,7 +4658,7 @@
           <a:effectLst/>
           <a:extLst>
             <a:ext uri="{C572A759-6A51-4108-AA02-DFA0A04FC94B}">
-              <ma14:wrappingTextBoxFlag xmlns:ma14="http://schemas.microsoft.com/office/mac/drawingml/2011/main" xmlns:a14="http://schemas.microsoft.com/office/drawing/2010/main" xmlns:m="http://schemas.openxmlformats.org/officeDocument/2006/math" xmlns="" val="1"/>
+              <ma14:wrappingTextBoxFlag xmlns="" xmlns:m="http://schemas.openxmlformats.org/officeDocument/2006/math" xmlns:a14="http://schemas.microsoft.com/office/drawing/2010/main" xmlns:ma14="http://schemas.microsoft.com/office/mac/drawingml/2011/main" val="1"/>
             </a:ext>
           </a:extLst>
         </p:spPr>
@@ -4940,7 +4962,7 @@
           <a:effectLst/>
           <a:extLst>
             <a:ext uri="{C572A759-6A51-4108-AA02-DFA0A04FC94B}">
-              <ma14:wrappingTextBoxFlag xmlns:ma14="http://schemas.microsoft.com/office/mac/drawingml/2011/main" xmlns:a14="http://schemas.microsoft.com/office/drawing/2010/main" xmlns:m="http://schemas.openxmlformats.org/officeDocument/2006/math" xmlns="" val="1"/>
+              <ma14:wrappingTextBoxFlag xmlns="" xmlns:m="http://schemas.openxmlformats.org/officeDocument/2006/math" xmlns:a14="http://schemas.microsoft.com/office/drawing/2010/main" xmlns:ma14="http://schemas.microsoft.com/office/mac/drawingml/2011/main" val="1"/>
             </a:ext>
           </a:extLst>
         </p:spPr>
@@ -5240,7 +5262,7 @@
           <a:effectLst/>
           <a:extLst>
             <a:ext uri="{C572A759-6A51-4108-AA02-DFA0A04FC94B}">
-              <ma14:wrappingTextBoxFlag xmlns:ma14="http://schemas.microsoft.com/office/mac/drawingml/2011/main" xmlns:a14="http://schemas.microsoft.com/office/drawing/2010/main" xmlns:m="http://schemas.openxmlformats.org/officeDocument/2006/math" xmlns="" val="1"/>
+              <ma14:wrappingTextBoxFlag xmlns="" xmlns:m="http://schemas.openxmlformats.org/officeDocument/2006/math" xmlns:a14="http://schemas.microsoft.com/office/drawing/2010/main" xmlns:ma14="http://schemas.microsoft.com/office/mac/drawingml/2011/main" val="1"/>
             </a:ext>
           </a:extLst>
         </p:spPr>
@@ -5544,7 +5566,7 @@
           <a:effectLst/>
           <a:extLst>
             <a:ext uri="{C572A759-6A51-4108-AA02-DFA0A04FC94B}">
-              <ma14:wrappingTextBoxFlag xmlns:ma14="http://schemas.microsoft.com/office/mac/drawingml/2011/main" xmlns:a14="http://schemas.microsoft.com/office/drawing/2010/main" xmlns:m="http://schemas.openxmlformats.org/officeDocument/2006/math" xmlns="" val="1"/>
+              <ma14:wrappingTextBoxFlag xmlns="" xmlns:m="http://schemas.openxmlformats.org/officeDocument/2006/math" xmlns:a14="http://schemas.microsoft.com/office/drawing/2010/main" xmlns:ma14="http://schemas.microsoft.com/office/mac/drawingml/2011/main" val="1"/>
             </a:ext>
           </a:extLst>
         </p:spPr>
@@ -6145,7 +6167,7 @@
           <a:effectLst/>
           <a:extLst>
             <a:ext uri="{C572A759-6A51-4108-AA02-DFA0A04FC94B}">
-              <ma14:wrappingTextBoxFlag xmlns:ma14="http://schemas.microsoft.com/office/mac/drawingml/2011/main" xmlns:a14="http://schemas.microsoft.com/office/drawing/2010/main" xmlns:m="http://schemas.openxmlformats.org/officeDocument/2006/math" xmlns="" val="1"/>
+              <ma14:wrappingTextBoxFlag xmlns="" xmlns:m="http://schemas.openxmlformats.org/officeDocument/2006/math" xmlns:a14="http://schemas.microsoft.com/office/drawing/2010/main" xmlns:ma14="http://schemas.microsoft.com/office/mac/drawingml/2011/main" val="1"/>
             </a:ext>
           </a:extLst>
         </p:spPr>
@@ -6270,7 +6292,7 @@
           </a:ln>
           <a:extLst>
             <a:ext uri="{C572A759-6A51-4108-AA02-DFA0A04FC94B}">
-              <ma14:wrappingTextBoxFlag xmlns:ma14="http://schemas.microsoft.com/office/mac/drawingml/2011/main" xmlns:a14="http://schemas.microsoft.com/office/drawing/2010/main" xmlns:m="http://schemas.openxmlformats.org/officeDocument/2006/math" xmlns="" val="1"/>
+              <ma14:wrappingTextBoxFlag xmlns="" xmlns:m="http://schemas.openxmlformats.org/officeDocument/2006/math" xmlns:a14="http://schemas.microsoft.com/office/drawing/2010/main" xmlns:ma14="http://schemas.microsoft.com/office/mac/drawingml/2011/main" val="1"/>
             </a:ext>
           </a:extLst>
         </p:spPr>
@@ -6509,7 +6531,7 @@
           <a:effectLst/>
           <a:extLst>
             <a:ext uri="{C572A759-6A51-4108-AA02-DFA0A04FC94B}">
-              <ma14:wrappingTextBoxFlag xmlns:ma14="http://schemas.microsoft.com/office/mac/drawingml/2011/main" xmlns:a14="http://schemas.microsoft.com/office/drawing/2010/main" xmlns:m="http://schemas.openxmlformats.org/officeDocument/2006/math" xmlns="" val="1"/>
+              <ma14:wrappingTextBoxFlag xmlns="" xmlns:m="http://schemas.openxmlformats.org/officeDocument/2006/math" xmlns:a14="http://schemas.microsoft.com/office/drawing/2010/main" xmlns:ma14="http://schemas.microsoft.com/office/mac/drawingml/2011/main" val="1"/>
             </a:ext>
           </a:extLst>
         </p:spPr>
@@ -6633,7 +6655,7 @@
           </a:ln>
           <a:extLst>
             <a:ext uri="{C572A759-6A51-4108-AA02-DFA0A04FC94B}">
-              <ma14:wrappingTextBoxFlag xmlns:ma14="http://schemas.microsoft.com/office/mac/drawingml/2011/main" xmlns:a14="http://schemas.microsoft.com/office/drawing/2010/main" xmlns:m="http://schemas.openxmlformats.org/officeDocument/2006/math" xmlns="" val="1"/>
+              <ma14:wrappingTextBoxFlag xmlns="" xmlns:m="http://schemas.openxmlformats.org/officeDocument/2006/math" xmlns:a14="http://schemas.microsoft.com/office/drawing/2010/main" xmlns:ma14="http://schemas.microsoft.com/office/mac/drawingml/2011/main" val="1"/>
             </a:ext>
           </a:extLst>
         </p:spPr>
@@ -6876,7 +6898,7 @@
           <a:effectLst/>
           <a:extLst>
             <a:ext uri="{C572A759-6A51-4108-AA02-DFA0A04FC94B}">
-              <ma14:wrappingTextBoxFlag xmlns:ma14="http://schemas.microsoft.com/office/mac/drawingml/2011/main" xmlns:a14="http://schemas.microsoft.com/office/drawing/2010/main" xmlns:m="http://schemas.openxmlformats.org/officeDocument/2006/math" xmlns="" val="1"/>
+              <ma14:wrappingTextBoxFlag xmlns="" xmlns:m="http://schemas.openxmlformats.org/officeDocument/2006/math" xmlns:a14="http://schemas.microsoft.com/office/drawing/2010/main" xmlns:ma14="http://schemas.microsoft.com/office/mac/drawingml/2011/main" val="1"/>
             </a:ext>
           </a:extLst>
         </p:spPr>
@@ -6900,8 +6922,13 @@
           <a:p>
             <a:r>
               <a:rPr lang="fr-FR" dirty="0"/>
-              <a:t>Okko Tolea</a:t>
+              <a:t>Alonso </a:t>
             </a:r>
+            <a:r>
+              <a:rPr lang="fr-FR" dirty="0" err="1"/>
+              <a:t>Calip</a:t>
+            </a:r>
+            <a:endParaRPr lang="fr-FR" dirty="0"/>
           </a:p>
           <a:p>
             <a:r>
@@ -6972,7 +6999,7 @@
           </p:cNvPicPr>
           <p:nvPr/>
         </p:nvPicPr>
-        <p:blipFill rotWithShape="1">
+        <p:blipFill>
           <a:blip r:embed="rId11">
             <a:extLst>
               <a:ext uri="{28A0092B-C50C-407E-A947-70E740481C1C}">
@@ -6980,7 +7007,7 @@
               </a:ext>
             </a:extLst>
           </a:blip>
-          <a:srcRect t="7849" b="7849"/>
+          <a:srcRect/>
           <a:stretch/>
         </p:blipFill>
         <p:spPr>
@@ -6999,7 +7026,7 @@
           </a:ln>
           <a:extLst>
             <a:ext uri="{C572A759-6A51-4108-AA02-DFA0A04FC94B}">
-              <ma14:wrappingTextBoxFlag xmlns:ma14="http://schemas.microsoft.com/office/mac/drawingml/2011/main" xmlns:a14="http://schemas.microsoft.com/office/drawing/2010/main" xmlns:m="http://schemas.openxmlformats.org/officeDocument/2006/math" xmlns="" val="1"/>
+              <ma14:wrappingTextBoxFlag xmlns="" xmlns:m="http://schemas.openxmlformats.org/officeDocument/2006/math" xmlns:a14="http://schemas.microsoft.com/office/drawing/2010/main" xmlns:ma14="http://schemas.microsoft.com/office/mac/drawingml/2011/main" val="1"/>
             </a:ext>
           </a:extLst>
         </p:spPr>
@@ -7242,7 +7269,7 @@
           <a:effectLst/>
           <a:extLst>
             <a:ext uri="{C572A759-6A51-4108-AA02-DFA0A04FC94B}">
-              <ma14:wrappingTextBoxFlag xmlns:ma14="http://schemas.microsoft.com/office/mac/drawingml/2011/main" xmlns:a14="http://schemas.microsoft.com/office/drawing/2010/main" xmlns:m="http://schemas.openxmlformats.org/officeDocument/2006/math" xmlns="" val="1"/>
+              <ma14:wrappingTextBoxFlag xmlns="" xmlns:m="http://schemas.openxmlformats.org/officeDocument/2006/math" xmlns:a14="http://schemas.microsoft.com/office/drawing/2010/main" xmlns:ma14="http://schemas.microsoft.com/office/mac/drawingml/2011/main" val="1"/>
             </a:ext>
           </a:extLst>
         </p:spPr>
@@ -7573,7 +7600,7 @@
           <a:effectLst/>
           <a:extLst>
             <a:ext uri="{C572A759-6A51-4108-AA02-DFA0A04FC94B}">
-              <ma14:wrappingTextBoxFlag xmlns:ma14="http://schemas.microsoft.com/office/mac/drawingml/2011/main" xmlns:a14="http://schemas.microsoft.com/office/drawing/2010/main" xmlns:m="http://schemas.openxmlformats.org/officeDocument/2006/math" xmlns="" val="1"/>
+              <ma14:wrappingTextBoxFlag xmlns="" xmlns:m="http://schemas.openxmlformats.org/officeDocument/2006/math" xmlns:a14="http://schemas.microsoft.com/office/drawing/2010/main" xmlns:ma14="http://schemas.microsoft.com/office/mac/drawingml/2011/main" val="1"/>
             </a:ext>
           </a:extLst>
         </p:spPr>
@@ -7904,7 +7931,7 @@
           <a:effectLst/>
           <a:extLst>
             <a:ext uri="{C572A759-6A51-4108-AA02-DFA0A04FC94B}">
-              <ma14:wrappingTextBoxFlag xmlns:ma14="http://schemas.microsoft.com/office/mac/drawingml/2011/main" xmlns:a14="http://schemas.microsoft.com/office/drawing/2010/main" xmlns:m="http://schemas.openxmlformats.org/officeDocument/2006/math" xmlns="" val="1"/>
+              <ma14:wrappingTextBoxFlag xmlns="" xmlns:m="http://schemas.openxmlformats.org/officeDocument/2006/math" xmlns:a14="http://schemas.microsoft.com/office/drawing/2010/main" xmlns:ma14="http://schemas.microsoft.com/office/mac/drawingml/2011/main" val="1"/>
             </a:ext>
           </a:extLst>
         </p:spPr>
@@ -8027,7 +8054,7 @@
           </a:ln>
           <a:extLst>
             <a:ext uri="{C572A759-6A51-4108-AA02-DFA0A04FC94B}">
-              <ma14:wrappingTextBoxFlag xmlns:ma14="http://schemas.microsoft.com/office/mac/drawingml/2011/main" xmlns:a14="http://schemas.microsoft.com/office/drawing/2010/main" xmlns:m="http://schemas.openxmlformats.org/officeDocument/2006/math" xmlns="" val="1"/>
+              <ma14:wrappingTextBoxFlag xmlns="" xmlns:m="http://schemas.openxmlformats.org/officeDocument/2006/math" xmlns:a14="http://schemas.microsoft.com/office/drawing/2010/main" xmlns:ma14="http://schemas.microsoft.com/office/mac/drawingml/2011/main" val="1"/>
             </a:ext>
           </a:extLst>
         </p:spPr>
@@ -8270,7 +8297,7 @@
           <a:effectLst/>
           <a:extLst>
             <a:ext uri="{C572A759-6A51-4108-AA02-DFA0A04FC94B}">
-              <ma14:wrappingTextBoxFlag xmlns:ma14="http://schemas.microsoft.com/office/mac/drawingml/2011/main" xmlns:a14="http://schemas.microsoft.com/office/drawing/2010/main" xmlns:m="http://schemas.openxmlformats.org/officeDocument/2006/math" xmlns="" val="1"/>
+              <ma14:wrappingTextBoxFlag xmlns="" xmlns:m="http://schemas.openxmlformats.org/officeDocument/2006/math" xmlns:a14="http://schemas.microsoft.com/office/drawing/2010/main" xmlns:ma14="http://schemas.microsoft.com/office/mac/drawingml/2011/main" val="1"/>
             </a:ext>
           </a:extLst>
         </p:spPr>
@@ -8395,7 +8422,7 @@
           </a:ln>
           <a:extLst>
             <a:ext uri="{C572A759-6A51-4108-AA02-DFA0A04FC94B}">
-              <ma14:wrappingTextBoxFlag xmlns:ma14="http://schemas.microsoft.com/office/mac/drawingml/2011/main" xmlns:a14="http://schemas.microsoft.com/office/drawing/2010/main" xmlns:m="http://schemas.openxmlformats.org/officeDocument/2006/math" xmlns="" val="1"/>
+              <ma14:wrappingTextBoxFlag xmlns="" xmlns:m="http://schemas.openxmlformats.org/officeDocument/2006/math" xmlns:a14="http://schemas.microsoft.com/office/drawing/2010/main" xmlns:ma14="http://schemas.microsoft.com/office/mac/drawingml/2011/main" val="1"/>
             </a:ext>
           </a:extLst>
         </p:spPr>
@@ -8808,7 +8835,7 @@
             <a:effectLst/>
             <a:extLst>
               <a:ext uri="{C572A759-6A51-4108-AA02-DFA0A04FC94B}">
-                <ma14:wrappingTextBoxFlag xmlns:ma14="http://schemas.microsoft.com/office/mac/drawingml/2011/main" xmlns:a14="http://schemas.microsoft.com/office/drawing/2010/main" xmlns:m="http://schemas.openxmlformats.org/officeDocument/2006/math" xmlns="" val="1"/>
+                <ma14:wrappingTextBoxFlag xmlns="" xmlns:m="http://schemas.openxmlformats.org/officeDocument/2006/math" xmlns:a14="http://schemas.microsoft.com/office/drawing/2010/main" xmlns:ma14="http://schemas.microsoft.com/office/mac/drawingml/2011/main" val="1"/>
               </a:ext>
             </a:extLst>
           </p:spPr>
@@ -8935,7 +8962,7 @@
             <a:effectLst/>
             <a:extLst>
               <a:ext uri="{C572A759-6A51-4108-AA02-DFA0A04FC94B}">
-                <ma14:wrappingTextBoxFlag xmlns:ma14="http://schemas.microsoft.com/office/mac/drawingml/2011/main" xmlns:a14="http://schemas.microsoft.com/office/drawing/2010/main" xmlns:m="http://schemas.openxmlformats.org/officeDocument/2006/math" xmlns="" val="1"/>
+                <ma14:wrappingTextBoxFlag xmlns="" xmlns:m="http://schemas.openxmlformats.org/officeDocument/2006/math" xmlns:a14="http://schemas.microsoft.com/office/drawing/2010/main" xmlns:ma14="http://schemas.microsoft.com/office/mac/drawingml/2011/main" val="1"/>
               </a:ext>
             </a:extLst>
           </p:spPr>
@@ -9197,7 +9224,7 @@
             <a:effectLst/>
             <a:extLst>
               <a:ext uri="{C572A759-6A51-4108-AA02-DFA0A04FC94B}">
-                <ma14:wrappingTextBoxFlag xmlns:ma14="http://schemas.microsoft.com/office/mac/drawingml/2011/main" xmlns:a14="http://schemas.microsoft.com/office/drawing/2010/main" xmlns:m="http://schemas.openxmlformats.org/officeDocument/2006/math" xmlns="" val="1"/>
+                <ma14:wrappingTextBoxFlag xmlns="" xmlns:m="http://schemas.openxmlformats.org/officeDocument/2006/math" xmlns:a14="http://schemas.microsoft.com/office/drawing/2010/main" xmlns:ma14="http://schemas.microsoft.com/office/mac/drawingml/2011/main" val="1"/>
               </a:ext>
             </a:extLst>
           </p:spPr>
@@ -9322,7 +9349,7 @@
             </a:ln>
             <a:extLst>
               <a:ext uri="{C572A759-6A51-4108-AA02-DFA0A04FC94B}">
-                <ma14:wrappingTextBoxFlag xmlns:ma14="http://schemas.microsoft.com/office/mac/drawingml/2011/main" xmlns:a14="http://schemas.microsoft.com/office/drawing/2010/main" xmlns:m="http://schemas.openxmlformats.org/officeDocument/2006/math" xmlns="" val="1"/>
+                <ma14:wrappingTextBoxFlag xmlns="" xmlns:m="http://schemas.openxmlformats.org/officeDocument/2006/math" xmlns:a14="http://schemas.microsoft.com/office/drawing/2010/main" xmlns:ma14="http://schemas.microsoft.com/office/mac/drawingml/2011/main" val="1"/>
               </a:ext>
             </a:extLst>
           </p:spPr>
@@ -9584,7 +9611,7 @@
             <a:effectLst/>
             <a:extLst>
               <a:ext uri="{C572A759-6A51-4108-AA02-DFA0A04FC94B}">
-                <ma14:wrappingTextBoxFlag xmlns:ma14="http://schemas.microsoft.com/office/mac/drawingml/2011/main" xmlns:a14="http://schemas.microsoft.com/office/drawing/2010/main" xmlns:m="http://schemas.openxmlformats.org/officeDocument/2006/math" xmlns="" val="1"/>
+                <ma14:wrappingTextBoxFlag xmlns="" xmlns:m="http://schemas.openxmlformats.org/officeDocument/2006/math" xmlns:a14="http://schemas.microsoft.com/office/drawing/2010/main" xmlns:ma14="http://schemas.microsoft.com/office/mac/drawingml/2011/main" val="1"/>
               </a:ext>
             </a:extLst>
           </p:spPr>
@@ -9709,7 +9736,7 @@
             </a:ln>
             <a:extLst>
               <a:ext uri="{C572A759-6A51-4108-AA02-DFA0A04FC94B}">
-                <ma14:wrappingTextBoxFlag xmlns:ma14="http://schemas.microsoft.com/office/mac/drawingml/2011/main" xmlns:a14="http://schemas.microsoft.com/office/drawing/2010/main" xmlns:m="http://schemas.openxmlformats.org/officeDocument/2006/math" xmlns="" val="1"/>
+                <ma14:wrappingTextBoxFlag xmlns="" xmlns:m="http://schemas.openxmlformats.org/officeDocument/2006/math" xmlns:a14="http://schemas.microsoft.com/office/drawing/2010/main" xmlns:ma14="http://schemas.microsoft.com/office/mac/drawingml/2011/main" val="1"/>
               </a:ext>
             </a:extLst>
           </p:spPr>
@@ -9971,7 +9998,7 @@
             <a:effectLst/>
             <a:extLst>
               <a:ext uri="{C572A759-6A51-4108-AA02-DFA0A04FC94B}">
-                <ma14:wrappingTextBoxFlag xmlns:ma14="http://schemas.microsoft.com/office/mac/drawingml/2011/main" xmlns:a14="http://schemas.microsoft.com/office/drawing/2010/main" xmlns:m="http://schemas.openxmlformats.org/officeDocument/2006/math" xmlns="" val="1"/>
+                <ma14:wrappingTextBoxFlag xmlns="" xmlns:m="http://schemas.openxmlformats.org/officeDocument/2006/math" xmlns:a14="http://schemas.microsoft.com/office/drawing/2010/main" xmlns:ma14="http://schemas.microsoft.com/office/mac/drawingml/2011/main" val="1"/>
               </a:ext>
             </a:extLst>
           </p:spPr>
@@ -10096,7 +10123,7 @@
             </a:ln>
             <a:extLst>
               <a:ext uri="{C572A759-6A51-4108-AA02-DFA0A04FC94B}">
-                <ma14:wrappingTextBoxFlag xmlns:ma14="http://schemas.microsoft.com/office/mac/drawingml/2011/main" xmlns:a14="http://schemas.microsoft.com/office/drawing/2010/main" xmlns:m="http://schemas.openxmlformats.org/officeDocument/2006/math" xmlns="" val="1"/>
+                <ma14:wrappingTextBoxFlag xmlns="" xmlns:m="http://schemas.openxmlformats.org/officeDocument/2006/math" xmlns:a14="http://schemas.microsoft.com/office/drawing/2010/main" xmlns:ma14="http://schemas.microsoft.com/office/mac/drawingml/2011/main" val="1"/>
               </a:ext>
             </a:extLst>
           </p:spPr>
@@ -10340,7 +10367,7 @@
           <a:effectLst/>
           <a:extLst>
             <a:ext uri="{C572A759-6A51-4108-AA02-DFA0A04FC94B}">
-              <ma14:wrappingTextBoxFlag xmlns:ma14="http://schemas.microsoft.com/office/mac/drawingml/2011/main" xmlns:a14="http://schemas.microsoft.com/office/drawing/2010/main" xmlns:m="http://schemas.openxmlformats.org/officeDocument/2006/math" xmlns="" val="1"/>
+              <ma14:wrappingTextBoxFlag xmlns="" xmlns:m="http://schemas.openxmlformats.org/officeDocument/2006/math" xmlns:a14="http://schemas.microsoft.com/office/drawing/2010/main" xmlns:ma14="http://schemas.microsoft.com/office/mac/drawingml/2011/main" val="1"/>
             </a:ext>
           </a:extLst>
         </p:spPr>
@@ -10457,7 +10484,7 @@
           </a:ln>
           <a:extLst>
             <a:ext uri="{C572A759-6A51-4108-AA02-DFA0A04FC94B}">
-              <ma14:wrappingTextBoxFlag xmlns:ma14="http://schemas.microsoft.com/office/mac/drawingml/2011/main" xmlns:a14="http://schemas.microsoft.com/office/drawing/2010/main" xmlns:m="http://schemas.openxmlformats.org/officeDocument/2006/math" xmlns="" val="1"/>
+              <ma14:wrappingTextBoxFlag xmlns="" xmlns:m="http://schemas.openxmlformats.org/officeDocument/2006/math" xmlns:a14="http://schemas.microsoft.com/office/drawing/2010/main" xmlns:ma14="http://schemas.microsoft.com/office/mac/drawingml/2011/main" val="1"/>
             </a:ext>
           </a:extLst>
         </p:spPr>
@@ -10653,7 +10680,7 @@
           </a:ln>
           <a:extLst>
             <a:ext uri="{C572A759-6A51-4108-AA02-DFA0A04FC94B}">
-              <ma14:wrappingTextBoxFlag xmlns:ma14="http://schemas.microsoft.com/office/mac/drawingml/2011/main" xmlns:a14="http://schemas.microsoft.com/office/drawing/2010/main" xmlns:m="http://schemas.openxmlformats.org/officeDocument/2006/math" xmlns="" val="1"/>
+              <ma14:wrappingTextBoxFlag xmlns="" xmlns:m="http://schemas.openxmlformats.org/officeDocument/2006/math" xmlns:a14="http://schemas.microsoft.com/office/drawing/2010/main" xmlns:ma14="http://schemas.microsoft.com/office/mac/drawingml/2011/main" val="1"/>
             </a:ext>
           </a:extLst>
         </p:spPr>
@@ -10936,7 +10963,7 @@
           <a:effectLst/>
           <a:extLst>
             <a:ext uri="{C572A759-6A51-4108-AA02-DFA0A04FC94B}">
-              <ma14:wrappingTextBoxFlag xmlns:ma14="http://schemas.microsoft.com/office/mac/drawingml/2011/main" xmlns:a14="http://schemas.microsoft.com/office/drawing/2010/main" xmlns:m="http://schemas.openxmlformats.org/officeDocument/2006/math" xmlns="" val="1"/>
+              <ma14:wrappingTextBoxFlag xmlns="" xmlns:m="http://schemas.openxmlformats.org/officeDocument/2006/math" xmlns:a14="http://schemas.microsoft.com/office/drawing/2010/main" xmlns:ma14="http://schemas.microsoft.com/office/mac/drawingml/2011/main" val="1"/>
             </a:ext>
           </a:extLst>
         </p:spPr>
@@ -11061,7 +11088,7 @@
           </a:ln>
           <a:extLst>
             <a:ext uri="{C572A759-6A51-4108-AA02-DFA0A04FC94B}">
-              <ma14:wrappingTextBoxFlag xmlns:ma14="http://schemas.microsoft.com/office/mac/drawingml/2011/main" xmlns:a14="http://schemas.microsoft.com/office/drawing/2010/main" xmlns:m="http://schemas.openxmlformats.org/officeDocument/2006/math" xmlns="" val="1"/>
+              <ma14:wrappingTextBoxFlag xmlns="" xmlns:m="http://schemas.openxmlformats.org/officeDocument/2006/math" xmlns:a14="http://schemas.microsoft.com/office/drawing/2010/main" xmlns:ma14="http://schemas.microsoft.com/office/mac/drawingml/2011/main" val="1"/>
             </a:ext>
           </a:extLst>
         </p:spPr>
@@ -11304,7 +11331,7 @@
           <a:effectLst/>
           <a:extLst>
             <a:ext uri="{C572A759-6A51-4108-AA02-DFA0A04FC94B}">
-              <ma14:wrappingTextBoxFlag xmlns:ma14="http://schemas.microsoft.com/office/mac/drawingml/2011/main" xmlns:a14="http://schemas.microsoft.com/office/drawing/2010/main" xmlns:m="http://schemas.openxmlformats.org/officeDocument/2006/math" xmlns="" val="1"/>
+              <ma14:wrappingTextBoxFlag xmlns="" xmlns:m="http://schemas.openxmlformats.org/officeDocument/2006/math" xmlns:a14="http://schemas.microsoft.com/office/drawing/2010/main" xmlns:ma14="http://schemas.microsoft.com/office/mac/drawingml/2011/main" val="1"/>
             </a:ext>
           </a:extLst>
         </p:spPr>
@@ -11427,7 +11454,7 @@
           </a:ln>
           <a:extLst>
             <a:ext uri="{C572A759-6A51-4108-AA02-DFA0A04FC94B}">
-              <ma14:wrappingTextBoxFlag xmlns:ma14="http://schemas.microsoft.com/office/mac/drawingml/2011/main" xmlns:a14="http://schemas.microsoft.com/office/drawing/2010/main" xmlns:m="http://schemas.openxmlformats.org/officeDocument/2006/math" xmlns="" val="1"/>
+              <ma14:wrappingTextBoxFlag xmlns="" xmlns:m="http://schemas.openxmlformats.org/officeDocument/2006/math" xmlns:a14="http://schemas.microsoft.com/office/drawing/2010/main" xmlns:ma14="http://schemas.microsoft.com/office/mac/drawingml/2011/main" val="1"/>
             </a:ext>
           </a:extLst>
         </p:spPr>
@@ -11770,7 +11797,7 @@
           <a:effectLst/>
           <a:extLst>
             <a:ext uri="{C572A759-6A51-4108-AA02-DFA0A04FC94B}">
-              <ma14:wrappingTextBoxFlag xmlns:ma14="http://schemas.microsoft.com/office/mac/drawingml/2011/main" xmlns:a14="http://schemas.microsoft.com/office/drawing/2010/main" xmlns:m="http://schemas.openxmlformats.org/officeDocument/2006/math" xmlns="" val="1"/>
+              <ma14:wrappingTextBoxFlag xmlns="" xmlns:m="http://schemas.openxmlformats.org/officeDocument/2006/math" xmlns:a14="http://schemas.microsoft.com/office/drawing/2010/main" xmlns:ma14="http://schemas.microsoft.com/office/mac/drawingml/2011/main" val="1"/>
             </a:ext>
           </a:extLst>
         </p:spPr>
@@ -12091,7 +12118,7 @@
           <a:effectLst/>
           <a:extLst>
             <a:ext uri="{C572A759-6A51-4108-AA02-DFA0A04FC94B}">
-              <ma14:wrappingTextBoxFlag xmlns:ma14="http://schemas.microsoft.com/office/mac/drawingml/2011/main" xmlns:a14="http://schemas.microsoft.com/office/drawing/2010/main" xmlns:m="http://schemas.openxmlformats.org/officeDocument/2006/math" xmlns="" val="1"/>
+              <ma14:wrappingTextBoxFlag xmlns="" xmlns:m="http://schemas.openxmlformats.org/officeDocument/2006/math" xmlns:a14="http://schemas.microsoft.com/office/drawing/2010/main" xmlns:ma14="http://schemas.microsoft.com/office/mac/drawingml/2011/main" val="1"/>
             </a:ext>
           </a:extLst>
         </p:spPr>
@@ -12225,7 +12252,7 @@
           </a:ln>
           <a:extLst>
             <a:ext uri="{C572A759-6A51-4108-AA02-DFA0A04FC94B}">
-              <ma14:wrappingTextBoxFlag xmlns:ma14="http://schemas.microsoft.com/office/mac/drawingml/2011/main" xmlns:a14="http://schemas.microsoft.com/office/drawing/2010/main" xmlns:m="http://schemas.openxmlformats.org/officeDocument/2006/math" xmlns="" val="1"/>
+              <ma14:wrappingTextBoxFlag xmlns="" xmlns:m="http://schemas.openxmlformats.org/officeDocument/2006/math" xmlns:a14="http://schemas.microsoft.com/office/drawing/2010/main" xmlns:ma14="http://schemas.microsoft.com/office/mac/drawingml/2011/main" val="1"/>
             </a:ext>
           </a:extLst>
         </p:spPr>
@@ -12468,7 +12495,7 @@
           <a:effectLst/>
           <a:extLst>
             <a:ext uri="{C572A759-6A51-4108-AA02-DFA0A04FC94B}">
-              <ma14:wrappingTextBoxFlag xmlns:ma14="http://schemas.microsoft.com/office/mac/drawingml/2011/main" xmlns:a14="http://schemas.microsoft.com/office/drawing/2010/main" xmlns:m="http://schemas.openxmlformats.org/officeDocument/2006/math" xmlns="" val="1"/>
+              <ma14:wrappingTextBoxFlag xmlns="" xmlns:m="http://schemas.openxmlformats.org/officeDocument/2006/math" xmlns:a14="http://schemas.microsoft.com/office/drawing/2010/main" xmlns:ma14="http://schemas.microsoft.com/office/mac/drawingml/2011/main" val="1"/>
             </a:ext>
           </a:extLst>
         </p:spPr>
@@ -12591,7 +12618,7 @@
           </a:ln>
           <a:extLst>
             <a:ext uri="{C572A759-6A51-4108-AA02-DFA0A04FC94B}">
-              <ma14:wrappingTextBoxFlag xmlns:ma14="http://schemas.microsoft.com/office/mac/drawingml/2011/main" xmlns:a14="http://schemas.microsoft.com/office/drawing/2010/main" xmlns:m="http://schemas.openxmlformats.org/officeDocument/2006/math" xmlns="" val="1"/>
+              <ma14:wrappingTextBoxFlag xmlns="" xmlns:m="http://schemas.openxmlformats.org/officeDocument/2006/math" xmlns:a14="http://schemas.microsoft.com/office/drawing/2010/main" xmlns:ma14="http://schemas.microsoft.com/office/mac/drawingml/2011/main" val="1"/>
             </a:ext>
           </a:extLst>
         </p:spPr>
@@ -12647,10 +12674,10 @@
       </p:pic>
       <p:pic>
         <p:nvPicPr>
-          <p:cNvPr id="12" name="Picture 11">
+          <p:cNvPr id="21" name="Picture 20" descr="A brown cowboy hat&#10;&#10;Description automatically generated with low confidence">
             <a:extLst>
               <a:ext uri="{FF2B5EF4-FFF2-40B4-BE49-F238E27FC236}">
-                <a16:creationId xmlns:a16="http://schemas.microsoft.com/office/drawing/2014/main" id="{B64A556E-740D-40D7-9A31-5B78260E85C3}"/>
+                <a16:creationId xmlns:a16="http://schemas.microsoft.com/office/drawing/2014/main" id="{0395B0B0-BA44-40C6-BDBF-4546D2479EE3}"/>
               </a:ext>
             </a:extLst>
           </p:cNvPr>
@@ -12672,69 +12699,11 @@
               </a:clrTo>
             </a:clrChange>
             <a:extLst>
-              <a:ext uri="{BEBA8EAE-BF5A-486C-A8C5-ECC9F3942E4B}">
-                <a14:imgProps xmlns:a14="http://schemas.microsoft.com/office/drawing/2010/main">
-                  <a14:imgLayer r:embed="rId28">
-                    <a14:imgEffect>
-                      <a14:brightnessContrast bright="20000"/>
-                    </a14:imgEffect>
-                  </a14:imgLayer>
-                </a14:imgProps>
-              </a:ext>
               <a:ext uri="{28A0092B-C50C-407E-A947-70E740481C1C}">
                 <a14:useLocalDpi xmlns:a14="http://schemas.microsoft.com/office/drawing/2010/main" val="0"/>
               </a:ext>
               <a:ext uri="{837473B0-CC2E-450A-ABE3-18F120FF3D39}">
-                <a1611:picAttrSrcUrl xmlns:a1611="http://schemas.microsoft.com/office/drawing/2016/11/main" r:id="rId29"/>
-              </a:ext>
-            </a:extLst>
-          </a:blip>
-          <a:stretch>
-            <a:fillRect/>
-          </a:stretch>
-        </p:blipFill>
-        <p:spPr>
-          <a:xfrm>
-            <a:off x="4162051" y="1225131"/>
-            <a:ext cx="1648141" cy="1648141"/>
-          </a:xfrm>
-          <a:prstGeom prst="rect">
-            <a:avLst/>
-          </a:prstGeom>
-        </p:spPr>
-      </p:pic>
-      <p:pic>
-        <p:nvPicPr>
-          <p:cNvPr id="21" name="Picture 20" descr="A brown cowboy hat&#10;&#10;Description automatically generated with low confidence">
-            <a:extLst>
-              <a:ext uri="{FF2B5EF4-FFF2-40B4-BE49-F238E27FC236}">
-                <a16:creationId xmlns:a16="http://schemas.microsoft.com/office/drawing/2014/main" id="{0395B0B0-BA44-40C6-BDBF-4546D2479EE3}"/>
-              </a:ext>
-            </a:extLst>
-          </p:cNvPr>
-          <p:cNvPicPr>
-            <a:picLocks noChangeAspect="1"/>
-          </p:cNvPicPr>
-          <p:nvPr/>
-        </p:nvPicPr>
-        <p:blipFill>
-          <a:blip r:embed="rId30">
-            <a:clrChange>
-              <a:clrFrom>
-                <a:srgbClr val="FFFFFF"/>
-              </a:clrFrom>
-              <a:clrTo>
-                <a:srgbClr val="FFFFFF">
-                  <a:alpha val="0"/>
-                </a:srgbClr>
-              </a:clrTo>
-            </a:clrChange>
-            <a:extLst>
-              <a:ext uri="{28A0092B-C50C-407E-A947-70E740481C1C}">
-                <a14:useLocalDpi xmlns:a14="http://schemas.microsoft.com/office/drawing/2010/main" val="0"/>
-              </a:ext>
-              <a:ext uri="{837473B0-CC2E-450A-ABE3-18F120FF3D39}">
-                <a1611:picAttrSrcUrl xmlns:a1611="http://schemas.microsoft.com/office/drawing/2016/11/main" r:id="rId31"/>
+                <a1611:picAttrSrcUrl xmlns:a1611="http://schemas.microsoft.com/office/drawing/2016/11/main" r:id="rId28"/>
               </a:ext>
             </a:extLst>
           </a:blip>
@@ -12767,7 +12736,7 @@
           <p:nvPr/>
         </p:nvPicPr>
         <p:blipFill>
-          <a:blip r:embed="rId32">
+          <a:blip r:embed="rId29">
             <a:extLst>
               <a:ext uri="{28A0092B-C50C-407E-A947-70E740481C1C}">
                 <a14:useLocalDpi xmlns:a14="http://schemas.microsoft.com/office/drawing/2010/main" val="0"/>
@@ -12803,7 +12772,7 @@
           <p:nvPr/>
         </p:nvPicPr>
         <p:blipFill>
-          <a:blip r:embed="rId33">
+          <a:blip r:embed="rId30">
             <a:clrChange>
               <a:clrFrom>
                 <a:srgbClr val="000000"/>

--- a/images/alliance-leadership/Brave-Leadership 2.pptx
+++ b/images/alliance-leadership/Brave-Leadership 2.pptx
@@ -333,7 +333,7 @@
 <file path=ppt/revisionInfo.xml><?xml version="1.0" encoding="utf-8"?>
 <p1510:revInfo xmlns:a="http://schemas.openxmlformats.org/drawingml/2006/main" xmlns:r="http://schemas.openxmlformats.org/officeDocument/2006/relationships" xmlns:p1510="http://schemas.microsoft.com/office/powerpoint/2015/10/main">
   <p1510:revLst>
-    <p1510:client id="{9344AE72-F363-428B-B7F1-1C064A3A24DF}" v="123" dt="2021-12-17T00:09:07.009"/>
+    <p1510:client id="{9344AE72-F363-428B-B7F1-1C064A3A24DF}" v="127" dt="2021-12-23T19:24:38.358"/>
   </p1510:revLst>
 </p1510:revInfo>
 </file>
@@ -439,12 +439,12 @@
   <pc:docChgLst>
     <pc:chgData name="Aiden Jepson" userId="27ac3319768fac1a" providerId="LiveId" clId="{9344AE72-F363-428B-B7F1-1C064A3A24DF}"/>
     <pc:docChg chg="undo redo custSel modSld">
-      <pc:chgData name="Aiden Jepson" userId="27ac3319768fac1a" providerId="LiveId" clId="{9344AE72-F363-428B-B7F1-1C064A3A24DF}" dt="2021-12-17T00:09:07.008" v="229" actId="14826"/>
+      <pc:chgData name="Aiden Jepson" userId="27ac3319768fac1a" providerId="LiveId" clId="{9344AE72-F363-428B-B7F1-1C064A3A24DF}" dt="2021-12-23T19:25:06.478" v="267" actId="1076"/>
       <pc:docMkLst>
         <pc:docMk/>
       </pc:docMkLst>
       <pc:sldChg chg="addSp delSp modSp mod">
-        <pc:chgData name="Aiden Jepson" userId="27ac3319768fac1a" providerId="LiveId" clId="{9344AE72-F363-428B-B7F1-1C064A3A24DF}" dt="2021-12-17T00:09:07.008" v="229" actId="14826"/>
+        <pc:chgData name="Aiden Jepson" userId="27ac3319768fac1a" providerId="LiveId" clId="{9344AE72-F363-428B-B7F1-1C064A3A24DF}" dt="2021-12-23T19:25:06.478" v="267" actId="1076"/>
         <pc:sldMkLst>
           <pc:docMk/>
           <pc:sldMk cId="180280424" sldId="326"/>
@@ -463,6 +463,38 @@
             <pc:docMk/>
             <pc:sldMk cId="180280424" sldId="326"/>
             <ac:spMk id="133" creationId="{9CD6EC34-8EEB-46FD-AF2F-9BB796E407EA}"/>
+          </ac:spMkLst>
+        </pc:spChg>
+        <pc:spChg chg="mod">
+          <ac:chgData name="Aiden Jepson" userId="27ac3319768fac1a" providerId="LiveId" clId="{9344AE72-F363-428B-B7F1-1C064A3A24DF}" dt="2021-12-23T19:24:02.404" v="255" actId="20577"/>
+          <ac:spMkLst>
+            <pc:docMk/>
+            <pc:sldMk cId="180280424" sldId="326"/>
+            <ac:spMk id="140" creationId="{D885C9C9-DFF7-4F23-BF55-443583094A88}"/>
+          </ac:spMkLst>
+        </pc:spChg>
+        <pc:spChg chg="mod">
+          <ac:chgData name="Aiden Jepson" userId="27ac3319768fac1a" providerId="LiveId" clId="{9344AE72-F363-428B-B7F1-1C064A3A24DF}" dt="2021-12-23T19:24:05.225" v="256" actId="6549"/>
+          <ac:spMkLst>
+            <pc:docMk/>
+            <pc:sldMk cId="180280424" sldId="326"/>
+            <ac:spMk id="141" creationId="{7F06402D-4F5A-4766-84E6-5C262AC2DC70}"/>
+          </ac:spMkLst>
+        </pc:spChg>
+        <pc:spChg chg="mod">
+          <ac:chgData name="Aiden Jepson" userId="27ac3319768fac1a" providerId="LiveId" clId="{9344AE72-F363-428B-B7F1-1C064A3A24DF}" dt="2021-12-23T19:23:55.857" v="242" actId="20577"/>
+          <ac:spMkLst>
+            <pc:docMk/>
+            <pc:sldMk cId="180280424" sldId="326"/>
+            <ac:spMk id="144" creationId="{67420542-4341-4ADE-A361-87A3D3C8B439}"/>
+          </ac:spMkLst>
+        </pc:spChg>
+        <pc:spChg chg="mod">
+          <ac:chgData name="Aiden Jepson" userId="27ac3319768fac1a" providerId="LiveId" clId="{9344AE72-F363-428B-B7F1-1C064A3A24DF}" dt="2021-12-23T19:24:06.267" v="257" actId="20577"/>
+          <ac:spMkLst>
+            <pc:docMk/>
+            <pc:sldMk cId="180280424" sldId="326"/>
+            <ac:spMk id="145" creationId="{5180372D-6DC6-4818-9342-15A71A472830}"/>
           </ac:spMkLst>
         </pc:spChg>
         <pc:picChg chg="add mod">
@@ -527,6 +559,22 @@
             <pc:docMk/>
             <pc:sldMk cId="180280424" sldId="326"/>
             <ac:picMk id="135" creationId="{87D19866-70A9-43A6-8792-CE04481AD8F8}"/>
+          </ac:picMkLst>
+        </pc:picChg>
+        <pc:picChg chg="add mod">
+          <ac:chgData name="Aiden Jepson" userId="27ac3319768fac1a" providerId="LiveId" clId="{9344AE72-F363-428B-B7F1-1C064A3A24DF}" dt="2021-12-23T19:25:06.478" v="267" actId="1076"/>
+          <ac:picMkLst>
+            <pc:docMk/>
+            <pc:sldMk cId="180280424" sldId="326"/>
+            <ac:picMk id="136" creationId="{9AC30070-2832-4362-A6C0-383D145DC885}"/>
+          </ac:picMkLst>
+        </pc:picChg>
+        <pc:picChg chg="add mod">
+          <ac:chgData name="Aiden Jepson" userId="27ac3319768fac1a" providerId="LiveId" clId="{9344AE72-F363-428B-B7F1-1C064A3A24DF}" dt="2021-12-23T19:24:48.984" v="264" actId="1076"/>
+          <ac:picMkLst>
+            <pc:docMk/>
+            <pc:sldMk cId="180280424" sldId="326"/>
+            <ac:picMk id="142" creationId="{417B4E8A-062E-4B26-A131-144C298D759A}"/>
           </ac:picMkLst>
         </pc:picChg>
       </pc:sldChg>
@@ -2244,7 +2292,7 @@
           </a:ln>
           <a:extLst>
             <a:ext uri="{C572A759-6A51-4108-AA02-DFA0A04FC94B}">
-              <ma14:wrappingTextBoxFlag xmlns="" xmlns:m="http://schemas.openxmlformats.org/officeDocument/2006/math" xmlns:a14="http://schemas.microsoft.com/office/drawing/2010/main" xmlns:ma14="http://schemas.microsoft.com/office/mac/drawingml/2011/main" val="1"/>
+              <ma14:wrappingTextBoxFlag xmlns:ma14="http://schemas.microsoft.com/office/mac/drawingml/2011/main" xmlns:a14="http://schemas.microsoft.com/office/drawing/2010/main" xmlns:m="http://schemas.openxmlformats.org/officeDocument/2006/math" xmlns="" val="1"/>
             </a:ext>
           </a:extLst>
         </p:spPr>
@@ -2283,7 +2331,7 @@
           </a:ln>
           <a:extLst>
             <a:ext uri="{C572A759-6A51-4108-AA02-DFA0A04FC94B}">
-              <ma14:wrappingTextBoxFlag xmlns="" xmlns:m="http://schemas.openxmlformats.org/officeDocument/2006/math" xmlns:a14="http://schemas.microsoft.com/office/drawing/2010/main" xmlns:ma14="http://schemas.microsoft.com/office/mac/drawingml/2011/main" val="1"/>
+              <ma14:wrappingTextBoxFlag xmlns:ma14="http://schemas.microsoft.com/office/mac/drawingml/2011/main" xmlns:a14="http://schemas.microsoft.com/office/drawing/2010/main" xmlns:m="http://schemas.openxmlformats.org/officeDocument/2006/math" xmlns="" val="1"/>
             </a:ext>
           </a:extLst>
         </p:spPr>
@@ -3908,7 +3956,7 @@
           <a:effectLst/>
           <a:extLst>
             <a:ext uri="{C572A759-6A51-4108-AA02-DFA0A04FC94B}">
-              <ma14:wrappingTextBoxFlag xmlns="" xmlns:m="http://schemas.openxmlformats.org/officeDocument/2006/math" xmlns:a14="http://schemas.microsoft.com/office/drawing/2010/main" xmlns:ma14="http://schemas.microsoft.com/office/mac/drawingml/2011/main" val="1"/>
+              <ma14:wrappingTextBoxFlag xmlns:ma14="http://schemas.microsoft.com/office/mac/drawingml/2011/main" xmlns:a14="http://schemas.microsoft.com/office/drawing/2010/main" xmlns:m="http://schemas.openxmlformats.org/officeDocument/2006/math" xmlns="" val="1"/>
             </a:ext>
           </a:extLst>
         </p:spPr>
@@ -4211,7 +4259,7 @@
           <a:effectLst/>
           <a:extLst>
             <a:ext uri="{C572A759-6A51-4108-AA02-DFA0A04FC94B}">
-              <ma14:wrappingTextBoxFlag xmlns="" xmlns:m="http://schemas.openxmlformats.org/officeDocument/2006/math" xmlns:a14="http://schemas.microsoft.com/office/drawing/2010/main" xmlns:ma14="http://schemas.microsoft.com/office/mac/drawingml/2011/main" val="1"/>
+              <ma14:wrappingTextBoxFlag xmlns:ma14="http://schemas.microsoft.com/office/mac/drawingml/2011/main" xmlns:a14="http://schemas.microsoft.com/office/drawing/2010/main" xmlns:m="http://schemas.openxmlformats.org/officeDocument/2006/math" xmlns="" val="1"/>
             </a:ext>
           </a:extLst>
         </p:spPr>
@@ -4658,7 +4706,7 @@
           <a:effectLst/>
           <a:extLst>
             <a:ext uri="{C572A759-6A51-4108-AA02-DFA0A04FC94B}">
-              <ma14:wrappingTextBoxFlag xmlns="" xmlns:m="http://schemas.openxmlformats.org/officeDocument/2006/math" xmlns:a14="http://schemas.microsoft.com/office/drawing/2010/main" xmlns:ma14="http://schemas.microsoft.com/office/mac/drawingml/2011/main" val="1"/>
+              <ma14:wrappingTextBoxFlag xmlns:ma14="http://schemas.microsoft.com/office/mac/drawingml/2011/main" xmlns:a14="http://schemas.microsoft.com/office/drawing/2010/main" xmlns:m="http://schemas.openxmlformats.org/officeDocument/2006/math" xmlns="" val="1"/>
             </a:ext>
           </a:extLst>
         </p:spPr>
@@ -4962,7 +5010,7 @@
           <a:effectLst/>
           <a:extLst>
             <a:ext uri="{C572A759-6A51-4108-AA02-DFA0A04FC94B}">
-              <ma14:wrappingTextBoxFlag xmlns="" xmlns:m="http://schemas.openxmlformats.org/officeDocument/2006/math" xmlns:a14="http://schemas.microsoft.com/office/drawing/2010/main" xmlns:ma14="http://schemas.microsoft.com/office/mac/drawingml/2011/main" val="1"/>
+              <ma14:wrappingTextBoxFlag xmlns:ma14="http://schemas.microsoft.com/office/mac/drawingml/2011/main" xmlns:a14="http://schemas.microsoft.com/office/drawing/2010/main" xmlns:m="http://schemas.openxmlformats.org/officeDocument/2006/math" xmlns="" val="1"/>
             </a:ext>
           </a:extLst>
         </p:spPr>
@@ -5262,7 +5310,7 @@
           <a:effectLst/>
           <a:extLst>
             <a:ext uri="{C572A759-6A51-4108-AA02-DFA0A04FC94B}">
-              <ma14:wrappingTextBoxFlag xmlns="" xmlns:m="http://schemas.openxmlformats.org/officeDocument/2006/math" xmlns:a14="http://schemas.microsoft.com/office/drawing/2010/main" xmlns:ma14="http://schemas.microsoft.com/office/mac/drawingml/2011/main" val="1"/>
+              <ma14:wrappingTextBoxFlag xmlns:ma14="http://schemas.microsoft.com/office/mac/drawingml/2011/main" xmlns:a14="http://schemas.microsoft.com/office/drawing/2010/main" xmlns:m="http://schemas.openxmlformats.org/officeDocument/2006/math" xmlns="" val="1"/>
             </a:ext>
           </a:extLst>
         </p:spPr>
@@ -5566,7 +5614,7 @@
           <a:effectLst/>
           <a:extLst>
             <a:ext uri="{C572A759-6A51-4108-AA02-DFA0A04FC94B}">
-              <ma14:wrappingTextBoxFlag xmlns="" xmlns:m="http://schemas.openxmlformats.org/officeDocument/2006/math" xmlns:a14="http://schemas.microsoft.com/office/drawing/2010/main" xmlns:ma14="http://schemas.microsoft.com/office/mac/drawingml/2011/main" val="1"/>
+              <ma14:wrappingTextBoxFlag xmlns:ma14="http://schemas.microsoft.com/office/mac/drawingml/2011/main" xmlns:a14="http://schemas.microsoft.com/office/drawing/2010/main" xmlns:m="http://schemas.openxmlformats.org/officeDocument/2006/math" xmlns="" val="1"/>
             </a:ext>
           </a:extLst>
         </p:spPr>
@@ -6167,7 +6215,7 @@
           <a:effectLst/>
           <a:extLst>
             <a:ext uri="{C572A759-6A51-4108-AA02-DFA0A04FC94B}">
-              <ma14:wrappingTextBoxFlag xmlns="" xmlns:m="http://schemas.openxmlformats.org/officeDocument/2006/math" xmlns:a14="http://schemas.microsoft.com/office/drawing/2010/main" xmlns:ma14="http://schemas.microsoft.com/office/mac/drawingml/2011/main" val="1"/>
+              <ma14:wrappingTextBoxFlag xmlns:ma14="http://schemas.microsoft.com/office/mac/drawingml/2011/main" xmlns:a14="http://schemas.microsoft.com/office/drawing/2010/main" xmlns:m="http://schemas.openxmlformats.org/officeDocument/2006/math" xmlns="" val="1"/>
             </a:ext>
           </a:extLst>
         </p:spPr>
@@ -6292,7 +6340,7 @@
           </a:ln>
           <a:extLst>
             <a:ext uri="{C572A759-6A51-4108-AA02-DFA0A04FC94B}">
-              <ma14:wrappingTextBoxFlag xmlns="" xmlns:m="http://schemas.openxmlformats.org/officeDocument/2006/math" xmlns:a14="http://schemas.microsoft.com/office/drawing/2010/main" xmlns:ma14="http://schemas.microsoft.com/office/mac/drawingml/2011/main" val="1"/>
+              <ma14:wrappingTextBoxFlag xmlns:ma14="http://schemas.microsoft.com/office/mac/drawingml/2011/main" xmlns:a14="http://schemas.microsoft.com/office/drawing/2010/main" xmlns:m="http://schemas.openxmlformats.org/officeDocument/2006/math" xmlns="" val="1"/>
             </a:ext>
           </a:extLst>
         </p:spPr>
@@ -6531,7 +6579,7 @@
           <a:effectLst/>
           <a:extLst>
             <a:ext uri="{C572A759-6A51-4108-AA02-DFA0A04FC94B}">
-              <ma14:wrappingTextBoxFlag xmlns="" xmlns:m="http://schemas.openxmlformats.org/officeDocument/2006/math" xmlns:a14="http://schemas.microsoft.com/office/drawing/2010/main" xmlns:ma14="http://schemas.microsoft.com/office/mac/drawingml/2011/main" val="1"/>
+              <ma14:wrappingTextBoxFlag xmlns:ma14="http://schemas.microsoft.com/office/mac/drawingml/2011/main" xmlns:a14="http://schemas.microsoft.com/office/drawing/2010/main" xmlns:m="http://schemas.openxmlformats.org/officeDocument/2006/math" xmlns="" val="1"/>
             </a:ext>
           </a:extLst>
         </p:spPr>
@@ -6655,7 +6703,7 @@
           </a:ln>
           <a:extLst>
             <a:ext uri="{C572A759-6A51-4108-AA02-DFA0A04FC94B}">
-              <ma14:wrappingTextBoxFlag xmlns="" xmlns:m="http://schemas.openxmlformats.org/officeDocument/2006/math" xmlns:a14="http://schemas.microsoft.com/office/drawing/2010/main" xmlns:ma14="http://schemas.microsoft.com/office/mac/drawingml/2011/main" val="1"/>
+              <ma14:wrappingTextBoxFlag xmlns:ma14="http://schemas.microsoft.com/office/mac/drawingml/2011/main" xmlns:a14="http://schemas.microsoft.com/office/drawing/2010/main" xmlns:m="http://schemas.openxmlformats.org/officeDocument/2006/math" xmlns="" val="1"/>
             </a:ext>
           </a:extLst>
         </p:spPr>
@@ -6898,7 +6946,7 @@
           <a:effectLst/>
           <a:extLst>
             <a:ext uri="{C572A759-6A51-4108-AA02-DFA0A04FC94B}">
-              <ma14:wrappingTextBoxFlag xmlns="" xmlns:m="http://schemas.openxmlformats.org/officeDocument/2006/math" xmlns:a14="http://schemas.microsoft.com/office/drawing/2010/main" xmlns:ma14="http://schemas.microsoft.com/office/mac/drawingml/2011/main" val="1"/>
+              <ma14:wrappingTextBoxFlag xmlns:ma14="http://schemas.microsoft.com/office/mac/drawingml/2011/main" xmlns:a14="http://schemas.microsoft.com/office/drawing/2010/main" xmlns:m="http://schemas.openxmlformats.org/officeDocument/2006/math" xmlns="" val="1"/>
             </a:ext>
           </a:extLst>
         </p:spPr>
@@ -7026,7 +7074,7 @@
           </a:ln>
           <a:extLst>
             <a:ext uri="{C572A759-6A51-4108-AA02-DFA0A04FC94B}">
-              <ma14:wrappingTextBoxFlag xmlns="" xmlns:m="http://schemas.openxmlformats.org/officeDocument/2006/math" xmlns:a14="http://schemas.microsoft.com/office/drawing/2010/main" xmlns:ma14="http://schemas.microsoft.com/office/mac/drawingml/2011/main" val="1"/>
+              <ma14:wrappingTextBoxFlag xmlns:ma14="http://schemas.microsoft.com/office/mac/drawingml/2011/main" xmlns:a14="http://schemas.microsoft.com/office/drawing/2010/main" xmlns:m="http://schemas.openxmlformats.org/officeDocument/2006/math" xmlns="" val="1"/>
             </a:ext>
           </a:extLst>
         </p:spPr>
@@ -7269,7 +7317,7 @@
           <a:effectLst/>
           <a:extLst>
             <a:ext uri="{C572A759-6A51-4108-AA02-DFA0A04FC94B}">
-              <ma14:wrappingTextBoxFlag xmlns="" xmlns:m="http://schemas.openxmlformats.org/officeDocument/2006/math" xmlns:a14="http://schemas.microsoft.com/office/drawing/2010/main" xmlns:ma14="http://schemas.microsoft.com/office/mac/drawingml/2011/main" val="1"/>
+              <ma14:wrappingTextBoxFlag xmlns:ma14="http://schemas.microsoft.com/office/mac/drawingml/2011/main" xmlns:a14="http://schemas.microsoft.com/office/drawing/2010/main" xmlns:m="http://schemas.openxmlformats.org/officeDocument/2006/math" xmlns="" val="1"/>
             </a:ext>
           </a:extLst>
         </p:spPr>
@@ -7292,9 +7340,18 @@
           </a:lstStyle>
           <a:p>
             <a:r>
+              <a:rPr lang="fr-FR" dirty="0" err="1"/>
+              <a:t>Bokobo</a:t>
+            </a:r>
+            <a:r>
               <a:rPr lang="fr-FR" dirty="0"/>
-              <a:t>TBD</a:t>
+              <a:t> </a:t>
             </a:r>
+            <a:r>
+              <a:rPr lang="fr-FR" dirty="0" err="1"/>
+              <a:t>Shahni</a:t>
+            </a:r>
+            <a:endParaRPr lang="fr-FR" dirty="0"/>
           </a:p>
           <a:p>
             <a:r>
@@ -7340,17 +7397,6 @@
           </a:bodyPr>
           <a:lstStyle/>
           <a:p>
-            <a:r>
-              <a:rPr lang="en-US" sz="3200" b="0" dirty="0">
-                <a:solidFill>
-                  <a:srgbClr val="FFFFFF"/>
-                </a:solidFill>
-                <a:latin typeface="+mn-lt"/>
-                <a:ea typeface="+mn-ea"/>
-                <a:cs typeface="+mn-cs"/>
-              </a:rPr>
-              <a:t>?</a:t>
-            </a:r>
             <a:endParaRPr sz="3200" b="0" dirty="0">
               <a:solidFill>
                 <a:srgbClr val="FFFFFF"/>
@@ -7600,7 +7646,7 @@
           <a:effectLst/>
           <a:extLst>
             <a:ext uri="{C572A759-6A51-4108-AA02-DFA0A04FC94B}">
-              <ma14:wrappingTextBoxFlag xmlns="" xmlns:m="http://schemas.openxmlformats.org/officeDocument/2006/math" xmlns:a14="http://schemas.microsoft.com/office/drawing/2010/main" xmlns:ma14="http://schemas.microsoft.com/office/mac/drawingml/2011/main" val="1"/>
+              <ma14:wrappingTextBoxFlag xmlns:ma14="http://schemas.microsoft.com/office/mac/drawingml/2011/main" xmlns:a14="http://schemas.microsoft.com/office/drawing/2010/main" xmlns:m="http://schemas.openxmlformats.org/officeDocument/2006/math" xmlns="" val="1"/>
             </a:ext>
           </a:extLst>
         </p:spPr>
@@ -7623,9 +7669,18 @@
           </a:lstStyle>
           <a:p>
             <a:r>
+              <a:rPr lang="fr-FR" dirty="0" err="1"/>
+              <a:t>Oromayis</a:t>
+            </a:r>
+            <a:r>
               <a:rPr lang="fr-FR" dirty="0"/>
-              <a:t>TBD</a:t>
+              <a:t> </a:t>
             </a:r>
+            <a:r>
+              <a:rPr lang="fr-FR" dirty="0" err="1"/>
+              <a:t>Nolm</a:t>
+            </a:r>
+            <a:endParaRPr lang="fr-FR" dirty="0"/>
           </a:p>
           <a:p>
             <a:r>
@@ -7671,17 +7726,6 @@
           </a:bodyPr>
           <a:lstStyle/>
           <a:p>
-            <a:r>
-              <a:rPr lang="fr-FR" sz="3200" b="0" dirty="0">
-                <a:solidFill>
-                  <a:srgbClr val="FFFFFF"/>
-                </a:solidFill>
-                <a:latin typeface="+mn-lt"/>
-                <a:ea typeface="+mn-ea"/>
-                <a:cs typeface="+mn-cs"/>
-              </a:rPr>
-              <a:t>?</a:t>
-            </a:r>
             <a:endParaRPr sz="3200" b="0" dirty="0">
               <a:solidFill>
                 <a:srgbClr val="FFFFFF"/>
@@ -7931,7 +7975,7 @@
           <a:effectLst/>
           <a:extLst>
             <a:ext uri="{C572A759-6A51-4108-AA02-DFA0A04FC94B}">
-              <ma14:wrappingTextBoxFlag xmlns="" xmlns:m="http://schemas.openxmlformats.org/officeDocument/2006/math" xmlns:a14="http://schemas.microsoft.com/office/drawing/2010/main" xmlns:ma14="http://schemas.microsoft.com/office/mac/drawingml/2011/main" val="1"/>
+              <ma14:wrappingTextBoxFlag xmlns:ma14="http://schemas.microsoft.com/office/mac/drawingml/2011/main" xmlns:a14="http://schemas.microsoft.com/office/drawing/2010/main" xmlns:m="http://schemas.openxmlformats.org/officeDocument/2006/math" xmlns="" val="1"/>
             </a:ext>
           </a:extLst>
         </p:spPr>
@@ -8054,7 +8098,7 @@
           </a:ln>
           <a:extLst>
             <a:ext uri="{C572A759-6A51-4108-AA02-DFA0A04FC94B}">
-              <ma14:wrappingTextBoxFlag xmlns="" xmlns:m="http://schemas.openxmlformats.org/officeDocument/2006/math" xmlns:a14="http://schemas.microsoft.com/office/drawing/2010/main" xmlns:ma14="http://schemas.microsoft.com/office/mac/drawingml/2011/main" val="1"/>
+              <ma14:wrappingTextBoxFlag xmlns:ma14="http://schemas.microsoft.com/office/mac/drawingml/2011/main" xmlns:a14="http://schemas.microsoft.com/office/drawing/2010/main" xmlns:m="http://schemas.openxmlformats.org/officeDocument/2006/math" xmlns="" val="1"/>
             </a:ext>
           </a:extLst>
         </p:spPr>
@@ -8297,7 +8341,7 @@
           <a:effectLst/>
           <a:extLst>
             <a:ext uri="{C572A759-6A51-4108-AA02-DFA0A04FC94B}">
-              <ma14:wrappingTextBoxFlag xmlns="" xmlns:m="http://schemas.openxmlformats.org/officeDocument/2006/math" xmlns:a14="http://schemas.microsoft.com/office/drawing/2010/main" xmlns:ma14="http://schemas.microsoft.com/office/mac/drawingml/2011/main" val="1"/>
+              <ma14:wrappingTextBoxFlag xmlns:ma14="http://schemas.microsoft.com/office/mac/drawingml/2011/main" xmlns:a14="http://schemas.microsoft.com/office/drawing/2010/main" xmlns:m="http://schemas.openxmlformats.org/officeDocument/2006/math" xmlns="" val="1"/>
             </a:ext>
           </a:extLst>
         </p:spPr>
@@ -8422,7 +8466,7 @@
           </a:ln>
           <a:extLst>
             <a:ext uri="{C572A759-6A51-4108-AA02-DFA0A04FC94B}">
-              <ma14:wrappingTextBoxFlag xmlns="" xmlns:m="http://schemas.openxmlformats.org/officeDocument/2006/math" xmlns:a14="http://schemas.microsoft.com/office/drawing/2010/main" xmlns:ma14="http://schemas.microsoft.com/office/mac/drawingml/2011/main" val="1"/>
+              <ma14:wrappingTextBoxFlag xmlns:ma14="http://schemas.microsoft.com/office/mac/drawingml/2011/main" xmlns:a14="http://schemas.microsoft.com/office/drawing/2010/main" xmlns:m="http://schemas.openxmlformats.org/officeDocument/2006/math" xmlns="" val="1"/>
             </a:ext>
           </a:extLst>
         </p:spPr>
@@ -8835,7 +8879,7 @@
             <a:effectLst/>
             <a:extLst>
               <a:ext uri="{C572A759-6A51-4108-AA02-DFA0A04FC94B}">
-                <ma14:wrappingTextBoxFlag xmlns="" xmlns:m="http://schemas.openxmlformats.org/officeDocument/2006/math" xmlns:a14="http://schemas.microsoft.com/office/drawing/2010/main" xmlns:ma14="http://schemas.microsoft.com/office/mac/drawingml/2011/main" val="1"/>
+                <ma14:wrappingTextBoxFlag xmlns:ma14="http://schemas.microsoft.com/office/mac/drawingml/2011/main" xmlns:a14="http://schemas.microsoft.com/office/drawing/2010/main" xmlns:m="http://schemas.openxmlformats.org/officeDocument/2006/math" xmlns="" val="1"/>
               </a:ext>
             </a:extLst>
           </p:spPr>
@@ -8962,7 +9006,7 @@
             <a:effectLst/>
             <a:extLst>
               <a:ext uri="{C572A759-6A51-4108-AA02-DFA0A04FC94B}">
-                <ma14:wrappingTextBoxFlag xmlns="" xmlns:m="http://schemas.openxmlformats.org/officeDocument/2006/math" xmlns:a14="http://schemas.microsoft.com/office/drawing/2010/main" xmlns:ma14="http://schemas.microsoft.com/office/mac/drawingml/2011/main" val="1"/>
+                <ma14:wrappingTextBoxFlag xmlns:ma14="http://schemas.microsoft.com/office/mac/drawingml/2011/main" xmlns:a14="http://schemas.microsoft.com/office/drawing/2010/main" xmlns:m="http://schemas.openxmlformats.org/officeDocument/2006/math" xmlns="" val="1"/>
               </a:ext>
             </a:extLst>
           </p:spPr>
@@ -9224,7 +9268,7 @@
             <a:effectLst/>
             <a:extLst>
               <a:ext uri="{C572A759-6A51-4108-AA02-DFA0A04FC94B}">
-                <ma14:wrappingTextBoxFlag xmlns="" xmlns:m="http://schemas.openxmlformats.org/officeDocument/2006/math" xmlns:a14="http://schemas.microsoft.com/office/drawing/2010/main" xmlns:ma14="http://schemas.microsoft.com/office/mac/drawingml/2011/main" val="1"/>
+                <ma14:wrappingTextBoxFlag xmlns:ma14="http://schemas.microsoft.com/office/mac/drawingml/2011/main" xmlns:a14="http://schemas.microsoft.com/office/drawing/2010/main" xmlns:m="http://schemas.openxmlformats.org/officeDocument/2006/math" xmlns="" val="1"/>
               </a:ext>
             </a:extLst>
           </p:spPr>
@@ -9349,7 +9393,7 @@
             </a:ln>
             <a:extLst>
               <a:ext uri="{C572A759-6A51-4108-AA02-DFA0A04FC94B}">
-                <ma14:wrappingTextBoxFlag xmlns="" xmlns:m="http://schemas.openxmlformats.org/officeDocument/2006/math" xmlns:a14="http://schemas.microsoft.com/office/drawing/2010/main" xmlns:ma14="http://schemas.microsoft.com/office/mac/drawingml/2011/main" val="1"/>
+                <ma14:wrappingTextBoxFlag xmlns:ma14="http://schemas.microsoft.com/office/mac/drawingml/2011/main" xmlns:a14="http://schemas.microsoft.com/office/drawing/2010/main" xmlns:m="http://schemas.openxmlformats.org/officeDocument/2006/math" xmlns="" val="1"/>
               </a:ext>
             </a:extLst>
           </p:spPr>
@@ -9611,7 +9655,7 @@
             <a:effectLst/>
             <a:extLst>
               <a:ext uri="{C572A759-6A51-4108-AA02-DFA0A04FC94B}">
-                <ma14:wrappingTextBoxFlag xmlns="" xmlns:m="http://schemas.openxmlformats.org/officeDocument/2006/math" xmlns:a14="http://schemas.microsoft.com/office/drawing/2010/main" xmlns:ma14="http://schemas.microsoft.com/office/mac/drawingml/2011/main" val="1"/>
+                <ma14:wrappingTextBoxFlag xmlns:ma14="http://schemas.microsoft.com/office/mac/drawingml/2011/main" xmlns:a14="http://schemas.microsoft.com/office/drawing/2010/main" xmlns:m="http://schemas.openxmlformats.org/officeDocument/2006/math" xmlns="" val="1"/>
               </a:ext>
             </a:extLst>
           </p:spPr>
@@ -9736,7 +9780,7 @@
             </a:ln>
             <a:extLst>
               <a:ext uri="{C572A759-6A51-4108-AA02-DFA0A04FC94B}">
-                <ma14:wrappingTextBoxFlag xmlns="" xmlns:m="http://schemas.openxmlformats.org/officeDocument/2006/math" xmlns:a14="http://schemas.microsoft.com/office/drawing/2010/main" xmlns:ma14="http://schemas.microsoft.com/office/mac/drawingml/2011/main" val="1"/>
+                <ma14:wrappingTextBoxFlag xmlns:ma14="http://schemas.microsoft.com/office/mac/drawingml/2011/main" xmlns:a14="http://schemas.microsoft.com/office/drawing/2010/main" xmlns:m="http://schemas.openxmlformats.org/officeDocument/2006/math" xmlns="" val="1"/>
               </a:ext>
             </a:extLst>
           </p:spPr>
@@ -9998,7 +10042,7 @@
             <a:effectLst/>
             <a:extLst>
               <a:ext uri="{C572A759-6A51-4108-AA02-DFA0A04FC94B}">
-                <ma14:wrappingTextBoxFlag xmlns="" xmlns:m="http://schemas.openxmlformats.org/officeDocument/2006/math" xmlns:a14="http://schemas.microsoft.com/office/drawing/2010/main" xmlns:ma14="http://schemas.microsoft.com/office/mac/drawingml/2011/main" val="1"/>
+                <ma14:wrappingTextBoxFlag xmlns:ma14="http://schemas.microsoft.com/office/mac/drawingml/2011/main" xmlns:a14="http://schemas.microsoft.com/office/drawing/2010/main" xmlns:m="http://schemas.openxmlformats.org/officeDocument/2006/math" xmlns="" val="1"/>
               </a:ext>
             </a:extLst>
           </p:spPr>
@@ -10123,7 +10167,7 @@
             </a:ln>
             <a:extLst>
               <a:ext uri="{C572A759-6A51-4108-AA02-DFA0A04FC94B}">
-                <ma14:wrappingTextBoxFlag xmlns="" xmlns:m="http://schemas.openxmlformats.org/officeDocument/2006/math" xmlns:a14="http://schemas.microsoft.com/office/drawing/2010/main" xmlns:ma14="http://schemas.microsoft.com/office/mac/drawingml/2011/main" val="1"/>
+                <ma14:wrappingTextBoxFlag xmlns:ma14="http://schemas.microsoft.com/office/mac/drawingml/2011/main" xmlns:a14="http://schemas.microsoft.com/office/drawing/2010/main" xmlns:m="http://schemas.openxmlformats.org/officeDocument/2006/math" xmlns="" val="1"/>
               </a:ext>
             </a:extLst>
           </p:spPr>
@@ -10367,7 +10411,7 @@
           <a:effectLst/>
           <a:extLst>
             <a:ext uri="{C572A759-6A51-4108-AA02-DFA0A04FC94B}">
-              <ma14:wrappingTextBoxFlag xmlns="" xmlns:m="http://schemas.openxmlformats.org/officeDocument/2006/math" xmlns:a14="http://schemas.microsoft.com/office/drawing/2010/main" xmlns:ma14="http://schemas.microsoft.com/office/mac/drawingml/2011/main" val="1"/>
+              <ma14:wrappingTextBoxFlag xmlns:ma14="http://schemas.microsoft.com/office/mac/drawingml/2011/main" xmlns:a14="http://schemas.microsoft.com/office/drawing/2010/main" xmlns:m="http://schemas.openxmlformats.org/officeDocument/2006/math" xmlns="" val="1"/>
             </a:ext>
           </a:extLst>
         </p:spPr>
@@ -10484,7 +10528,7 @@
           </a:ln>
           <a:extLst>
             <a:ext uri="{C572A759-6A51-4108-AA02-DFA0A04FC94B}">
-              <ma14:wrappingTextBoxFlag xmlns="" xmlns:m="http://schemas.openxmlformats.org/officeDocument/2006/math" xmlns:a14="http://schemas.microsoft.com/office/drawing/2010/main" xmlns:ma14="http://schemas.microsoft.com/office/mac/drawingml/2011/main" val="1"/>
+              <ma14:wrappingTextBoxFlag xmlns:ma14="http://schemas.microsoft.com/office/mac/drawingml/2011/main" xmlns:a14="http://schemas.microsoft.com/office/drawing/2010/main" xmlns:m="http://schemas.openxmlformats.org/officeDocument/2006/math" xmlns="" val="1"/>
             </a:ext>
           </a:extLst>
         </p:spPr>
@@ -10680,7 +10724,7 @@
           </a:ln>
           <a:extLst>
             <a:ext uri="{C572A759-6A51-4108-AA02-DFA0A04FC94B}">
-              <ma14:wrappingTextBoxFlag xmlns="" xmlns:m="http://schemas.openxmlformats.org/officeDocument/2006/math" xmlns:a14="http://schemas.microsoft.com/office/drawing/2010/main" xmlns:ma14="http://schemas.microsoft.com/office/mac/drawingml/2011/main" val="1"/>
+              <ma14:wrappingTextBoxFlag xmlns:ma14="http://schemas.microsoft.com/office/mac/drawingml/2011/main" xmlns:a14="http://schemas.microsoft.com/office/drawing/2010/main" xmlns:m="http://schemas.openxmlformats.org/officeDocument/2006/math" xmlns="" val="1"/>
             </a:ext>
           </a:extLst>
         </p:spPr>
@@ -10963,7 +11007,7 @@
           <a:effectLst/>
           <a:extLst>
             <a:ext uri="{C572A759-6A51-4108-AA02-DFA0A04FC94B}">
-              <ma14:wrappingTextBoxFlag xmlns="" xmlns:m="http://schemas.openxmlformats.org/officeDocument/2006/math" xmlns:a14="http://schemas.microsoft.com/office/drawing/2010/main" xmlns:ma14="http://schemas.microsoft.com/office/mac/drawingml/2011/main" val="1"/>
+              <ma14:wrappingTextBoxFlag xmlns:ma14="http://schemas.microsoft.com/office/mac/drawingml/2011/main" xmlns:a14="http://schemas.microsoft.com/office/drawing/2010/main" xmlns:m="http://schemas.openxmlformats.org/officeDocument/2006/math" xmlns="" val="1"/>
             </a:ext>
           </a:extLst>
         </p:spPr>
@@ -11088,7 +11132,7 @@
           </a:ln>
           <a:extLst>
             <a:ext uri="{C572A759-6A51-4108-AA02-DFA0A04FC94B}">
-              <ma14:wrappingTextBoxFlag xmlns="" xmlns:m="http://schemas.openxmlformats.org/officeDocument/2006/math" xmlns:a14="http://schemas.microsoft.com/office/drawing/2010/main" xmlns:ma14="http://schemas.microsoft.com/office/mac/drawingml/2011/main" val="1"/>
+              <ma14:wrappingTextBoxFlag xmlns:ma14="http://schemas.microsoft.com/office/mac/drawingml/2011/main" xmlns:a14="http://schemas.microsoft.com/office/drawing/2010/main" xmlns:m="http://schemas.openxmlformats.org/officeDocument/2006/math" xmlns="" val="1"/>
             </a:ext>
           </a:extLst>
         </p:spPr>
@@ -11331,7 +11375,7 @@
           <a:effectLst/>
           <a:extLst>
             <a:ext uri="{C572A759-6A51-4108-AA02-DFA0A04FC94B}">
-              <ma14:wrappingTextBoxFlag xmlns="" xmlns:m="http://schemas.openxmlformats.org/officeDocument/2006/math" xmlns:a14="http://schemas.microsoft.com/office/drawing/2010/main" xmlns:ma14="http://schemas.microsoft.com/office/mac/drawingml/2011/main" val="1"/>
+              <ma14:wrappingTextBoxFlag xmlns:ma14="http://schemas.microsoft.com/office/mac/drawingml/2011/main" xmlns:a14="http://schemas.microsoft.com/office/drawing/2010/main" xmlns:m="http://schemas.openxmlformats.org/officeDocument/2006/math" xmlns="" val="1"/>
             </a:ext>
           </a:extLst>
         </p:spPr>
@@ -11454,7 +11498,7 @@
           </a:ln>
           <a:extLst>
             <a:ext uri="{C572A759-6A51-4108-AA02-DFA0A04FC94B}">
-              <ma14:wrappingTextBoxFlag xmlns="" xmlns:m="http://schemas.openxmlformats.org/officeDocument/2006/math" xmlns:a14="http://schemas.microsoft.com/office/drawing/2010/main" xmlns:ma14="http://schemas.microsoft.com/office/mac/drawingml/2011/main" val="1"/>
+              <ma14:wrappingTextBoxFlag xmlns:ma14="http://schemas.microsoft.com/office/mac/drawingml/2011/main" xmlns:a14="http://schemas.microsoft.com/office/drawing/2010/main" xmlns:m="http://schemas.openxmlformats.org/officeDocument/2006/math" xmlns="" val="1"/>
             </a:ext>
           </a:extLst>
         </p:spPr>
@@ -11797,7 +11841,7 @@
           <a:effectLst/>
           <a:extLst>
             <a:ext uri="{C572A759-6A51-4108-AA02-DFA0A04FC94B}">
-              <ma14:wrappingTextBoxFlag xmlns="" xmlns:m="http://schemas.openxmlformats.org/officeDocument/2006/math" xmlns:a14="http://schemas.microsoft.com/office/drawing/2010/main" xmlns:ma14="http://schemas.microsoft.com/office/mac/drawingml/2011/main" val="1"/>
+              <ma14:wrappingTextBoxFlag xmlns:ma14="http://schemas.microsoft.com/office/mac/drawingml/2011/main" xmlns:a14="http://schemas.microsoft.com/office/drawing/2010/main" xmlns:m="http://schemas.openxmlformats.org/officeDocument/2006/math" xmlns="" val="1"/>
             </a:ext>
           </a:extLst>
         </p:spPr>
@@ -12118,7 +12162,7 @@
           <a:effectLst/>
           <a:extLst>
             <a:ext uri="{C572A759-6A51-4108-AA02-DFA0A04FC94B}">
-              <ma14:wrappingTextBoxFlag xmlns="" xmlns:m="http://schemas.openxmlformats.org/officeDocument/2006/math" xmlns:a14="http://schemas.microsoft.com/office/drawing/2010/main" xmlns:ma14="http://schemas.microsoft.com/office/mac/drawingml/2011/main" val="1"/>
+              <ma14:wrappingTextBoxFlag xmlns:ma14="http://schemas.microsoft.com/office/mac/drawingml/2011/main" xmlns:a14="http://schemas.microsoft.com/office/drawing/2010/main" xmlns:m="http://schemas.openxmlformats.org/officeDocument/2006/math" xmlns="" val="1"/>
             </a:ext>
           </a:extLst>
         </p:spPr>
@@ -12252,7 +12296,7 @@
           </a:ln>
           <a:extLst>
             <a:ext uri="{C572A759-6A51-4108-AA02-DFA0A04FC94B}">
-              <ma14:wrappingTextBoxFlag xmlns="" xmlns:m="http://schemas.openxmlformats.org/officeDocument/2006/math" xmlns:a14="http://schemas.microsoft.com/office/drawing/2010/main" xmlns:ma14="http://schemas.microsoft.com/office/mac/drawingml/2011/main" val="1"/>
+              <ma14:wrappingTextBoxFlag xmlns:ma14="http://schemas.microsoft.com/office/mac/drawingml/2011/main" xmlns:a14="http://schemas.microsoft.com/office/drawing/2010/main" xmlns:m="http://schemas.openxmlformats.org/officeDocument/2006/math" xmlns="" val="1"/>
             </a:ext>
           </a:extLst>
         </p:spPr>
@@ -12495,7 +12539,7 @@
           <a:effectLst/>
           <a:extLst>
             <a:ext uri="{C572A759-6A51-4108-AA02-DFA0A04FC94B}">
-              <ma14:wrappingTextBoxFlag xmlns="" xmlns:m="http://schemas.openxmlformats.org/officeDocument/2006/math" xmlns:a14="http://schemas.microsoft.com/office/drawing/2010/main" xmlns:ma14="http://schemas.microsoft.com/office/mac/drawingml/2011/main" val="1"/>
+              <ma14:wrappingTextBoxFlag xmlns:ma14="http://schemas.microsoft.com/office/mac/drawingml/2011/main" xmlns:a14="http://schemas.microsoft.com/office/drawing/2010/main" xmlns:m="http://schemas.openxmlformats.org/officeDocument/2006/math" xmlns="" val="1"/>
             </a:ext>
           </a:extLst>
         </p:spPr>
@@ -12618,7 +12662,7 @@
           </a:ln>
           <a:extLst>
             <a:ext uri="{C572A759-6A51-4108-AA02-DFA0A04FC94B}">
-              <ma14:wrappingTextBoxFlag xmlns="" xmlns:m="http://schemas.openxmlformats.org/officeDocument/2006/math" xmlns:a14="http://schemas.microsoft.com/office/drawing/2010/main" xmlns:ma14="http://schemas.microsoft.com/office/mac/drawingml/2011/main" val="1"/>
+              <ma14:wrappingTextBoxFlag xmlns:ma14="http://schemas.microsoft.com/office/mac/drawingml/2011/main" xmlns:a14="http://schemas.microsoft.com/office/drawing/2010/main" xmlns:m="http://schemas.openxmlformats.org/officeDocument/2006/math" xmlns="" val="1"/>
             </a:ext>
           </a:extLst>
         </p:spPr>
@@ -12801,6 +12845,98 @@
           <a:prstGeom prst="rect">
             <a:avLst/>
           </a:prstGeom>
+        </p:spPr>
+      </p:pic>
+      <p:pic>
+        <p:nvPicPr>
+          <p:cNvPr id="136" name="Espace réservé pour une image  18">
+            <a:extLst>
+              <a:ext uri="{FF2B5EF4-FFF2-40B4-BE49-F238E27FC236}">
+                <a16:creationId xmlns:a16="http://schemas.microsoft.com/office/drawing/2014/main" id="{9AC30070-2832-4362-A6C0-383D145DC885}"/>
+              </a:ext>
+            </a:extLst>
+          </p:cNvPr>
+          <p:cNvPicPr>
+            <a:picLocks noChangeAspect="1"/>
+          </p:cNvPicPr>
+          <p:nvPr/>
+        </p:nvPicPr>
+        <p:blipFill>
+          <a:blip r:embed="rId31">
+            <a:extLst>
+              <a:ext uri="{28A0092B-C50C-407E-A947-70E740481C1C}">
+                <a14:useLocalDpi xmlns:a14="http://schemas.microsoft.com/office/drawing/2010/main" val="0"/>
+              </a:ext>
+            </a:extLst>
+          </a:blip>
+          <a:srcRect/>
+          <a:stretch/>
+        </p:blipFill>
+        <p:spPr>
+          <a:xfrm>
+            <a:off x="4641092" y="4076002"/>
+            <a:ext cx="790904" cy="790904"/>
+          </a:xfrm>
+          <a:prstGeom prst="ellipse">
+            <a:avLst/>
+          </a:prstGeom>
+          <a:solidFill>
+            <a:srgbClr val="ECECEC"/>
+          </a:solidFill>
+          <a:ln w="12700">
+            <a:miter lim="400000"/>
+          </a:ln>
+          <a:extLst>
+            <a:ext uri="{C572A759-6A51-4108-AA02-DFA0A04FC94B}">
+              <ma14:wrappingTextBoxFlag xmlns:ma14="http://schemas.microsoft.com/office/mac/drawingml/2011/main" xmlns:a14="http://schemas.microsoft.com/office/drawing/2010/main" xmlns:m="http://schemas.openxmlformats.org/officeDocument/2006/math" xmlns="" val="1"/>
+            </a:ext>
+          </a:extLst>
+        </p:spPr>
+      </p:pic>
+      <p:pic>
+        <p:nvPicPr>
+          <p:cNvPr id="142" name="Espace réservé pour une image  18">
+            <a:extLst>
+              <a:ext uri="{FF2B5EF4-FFF2-40B4-BE49-F238E27FC236}">
+                <a16:creationId xmlns:a16="http://schemas.microsoft.com/office/drawing/2014/main" id="{417B4E8A-062E-4B26-A131-144C298D759A}"/>
+              </a:ext>
+            </a:extLst>
+          </p:cNvPr>
+          <p:cNvPicPr>
+            <a:picLocks noChangeAspect="1"/>
+          </p:cNvPicPr>
+          <p:nvPr/>
+        </p:nvPicPr>
+        <p:blipFill>
+          <a:blip r:embed="rId32">
+            <a:extLst>
+              <a:ext uri="{28A0092B-C50C-407E-A947-70E740481C1C}">
+                <a14:useLocalDpi xmlns:a14="http://schemas.microsoft.com/office/drawing/2010/main" val="0"/>
+              </a:ext>
+            </a:extLst>
+          </a:blip>
+          <a:srcRect/>
+          <a:stretch/>
+        </p:blipFill>
+        <p:spPr>
+          <a:xfrm>
+            <a:off x="4618035" y="6908652"/>
+            <a:ext cx="790904" cy="790904"/>
+          </a:xfrm>
+          <a:prstGeom prst="ellipse">
+            <a:avLst/>
+          </a:prstGeom>
+          <a:solidFill>
+            <a:srgbClr val="ECECEC"/>
+          </a:solidFill>
+          <a:ln w="12700">
+            <a:miter lim="400000"/>
+          </a:ln>
+          <a:extLst>
+            <a:ext uri="{C572A759-6A51-4108-AA02-DFA0A04FC94B}">
+              <ma14:wrappingTextBoxFlag xmlns:ma14="http://schemas.microsoft.com/office/mac/drawingml/2011/main" xmlns:a14="http://schemas.microsoft.com/office/drawing/2010/main" xmlns:m="http://schemas.openxmlformats.org/officeDocument/2006/math" xmlns="" val="1"/>
+            </a:ext>
+          </a:extLst>
         </p:spPr>
       </p:pic>
     </p:spTree>

--- a/images/alliance-leadership/Brave-Leadership 2.pptx
+++ b/images/alliance-leadership/Brave-Leadership 2.pptx
@@ -333,7 +333,7 @@
 <file path=ppt/revisionInfo.xml><?xml version="1.0" encoding="utf-8"?>
 <p1510:revInfo xmlns:a="http://schemas.openxmlformats.org/drawingml/2006/main" xmlns:r="http://schemas.openxmlformats.org/officeDocument/2006/relationships" xmlns:p1510="http://schemas.microsoft.com/office/powerpoint/2015/10/main">
   <p1510:revLst>
-    <p1510:client id="{9344AE72-F363-428B-B7F1-1C064A3A24DF}" v="127" dt="2021-12-23T19:24:38.358"/>
+    <p1510:client id="{9344AE72-F363-428B-B7F1-1C064A3A24DF}" v="142" dt="2021-12-23T19:42:09.158"/>
   </p1510:revLst>
 </p1510:revInfo>
 </file>
@@ -439,22 +439,38 @@
   <pc:docChgLst>
     <pc:chgData name="Aiden Jepson" userId="27ac3319768fac1a" providerId="LiveId" clId="{9344AE72-F363-428B-B7F1-1C064A3A24DF}"/>
     <pc:docChg chg="undo redo custSel modSld">
-      <pc:chgData name="Aiden Jepson" userId="27ac3319768fac1a" providerId="LiveId" clId="{9344AE72-F363-428B-B7F1-1C064A3A24DF}" dt="2021-12-23T19:25:06.478" v="267" actId="1076"/>
+      <pc:chgData name="Aiden Jepson" userId="27ac3319768fac1a" providerId="LiveId" clId="{9344AE72-F363-428B-B7F1-1C064A3A24DF}" dt="2021-12-23T19:45:04.887" v="387" actId="688"/>
       <pc:docMkLst>
         <pc:docMk/>
       </pc:docMkLst>
       <pc:sldChg chg="addSp delSp modSp mod">
-        <pc:chgData name="Aiden Jepson" userId="27ac3319768fac1a" providerId="LiveId" clId="{9344AE72-F363-428B-B7F1-1C064A3A24DF}" dt="2021-12-23T19:25:06.478" v="267" actId="1076"/>
+        <pc:chgData name="Aiden Jepson" userId="27ac3319768fac1a" providerId="LiveId" clId="{9344AE72-F363-428B-B7F1-1C064A3A24DF}" dt="2021-12-23T19:45:04.887" v="387" actId="688"/>
         <pc:sldMkLst>
           <pc:docMk/>
           <pc:sldMk cId="180280424" sldId="326"/>
         </pc:sldMkLst>
+        <pc:spChg chg="add del mod">
+          <ac:chgData name="Aiden Jepson" userId="27ac3319768fac1a" providerId="LiveId" clId="{9344AE72-F363-428B-B7F1-1C064A3A24DF}" dt="2021-12-23T19:37:57.758" v="302" actId="478"/>
+          <ac:spMkLst>
+            <pc:docMk/>
+            <pc:sldMk cId="180280424" sldId="326"/>
+            <ac:spMk id="12" creationId="{B7ED71B9-7300-4CE3-8E0E-EFDD067DD9E1}"/>
+          </ac:spMkLst>
+        </pc:spChg>
         <pc:spChg chg="add del mod">
           <ac:chgData name="Aiden Jepson" userId="27ac3319768fac1a" providerId="LiveId" clId="{9344AE72-F363-428B-B7F1-1C064A3A24DF}" dt="2021-11-30T22:33:07.380" v="171"/>
           <ac:spMkLst>
             <pc:docMk/>
             <pc:sldMk cId="180280424" sldId="326"/>
             <ac:spMk id="19" creationId="{608F4391-B634-4647-8A0B-8ECA34A121BD}"/>
+          </ac:spMkLst>
+        </pc:spChg>
+        <pc:spChg chg="add mod">
+          <ac:chgData name="Aiden Jepson" userId="27ac3319768fac1a" providerId="LiveId" clId="{9344AE72-F363-428B-B7F1-1C064A3A24DF}" dt="2021-12-23T19:41:29.535" v="355" actId="1076"/>
+          <ac:spMkLst>
+            <pc:docMk/>
+            <pc:sldMk cId="180280424" sldId="326"/>
+            <ac:spMk id="19" creationId="{8BC4D36B-B8CC-4DCB-9A40-860E86361382}"/>
           </ac:spMkLst>
         </pc:spChg>
         <pc:spChg chg="mod">
@@ -497,12 +513,116 @@
             <ac:spMk id="145" creationId="{5180372D-6DC6-4818-9342-15A71A472830}"/>
           </ac:spMkLst>
         </pc:spChg>
+        <pc:spChg chg="add del mod">
+          <ac:chgData name="Aiden Jepson" userId="27ac3319768fac1a" providerId="LiveId" clId="{9344AE72-F363-428B-B7F1-1C064A3A24DF}" dt="2021-12-23T19:37:57.310" v="301" actId="478"/>
+          <ac:spMkLst>
+            <pc:docMk/>
+            <pc:sldMk cId="180280424" sldId="326"/>
+            <ac:spMk id="155" creationId="{B134B951-46F1-4957-93D9-3EF8E6709B7F}"/>
+          </ac:spMkLst>
+        </pc:spChg>
+        <pc:spChg chg="add del mod">
+          <ac:chgData name="Aiden Jepson" userId="27ac3319768fac1a" providerId="LiveId" clId="{9344AE72-F363-428B-B7F1-1C064A3A24DF}" dt="2021-12-23T19:37:58.538" v="303" actId="478"/>
+          <ac:spMkLst>
+            <pc:docMk/>
+            <pc:sldMk cId="180280424" sldId="326"/>
+            <ac:spMk id="156" creationId="{39159526-3B8E-42B0-8536-99BEA12FC17E}"/>
+          </ac:spMkLst>
+        </pc:spChg>
+        <pc:spChg chg="add mod">
+          <ac:chgData name="Aiden Jepson" userId="27ac3319768fac1a" providerId="LiveId" clId="{9344AE72-F363-428B-B7F1-1C064A3A24DF}" dt="2021-12-23T19:41:22.717" v="354" actId="1076"/>
+          <ac:spMkLst>
+            <pc:docMk/>
+            <pc:sldMk cId="180280424" sldId="326"/>
+            <ac:spMk id="157" creationId="{26660013-C9FD-4331-9EDD-7D0ACEFC8DFC}"/>
+          </ac:spMkLst>
+        </pc:spChg>
+        <pc:spChg chg="add mod">
+          <ac:chgData name="Aiden Jepson" userId="27ac3319768fac1a" providerId="LiveId" clId="{9344AE72-F363-428B-B7F1-1C064A3A24DF}" dt="2021-12-23T19:41:08.351" v="353" actId="1076"/>
+          <ac:spMkLst>
+            <pc:docMk/>
+            <pc:sldMk cId="180280424" sldId="326"/>
+            <ac:spMk id="158" creationId="{2CCA6BAB-F5D2-48A6-9CA8-90C264336197}"/>
+          </ac:spMkLst>
+        </pc:spChg>
+        <pc:spChg chg="add mod">
+          <ac:chgData name="Aiden Jepson" userId="27ac3319768fac1a" providerId="LiveId" clId="{9344AE72-F363-428B-B7F1-1C064A3A24DF}" dt="2021-12-23T19:44:50.330" v="386" actId="688"/>
+          <ac:spMkLst>
+            <pc:docMk/>
+            <pc:sldMk cId="180280424" sldId="326"/>
+            <ac:spMk id="179" creationId="{78E8A4FD-E637-4136-8C54-D3508090393C}"/>
+          </ac:spMkLst>
+        </pc:spChg>
+        <pc:spChg chg="add mod">
+          <ac:chgData name="Aiden Jepson" userId="27ac3319768fac1a" providerId="LiveId" clId="{9344AE72-F363-428B-B7F1-1C064A3A24DF}" dt="2021-12-23T19:43:12.056" v="371" actId="688"/>
+          <ac:spMkLst>
+            <pc:docMk/>
+            <pc:sldMk cId="180280424" sldId="326"/>
+            <ac:spMk id="180" creationId="{9C20FD4D-2919-4AAB-A352-81BEF9B64947}"/>
+          </ac:spMkLst>
+        </pc:spChg>
+        <pc:spChg chg="add mod">
+          <ac:chgData name="Aiden Jepson" userId="27ac3319768fac1a" providerId="LiveId" clId="{9344AE72-F363-428B-B7F1-1C064A3A24DF}" dt="2021-12-23T19:44:38.405" v="380" actId="688"/>
+          <ac:spMkLst>
+            <pc:docMk/>
+            <pc:sldMk cId="180280424" sldId="326"/>
+            <ac:spMk id="181" creationId="{3A8A4196-4027-474A-B68E-8F61BA375D64}"/>
+          </ac:spMkLst>
+        </pc:spChg>
+        <pc:spChg chg="add mod">
+          <ac:chgData name="Aiden Jepson" userId="27ac3319768fac1a" providerId="LiveId" clId="{9344AE72-F363-428B-B7F1-1C064A3A24DF}" dt="2021-12-23T19:44:43.163" v="382" actId="1076"/>
+          <ac:spMkLst>
+            <pc:docMk/>
+            <pc:sldMk cId="180280424" sldId="326"/>
+            <ac:spMk id="182" creationId="{DA43734A-4EDA-4EF8-AE8D-9E84A0206C2A}"/>
+          </ac:spMkLst>
+        </pc:spChg>
+        <pc:spChg chg="add mod">
+          <ac:chgData name="Aiden Jepson" userId="27ac3319768fac1a" providerId="LiveId" clId="{9344AE72-F363-428B-B7F1-1C064A3A24DF}" dt="2021-12-23T19:43:20.786" v="376" actId="688"/>
+          <ac:spMkLst>
+            <pc:docMk/>
+            <pc:sldMk cId="180280424" sldId="326"/>
+            <ac:spMk id="183" creationId="{8BB0E08F-2AAE-4C1B-B005-FA1CDF269971}"/>
+          </ac:spMkLst>
+        </pc:spChg>
+        <pc:spChg chg="add del mod">
+          <ac:chgData name="Aiden Jepson" userId="27ac3319768fac1a" providerId="LiveId" clId="{9344AE72-F363-428B-B7F1-1C064A3A24DF}" dt="2021-12-23T19:45:04.887" v="387" actId="688"/>
+          <ac:spMkLst>
+            <pc:docMk/>
+            <pc:sldMk cId="180280424" sldId="326"/>
+            <ac:spMk id="184" creationId="{4BE61E34-0882-47FE-B633-357882824437}"/>
+          </ac:spMkLst>
+        </pc:spChg>
+        <pc:spChg chg="add mod">
+          <ac:chgData name="Aiden Jepson" userId="27ac3319768fac1a" providerId="LiveId" clId="{9344AE72-F363-428B-B7F1-1C064A3A24DF}" dt="2021-12-23T19:42:08.494" v="368" actId="1076"/>
+          <ac:spMkLst>
+            <pc:docMk/>
+            <pc:sldMk cId="180280424" sldId="326"/>
+            <ac:spMk id="185" creationId="{EB9C8C8D-FF9A-43C5-9A1D-C21C2111822F}"/>
+          </ac:spMkLst>
+        </pc:spChg>
+        <pc:spChg chg="add mod">
+          <ac:chgData name="Aiden Jepson" userId="27ac3319768fac1a" providerId="LiveId" clId="{9344AE72-F363-428B-B7F1-1C064A3A24DF}" dt="2021-12-23T19:43:22.766" v="377" actId="688"/>
+          <ac:spMkLst>
+            <pc:docMk/>
+            <pc:sldMk cId="180280424" sldId="326"/>
+            <ac:spMk id="186" creationId="{2E5CAC0B-30C2-4695-8068-BF77A841145E}"/>
+          </ac:spMkLst>
+        </pc:spChg>
         <pc:picChg chg="add mod">
           <ac:chgData name="Aiden Jepson" userId="27ac3319768fac1a" providerId="LiveId" clId="{9344AE72-F363-428B-B7F1-1C064A3A24DF}" dt="2021-11-30T22:18:15.168" v="7" actId="1076"/>
           <ac:picMkLst>
             <pc:docMk/>
             <pc:sldMk cId="180280424" sldId="326"/>
             <ac:picMk id="9" creationId="{D40F93B3-220F-483A-A139-7736AF69F455}"/>
+          </ac:picMkLst>
+        </pc:picChg>
+        <pc:picChg chg="add mod">
+          <ac:chgData name="Aiden Jepson" userId="27ac3319768fac1a" providerId="LiveId" clId="{9344AE72-F363-428B-B7F1-1C064A3A24DF}" dt="2021-12-23T19:36:36.412" v="297" actId="1076"/>
+          <ac:picMkLst>
+            <pc:docMk/>
+            <pc:sldMk cId="180280424" sldId="326"/>
+            <ac:picMk id="11" creationId="{EEFC507E-9310-4667-8A0C-BCFF8F15A868}"/>
           </ac:picMkLst>
         </pc:picChg>
         <pc:picChg chg="add del mod">
@@ -2292,7 +2412,7 @@
           </a:ln>
           <a:extLst>
             <a:ext uri="{C572A759-6A51-4108-AA02-DFA0A04FC94B}">
-              <ma14:wrappingTextBoxFlag xmlns:ma14="http://schemas.microsoft.com/office/mac/drawingml/2011/main" xmlns:a14="http://schemas.microsoft.com/office/drawing/2010/main" xmlns:m="http://schemas.openxmlformats.org/officeDocument/2006/math" xmlns="" val="1"/>
+              <ma14:wrappingTextBoxFlag xmlns="" xmlns:m="http://schemas.openxmlformats.org/officeDocument/2006/math" xmlns:a14="http://schemas.microsoft.com/office/drawing/2010/main" xmlns:ma14="http://schemas.microsoft.com/office/mac/drawingml/2011/main" val="1"/>
             </a:ext>
           </a:extLst>
         </p:spPr>
@@ -2331,7 +2451,7 @@
           </a:ln>
           <a:extLst>
             <a:ext uri="{C572A759-6A51-4108-AA02-DFA0A04FC94B}">
-              <ma14:wrappingTextBoxFlag xmlns:ma14="http://schemas.microsoft.com/office/mac/drawingml/2011/main" xmlns:a14="http://schemas.microsoft.com/office/drawing/2010/main" xmlns:m="http://schemas.openxmlformats.org/officeDocument/2006/math" xmlns="" val="1"/>
+              <ma14:wrappingTextBoxFlag xmlns="" xmlns:m="http://schemas.openxmlformats.org/officeDocument/2006/math" xmlns:a14="http://schemas.microsoft.com/office/drawing/2010/main" xmlns:ma14="http://schemas.microsoft.com/office/mac/drawingml/2011/main" val="1"/>
             </a:ext>
           </a:extLst>
         </p:spPr>
@@ -3956,7 +4076,7 @@
           <a:effectLst/>
           <a:extLst>
             <a:ext uri="{C572A759-6A51-4108-AA02-DFA0A04FC94B}">
-              <ma14:wrappingTextBoxFlag xmlns:ma14="http://schemas.microsoft.com/office/mac/drawingml/2011/main" xmlns:a14="http://schemas.microsoft.com/office/drawing/2010/main" xmlns:m="http://schemas.openxmlformats.org/officeDocument/2006/math" xmlns="" val="1"/>
+              <ma14:wrappingTextBoxFlag xmlns="" xmlns:m="http://schemas.openxmlformats.org/officeDocument/2006/math" xmlns:a14="http://schemas.microsoft.com/office/drawing/2010/main" xmlns:ma14="http://schemas.microsoft.com/office/mac/drawingml/2011/main" val="1"/>
             </a:ext>
           </a:extLst>
         </p:spPr>
@@ -4259,7 +4379,7 @@
           <a:effectLst/>
           <a:extLst>
             <a:ext uri="{C572A759-6A51-4108-AA02-DFA0A04FC94B}">
-              <ma14:wrappingTextBoxFlag xmlns:ma14="http://schemas.microsoft.com/office/mac/drawingml/2011/main" xmlns:a14="http://schemas.microsoft.com/office/drawing/2010/main" xmlns:m="http://schemas.openxmlformats.org/officeDocument/2006/math" xmlns="" val="1"/>
+              <ma14:wrappingTextBoxFlag xmlns="" xmlns:m="http://schemas.openxmlformats.org/officeDocument/2006/math" xmlns:a14="http://schemas.microsoft.com/office/drawing/2010/main" xmlns:ma14="http://schemas.microsoft.com/office/mac/drawingml/2011/main" val="1"/>
             </a:ext>
           </a:extLst>
         </p:spPr>
@@ -4706,7 +4826,7 @@
           <a:effectLst/>
           <a:extLst>
             <a:ext uri="{C572A759-6A51-4108-AA02-DFA0A04FC94B}">
-              <ma14:wrappingTextBoxFlag xmlns:ma14="http://schemas.microsoft.com/office/mac/drawingml/2011/main" xmlns:a14="http://schemas.microsoft.com/office/drawing/2010/main" xmlns:m="http://schemas.openxmlformats.org/officeDocument/2006/math" xmlns="" val="1"/>
+              <ma14:wrappingTextBoxFlag xmlns="" xmlns:m="http://schemas.openxmlformats.org/officeDocument/2006/math" xmlns:a14="http://schemas.microsoft.com/office/drawing/2010/main" xmlns:ma14="http://schemas.microsoft.com/office/mac/drawingml/2011/main" val="1"/>
             </a:ext>
           </a:extLst>
         </p:spPr>
@@ -5010,7 +5130,7 @@
           <a:effectLst/>
           <a:extLst>
             <a:ext uri="{C572A759-6A51-4108-AA02-DFA0A04FC94B}">
-              <ma14:wrappingTextBoxFlag xmlns:ma14="http://schemas.microsoft.com/office/mac/drawingml/2011/main" xmlns:a14="http://schemas.microsoft.com/office/drawing/2010/main" xmlns:m="http://schemas.openxmlformats.org/officeDocument/2006/math" xmlns="" val="1"/>
+              <ma14:wrappingTextBoxFlag xmlns="" xmlns:m="http://schemas.openxmlformats.org/officeDocument/2006/math" xmlns:a14="http://schemas.microsoft.com/office/drawing/2010/main" xmlns:ma14="http://schemas.microsoft.com/office/mac/drawingml/2011/main" val="1"/>
             </a:ext>
           </a:extLst>
         </p:spPr>
@@ -5310,7 +5430,7 @@
           <a:effectLst/>
           <a:extLst>
             <a:ext uri="{C572A759-6A51-4108-AA02-DFA0A04FC94B}">
-              <ma14:wrappingTextBoxFlag xmlns:ma14="http://schemas.microsoft.com/office/mac/drawingml/2011/main" xmlns:a14="http://schemas.microsoft.com/office/drawing/2010/main" xmlns:m="http://schemas.openxmlformats.org/officeDocument/2006/math" xmlns="" val="1"/>
+              <ma14:wrappingTextBoxFlag xmlns="" xmlns:m="http://schemas.openxmlformats.org/officeDocument/2006/math" xmlns:a14="http://schemas.microsoft.com/office/drawing/2010/main" xmlns:ma14="http://schemas.microsoft.com/office/mac/drawingml/2011/main" val="1"/>
             </a:ext>
           </a:extLst>
         </p:spPr>
@@ -5614,7 +5734,7 @@
           <a:effectLst/>
           <a:extLst>
             <a:ext uri="{C572A759-6A51-4108-AA02-DFA0A04FC94B}">
-              <ma14:wrappingTextBoxFlag xmlns:ma14="http://schemas.microsoft.com/office/mac/drawingml/2011/main" xmlns:a14="http://schemas.microsoft.com/office/drawing/2010/main" xmlns:m="http://schemas.openxmlformats.org/officeDocument/2006/math" xmlns="" val="1"/>
+              <ma14:wrappingTextBoxFlag xmlns="" xmlns:m="http://schemas.openxmlformats.org/officeDocument/2006/math" xmlns:a14="http://schemas.microsoft.com/office/drawing/2010/main" xmlns:ma14="http://schemas.microsoft.com/office/mac/drawingml/2011/main" val="1"/>
             </a:ext>
           </a:extLst>
         </p:spPr>
@@ -6215,7 +6335,7 @@
           <a:effectLst/>
           <a:extLst>
             <a:ext uri="{C572A759-6A51-4108-AA02-DFA0A04FC94B}">
-              <ma14:wrappingTextBoxFlag xmlns:ma14="http://schemas.microsoft.com/office/mac/drawingml/2011/main" xmlns:a14="http://schemas.microsoft.com/office/drawing/2010/main" xmlns:m="http://schemas.openxmlformats.org/officeDocument/2006/math" xmlns="" val="1"/>
+              <ma14:wrappingTextBoxFlag xmlns="" xmlns:m="http://schemas.openxmlformats.org/officeDocument/2006/math" xmlns:a14="http://schemas.microsoft.com/office/drawing/2010/main" xmlns:ma14="http://schemas.microsoft.com/office/mac/drawingml/2011/main" val="1"/>
             </a:ext>
           </a:extLst>
         </p:spPr>
@@ -6340,7 +6460,7 @@
           </a:ln>
           <a:extLst>
             <a:ext uri="{C572A759-6A51-4108-AA02-DFA0A04FC94B}">
-              <ma14:wrappingTextBoxFlag xmlns:ma14="http://schemas.microsoft.com/office/mac/drawingml/2011/main" xmlns:a14="http://schemas.microsoft.com/office/drawing/2010/main" xmlns:m="http://schemas.openxmlformats.org/officeDocument/2006/math" xmlns="" val="1"/>
+              <ma14:wrappingTextBoxFlag xmlns="" xmlns:m="http://schemas.openxmlformats.org/officeDocument/2006/math" xmlns:a14="http://schemas.microsoft.com/office/drawing/2010/main" xmlns:ma14="http://schemas.microsoft.com/office/mac/drawingml/2011/main" val="1"/>
             </a:ext>
           </a:extLst>
         </p:spPr>
@@ -6579,7 +6699,7 @@
           <a:effectLst/>
           <a:extLst>
             <a:ext uri="{C572A759-6A51-4108-AA02-DFA0A04FC94B}">
-              <ma14:wrappingTextBoxFlag xmlns:ma14="http://schemas.microsoft.com/office/mac/drawingml/2011/main" xmlns:a14="http://schemas.microsoft.com/office/drawing/2010/main" xmlns:m="http://schemas.openxmlformats.org/officeDocument/2006/math" xmlns="" val="1"/>
+              <ma14:wrappingTextBoxFlag xmlns="" xmlns:m="http://schemas.openxmlformats.org/officeDocument/2006/math" xmlns:a14="http://schemas.microsoft.com/office/drawing/2010/main" xmlns:ma14="http://schemas.microsoft.com/office/mac/drawingml/2011/main" val="1"/>
             </a:ext>
           </a:extLst>
         </p:spPr>
@@ -6703,7 +6823,7 @@
           </a:ln>
           <a:extLst>
             <a:ext uri="{C572A759-6A51-4108-AA02-DFA0A04FC94B}">
-              <ma14:wrappingTextBoxFlag xmlns:ma14="http://schemas.microsoft.com/office/mac/drawingml/2011/main" xmlns:a14="http://schemas.microsoft.com/office/drawing/2010/main" xmlns:m="http://schemas.openxmlformats.org/officeDocument/2006/math" xmlns="" val="1"/>
+              <ma14:wrappingTextBoxFlag xmlns="" xmlns:m="http://schemas.openxmlformats.org/officeDocument/2006/math" xmlns:a14="http://schemas.microsoft.com/office/drawing/2010/main" xmlns:ma14="http://schemas.microsoft.com/office/mac/drawingml/2011/main" val="1"/>
             </a:ext>
           </a:extLst>
         </p:spPr>
@@ -6946,7 +7066,7 @@
           <a:effectLst/>
           <a:extLst>
             <a:ext uri="{C572A759-6A51-4108-AA02-DFA0A04FC94B}">
-              <ma14:wrappingTextBoxFlag xmlns:ma14="http://schemas.microsoft.com/office/mac/drawingml/2011/main" xmlns:a14="http://schemas.microsoft.com/office/drawing/2010/main" xmlns:m="http://schemas.openxmlformats.org/officeDocument/2006/math" xmlns="" val="1"/>
+              <ma14:wrappingTextBoxFlag xmlns="" xmlns:m="http://schemas.openxmlformats.org/officeDocument/2006/math" xmlns:a14="http://schemas.microsoft.com/office/drawing/2010/main" xmlns:ma14="http://schemas.microsoft.com/office/mac/drawingml/2011/main" val="1"/>
             </a:ext>
           </a:extLst>
         </p:spPr>
@@ -7074,7 +7194,7 @@
           </a:ln>
           <a:extLst>
             <a:ext uri="{C572A759-6A51-4108-AA02-DFA0A04FC94B}">
-              <ma14:wrappingTextBoxFlag xmlns:ma14="http://schemas.microsoft.com/office/mac/drawingml/2011/main" xmlns:a14="http://schemas.microsoft.com/office/drawing/2010/main" xmlns:m="http://schemas.openxmlformats.org/officeDocument/2006/math" xmlns="" val="1"/>
+              <ma14:wrappingTextBoxFlag xmlns="" xmlns:m="http://schemas.openxmlformats.org/officeDocument/2006/math" xmlns:a14="http://schemas.microsoft.com/office/drawing/2010/main" xmlns:ma14="http://schemas.microsoft.com/office/mac/drawingml/2011/main" val="1"/>
             </a:ext>
           </a:extLst>
         </p:spPr>
@@ -7317,7 +7437,7 @@
           <a:effectLst/>
           <a:extLst>
             <a:ext uri="{C572A759-6A51-4108-AA02-DFA0A04FC94B}">
-              <ma14:wrappingTextBoxFlag xmlns:ma14="http://schemas.microsoft.com/office/mac/drawingml/2011/main" xmlns:a14="http://schemas.microsoft.com/office/drawing/2010/main" xmlns:m="http://schemas.openxmlformats.org/officeDocument/2006/math" xmlns="" val="1"/>
+              <ma14:wrappingTextBoxFlag xmlns="" xmlns:m="http://schemas.openxmlformats.org/officeDocument/2006/math" xmlns:a14="http://schemas.microsoft.com/office/drawing/2010/main" xmlns:ma14="http://schemas.microsoft.com/office/mac/drawingml/2011/main" val="1"/>
             </a:ext>
           </a:extLst>
         </p:spPr>
@@ -7646,7 +7766,7 @@
           <a:effectLst/>
           <a:extLst>
             <a:ext uri="{C572A759-6A51-4108-AA02-DFA0A04FC94B}">
-              <ma14:wrappingTextBoxFlag xmlns:ma14="http://schemas.microsoft.com/office/mac/drawingml/2011/main" xmlns:a14="http://schemas.microsoft.com/office/drawing/2010/main" xmlns:m="http://schemas.openxmlformats.org/officeDocument/2006/math" xmlns="" val="1"/>
+              <ma14:wrappingTextBoxFlag xmlns="" xmlns:m="http://schemas.openxmlformats.org/officeDocument/2006/math" xmlns:a14="http://schemas.microsoft.com/office/drawing/2010/main" xmlns:ma14="http://schemas.microsoft.com/office/mac/drawingml/2011/main" val="1"/>
             </a:ext>
           </a:extLst>
         </p:spPr>
@@ -7975,7 +8095,7 @@
           <a:effectLst/>
           <a:extLst>
             <a:ext uri="{C572A759-6A51-4108-AA02-DFA0A04FC94B}">
-              <ma14:wrappingTextBoxFlag xmlns:ma14="http://schemas.microsoft.com/office/mac/drawingml/2011/main" xmlns:a14="http://schemas.microsoft.com/office/drawing/2010/main" xmlns:m="http://schemas.openxmlformats.org/officeDocument/2006/math" xmlns="" val="1"/>
+              <ma14:wrappingTextBoxFlag xmlns="" xmlns:m="http://schemas.openxmlformats.org/officeDocument/2006/math" xmlns:a14="http://schemas.microsoft.com/office/drawing/2010/main" xmlns:ma14="http://schemas.microsoft.com/office/mac/drawingml/2011/main" val="1"/>
             </a:ext>
           </a:extLst>
         </p:spPr>
@@ -8098,7 +8218,7 @@
           </a:ln>
           <a:extLst>
             <a:ext uri="{C572A759-6A51-4108-AA02-DFA0A04FC94B}">
-              <ma14:wrappingTextBoxFlag xmlns:ma14="http://schemas.microsoft.com/office/mac/drawingml/2011/main" xmlns:a14="http://schemas.microsoft.com/office/drawing/2010/main" xmlns:m="http://schemas.openxmlformats.org/officeDocument/2006/math" xmlns="" val="1"/>
+              <ma14:wrappingTextBoxFlag xmlns="" xmlns:m="http://schemas.openxmlformats.org/officeDocument/2006/math" xmlns:a14="http://schemas.microsoft.com/office/drawing/2010/main" xmlns:ma14="http://schemas.microsoft.com/office/mac/drawingml/2011/main" val="1"/>
             </a:ext>
           </a:extLst>
         </p:spPr>
@@ -8341,7 +8461,7 @@
           <a:effectLst/>
           <a:extLst>
             <a:ext uri="{C572A759-6A51-4108-AA02-DFA0A04FC94B}">
-              <ma14:wrappingTextBoxFlag xmlns:ma14="http://schemas.microsoft.com/office/mac/drawingml/2011/main" xmlns:a14="http://schemas.microsoft.com/office/drawing/2010/main" xmlns:m="http://schemas.openxmlformats.org/officeDocument/2006/math" xmlns="" val="1"/>
+              <ma14:wrappingTextBoxFlag xmlns="" xmlns:m="http://schemas.openxmlformats.org/officeDocument/2006/math" xmlns:a14="http://schemas.microsoft.com/office/drawing/2010/main" xmlns:ma14="http://schemas.microsoft.com/office/mac/drawingml/2011/main" val="1"/>
             </a:ext>
           </a:extLst>
         </p:spPr>
@@ -8466,7 +8586,7 @@
           </a:ln>
           <a:extLst>
             <a:ext uri="{C572A759-6A51-4108-AA02-DFA0A04FC94B}">
-              <ma14:wrappingTextBoxFlag xmlns:ma14="http://schemas.microsoft.com/office/mac/drawingml/2011/main" xmlns:a14="http://schemas.microsoft.com/office/drawing/2010/main" xmlns:m="http://schemas.openxmlformats.org/officeDocument/2006/math" xmlns="" val="1"/>
+              <ma14:wrappingTextBoxFlag xmlns="" xmlns:m="http://schemas.openxmlformats.org/officeDocument/2006/math" xmlns:a14="http://schemas.microsoft.com/office/drawing/2010/main" xmlns:ma14="http://schemas.microsoft.com/office/mac/drawingml/2011/main" val="1"/>
             </a:ext>
           </a:extLst>
         </p:spPr>
@@ -8879,7 +8999,7 @@
             <a:effectLst/>
             <a:extLst>
               <a:ext uri="{C572A759-6A51-4108-AA02-DFA0A04FC94B}">
-                <ma14:wrappingTextBoxFlag xmlns:ma14="http://schemas.microsoft.com/office/mac/drawingml/2011/main" xmlns:a14="http://schemas.microsoft.com/office/drawing/2010/main" xmlns:m="http://schemas.openxmlformats.org/officeDocument/2006/math" xmlns="" val="1"/>
+                <ma14:wrappingTextBoxFlag xmlns="" xmlns:m="http://schemas.openxmlformats.org/officeDocument/2006/math" xmlns:a14="http://schemas.microsoft.com/office/drawing/2010/main" xmlns:ma14="http://schemas.microsoft.com/office/mac/drawingml/2011/main" val="1"/>
               </a:ext>
             </a:extLst>
           </p:spPr>
@@ -9006,7 +9126,7 @@
             <a:effectLst/>
             <a:extLst>
               <a:ext uri="{C572A759-6A51-4108-AA02-DFA0A04FC94B}">
-                <ma14:wrappingTextBoxFlag xmlns:ma14="http://schemas.microsoft.com/office/mac/drawingml/2011/main" xmlns:a14="http://schemas.microsoft.com/office/drawing/2010/main" xmlns:m="http://schemas.openxmlformats.org/officeDocument/2006/math" xmlns="" val="1"/>
+                <ma14:wrappingTextBoxFlag xmlns="" xmlns:m="http://schemas.openxmlformats.org/officeDocument/2006/math" xmlns:a14="http://schemas.microsoft.com/office/drawing/2010/main" xmlns:ma14="http://schemas.microsoft.com/office/mac/drawingml/2011/main" val="1"/>
               </a:ext>
             </a:extLst>
           </p:spPr>
@@ -9268,7 +9388,7 @@
             <a:effectLst/>
             <a:extLst>
               <a:ext uri="{C572A759-6A51-4108-AA02-DFA0A04FC94B}">
-                <ma14:wrappingTextBoxFlag xmlns:ma14="http://schemas.microsoft.com/office/mac/drawingml/2011/main" xmlns:a14="http://schemas.microsoft.com/office/drawing/2010/main" xmlns:m="http://schemas.openxmlformats.org/officeDocument/2006/math" xmlns="" val="1"/>
+                <ma14:wrappingTextBoxFlag xmlns="" xmlns:m="http://schemas.openxmlformats.org/officeDocument/2006/math" xmlns:a14="http://schemas.microsoft.com/office/drawing/2010/main" xmlns:ma14="http://schemas.microsoft.com/office/mac/drawingml/2011/main" val="1"/>
               </a:ext>
             </a:extLst>
           </p:spPr>
@@ -9393,7 +9513,7 @@
             </a:ln>
             <a:extLst>
               <a:ext uri="{C572A759-6A51-4108-AA02-DFA0A04FC94B}">
-                <ma14:wrappingTextBoxFlag xmlns:ma14="http://schemas.microsoft.com/office/mac/drawingml/2011/main" xmlns:a14="http://schemas.microsoft.com/office/drawing/2010/main" xmlns:m="http://schemas.openxmlformats.org/officeDocument/2006/math" xmlns="" val="1"/>
+                <ma14:wrappingTextBoxFlag xmlns="" xmlns:m="http://schemas.openxmlformats.org/officeDocument/2006/math" xmlns:a14="http://schemas.microsoft.com/office/drawing/2010/main" xmlns:ma14="http://schemas.microsoft.com/office/mac/drawingml/2011/main" val="1"/>
               </a:ext>
             </a:extLst>
           </p:spPr>
@@ -9655,7 +9775,7 @@
             <a:effectLst/>
             <a:extLst>
               <a:ext uri="{C572A759-6A51-4108-AA02-DFA0A04FC94B}">
-                <ma14:wrappingTextBoxFlag xmlns:ma14="http://schemas.microsoft.com/office/mac/drawingml/2011/main" xmlns:a14="http://schemas.microsoft.com/office/drawing/2010/main" xmlns:m="http://schemas.openxmlformats.org/officeDocument/2006/math" xmlns="" val="1"/>
+                <ma14:wrappingTextBoxFlag xmlns="" xmlns:m="http://schemas.openxmlformats.org/officeDocument/2006/math" xmlns:a14="http://schemas.microsoft.com/office/drawing/2010/main" xmlns:ma14="http://schemas.microsoft.com/office/mac/drawingml/2011/main" val="1"/>
               </a:ext>
             </a:extLst>
           </p:spPr>
@@ -9780,7 +9900,7 @@
             </a:ln>
             <a:extLst>
               <a:ext uri="{C572A759-6A51-4108-AA02-DFA0A04FC94B}">
-                <ma14:wrappingTextBoxFlag xmlns:ma14="http://schemas.microsoft.com/office/mac/drawingml/2011/main" xmlns:a14="http://schemas.microsoft.com/office/drawing/2010/main" xmlns:m="http://schemas.openxmlformats.org/officeDocument/2006/math" xmlns="" val="1"/>
+                <ma14:wrappingTextBoxFlag xmlns="" xmlns:m="http://schemas.openxmlformats.org/officeDocument/2006/math" xmlns:a14="http://schemas.microsoft.com/office/drawing/2010/main" xmlns:ma14="http://schemas.microsoft.com/office/mac/drawingml/2011/main" val="1"/>
               </a:ext>
             </a:extLst>
           </p:spPr>
@@ -10042,7 +10162,7 @@
             <a:effectLst/>
             <a:extLst>
               <a:ext uri="{C572A759-6A51-4108-AA02-DFA0A04FC94B}">
-                <ma14:wrappingTextBoxFlag xmlns:ma14="http://schemas.microsoft.com/office/mac/drawingml/2011/main" xmlns:a14="http://schemas.microsoft.com/office/drawing/2010/main" xmlns:m="http://schemas.openxmlformats.org/officeDocument/2006/math" xmlns="" val="1"/>
+                <ma14:wrappingTextBoxFlag xmlns="" xmlns:m="http://schemas.openxmlformats.org/officeDocument/2006/math" xmlns:a14="http://schemas.microsoft.com/office/drawing/2010/main" xmlns:ma14="http://schemas.microsoft.com/office/mac/drawingml/2011/main" val="1"/>
               </a:ext>
             </a:extLst>
           </p:spPr>
@@ -10167,7 +10287,7 @@
             </a:ln>
             <a:extLst>
               <a:ext uri="{C572A759-6A51-4108-AA02-DFA0A04FC94B}">
-                <ma14:wrappingTextBoxFlag xmlns:ma14="http://schemas.microsoft.com/office/mac/drawingml/2011/main" xmlns:a14="http://schemas.microsoft.com/office/drawing/2010/main" xmlns:m="http://schemas.openxmlformats.org/officeDocument/2006/math" xmlns="" val="1"/>
+                <ma14:wrappingTextBoxFlag xmlns="" xmlns:m="http://schemas.openxmlformats.org/officeDocument/2006/math" xmlns:a14="http://schemas.microsoft.com/office/drawing/2010/main" xmlns:ma14="http://schemas.microsoft.com/office/mac/drawingml/2011/main" val="1"/>
               </a:ext>
             </a:extLst>
           </p:spPr>
@@ -10411,7 +10531,7 @@
           <a:effectLst/>
           <a:extLst>
             <a:ext uri="{C572A759-6A51-4108-AA02-DFA0A04FC94B}">
-              <ma14:wrappingTextBoxFlag xmlns:ma14="http://schemas.microsoft.com/office/mac/drawingml/2011/main" xmlns:a14="http://schemas.microsoft.com/office/drawing/2010/main" xmlns:m="http://schemas.openxmlformats.org/officeDocument/2006/math" xmlns="" val="1"/>
+              <ma14:wrappingTextBoxFlag xmlns="" xmlns:m="http://schemas.openxmlformats.org/officeDocument/2006/math" xmlns:a14="http://schemas.microsoft.com/office/drawing/2010/main" xmlns:ma14="http://schemas.microsoft.com/office/mac/drawingml/2011/main" val="1"/>
             </a:ext>
           </a:extLst>
         </p:spPr>
@@ -10528,7 +10648,7 @@
           </a:ln>
           <a:extLst>
             <a:ext uri="{C572A759-6A51-4108-AA02-DFA0A04FC94B}">
-              <ma14:wrappingTextBoxFlag xmlns:ma14="http://schemas.microsoft.com/office/mac/drawingml/2011/main" xmlns:a14="http://schemas.microsoft.com/office/drawing/2010/main" xmlns:m="http://schemas.openxmlformats.org/officeDocument/2006/math" xmlns="" val="1"/>
+              <ma14:wrappingTextBoxFlag xmlns="" xmlns:m="http://schemas.openxmlformats.org/officeDocument/2006/math" xmlns:a14="http://schemas.microsoft.com/office/drawing/2010/main" xmlns:ma14="http://schemas.microsoft.com/office/mac/drawingml/2011/main" val="1"/>
             </a:ext>
           </a:extLst>
         </p:spPr>
@@ -10724,7 +10844,7 @@
           </a:ln>
           <a:extLst>
             <a:ext uri="{C572A759-6A51-4108-AA02-DFA0A04FC94B}">
-              <ma14:wrappingTextBoxFlag xmlns:ma14="http://schemas.microsoft.com/office/mac/drawingml/2011/main" xmlns:a14="http://schemas.microsoft.com/office/drawing/2010/main" xmlns:m="http://schemas.openxmlformats.org/officeDocument/2006/math" xmlns="" val="1"/>
+              <ma14:wrappingTextBoxFlag xmlns="" xmlns:m="http://schemas.openxmlformats.org/officeDocument/2006/math" xmlns:a14="http://schemas.microsoft.com/office/drawing/2010/main" xmlns:ma14="http://schemas.microsoft.com/office/mac/drawingml/2011/main" val="1"/>
             </a:ext>
           </a:extLst>
         </p:spPr>
@@ -11007,7 +11127,7 @@
           <a:effectLst/>
           <a:extLst>
             <a:ext uri="{C572A759-6A51-4108-AA02-DFA0A04FC94B}">
-              <ma14:wrappingTextBoxFlag xmlns:ma14="http://schemas.microsoft.com/office/mac/drawingml/2011/main" xmlns:a14="http://schemas.microsoft.com/office/drawing/2010/main" xmlns:m="http://schemas.openxmlformats.org/officeDocument/2006/math" xmlns="" val="1"/>
+              <ma14:wrappingTextBoxFlag xmlns="" xmlns:m="http://schemas.openxmlformats.org/officeDocument/2006/math" xmlns:a14="http://schemas.microsoft.com/office/drawing/2010/main" xmlns:ma14="http://schemas.microsoft.com/office/mac/drawingml/2011/main" val="1"/>
             </a:ext>
           </a:extLst>
         </p:spPr>
@@ -11132,7 +11252,7 @@
           </a:ln>
           <a:extLst>
             <a:ext uri="{C572A759-6A51-4108-AA02-DFA0A04FC94B}">
-              <ma14:wrappingTextBoxFlag xmlns:ma14="http://schemas.microsoft.com/office/mac/drawingml/2011/main" xmlns:a14="http://schemas.microsoft.com/office/drawing/2010/main" xmlns:m="http://schemas.openxmlformats.org/officeDocument/2006/math" xmlns="" val="1"/>
+              <ma14:wrappingTextBoxFlag xmlns="" xmlns:m="http://schemas.openxmlformats.org/officeDocument/2006/math" xmlns:a14="http://schemas.microsoft.com/office/drawing/2010/main" xmlns:ma14="http://schemas.microsoft.com/office/mac/drawingml/2011/main" val="1"/>
             </a:ext>
           </a:extLst>
         </p:spPr>
@@ -11375,7 +11495,7 @@
           <a:effectLst/>
           <a:extLst>
             <a:ext uri="{C572A759-6A51-4108-AA02-DFA0A04FC94B}">
-              <ma14:wrappingTextBoxFlag xmlns:ma14="http://schemas.microsoft.com/office/mac/drawingml/2011/main" xmlns:a14="http://schemas.microsoft.com/office/drawing/2010/main" xmlns:m="http://schemas.openxmlformats.org/officeDocument/2006/math" xmlns="" val="1"/>
+              <ma14:wrappingTextBoxFlag xmlns="" xmlns:m="http://schemas.openxmlformats.org/officeDocument/2006/math" xmlns:a14="http://schemas.microsoft.com/office/drawing/2010/main" xmlns:ma14="http://schemas.microsoft.com/office/mac/drawingml/2011/main" val="1"/>
             </a:ext>
           </a:extLst>
         </p:spPr>
@@ -11498,7 +11618,7 @@
           </a:ln>
           <a:extLst>
             <a:ext uri="{C572A759-6A51-4108-AA02-DFA0A04FC94B}">
-              <ma14:wrappingTextBoxFlag xmlns:ma14="http://schemas.microsoft.com/office/mac/drawingml/2011/main" xmlns:a14="http://schemas.microsoft.com/office/drawing/2010/main" xmlns:m="http://schemas.openxmlformats.org/officeDocument/2006/math" xmlns="" val="1"/>
+              <ma14:wrappingTextBoxFlag xmlns="" xmlns:m="http://schemas.openxmlformats.org/officeDocument/2006/math" xmlns:a14="http://schemas.microsoft.com/office/drawing/2010/main" xmlns:ma14="http://schemas.microsoft.com/office/mac/drawingml/2011/main" val="1"/>
             </a:ext>
           </a:extLst>
         </p:spPr>
@@ -11841,7 +11961,7 @@
           <a:effectLst/>
           <a:extLst>
             <a:ext uri="{C572A759-6A51-4108-AA02-DFA0A04FC94B}">
-              <ma14:wrappingTextBoxFlag xmlns:ma14="http://schemas.microsoft.com/office/mac/drawingml/2011/main" xmlns:a14="http://schemas.microsoft.com/office/drawing/2010/main" xmlns:m="http://schemas.openxmlformats.org/officeDocument/2006/math" xmlns="" val="1"/>
+              <ma14:wrappingTextBoxFlag xmlns="" xmlns:m="http://schemas.openxmlformats.org/officeDocument/2006/math" xmlns:a14="http://schemas.microsoft.com/office/drawing/2010/main" xmlns:ma14="http://schemas.microsoft.com/office/mac/drawingml/2011/main" val="1"/>
             </a:ext>
           </a:extLst>
         </p:spPr>
@@ -12162,7 +12282,7 @@
           <a:effectLst/>
           <a:extLst>
             <a:ext uri="{C572A759-6A51-4108-AA02-DFA0A04FC94B}">
-              <ma14:wrappingTextBoxFlag xmlns:ma14="http://schemas.microsoft.com/office/mac/drawingml/2011/main" xmlns:a14="http://schemas.microsoft.com/office/drawing/2010/main" xmlns:m="http://schemas.openxmlformats.org/officeDocument/2006/math" xmlns="" val="1"/>
+              <ma14:wrappingTextBoxFlag xmlns="" xmlns:m="http://schemas.openxmlformats.org/officeDocument/2006/math" xmlns:a14="http://schemas.microsoft.com/office/drawing/2010/main" xmlns:ma14="http://schemas.microsoft.com/office/mac/drawingml/2011/main" val="1"/>
             </a:ext>
           </a:extLst>
         </p:spPr>
@@ -12296,7 +12416,7 @@
           </a:ln>
           <a:extLst>
             <a:ext uri="{C572A759-6A51-4108-AA02-DFA0A04FC94B}">
-              <ma14:wrappingTextBoxFlag xmlns:ma14="http://schemas.microsoft.com/office/mac/drawingml/2011/main" xmlns:a14="http://schemas.microsoft.com/office/drawing/2010/main" xmlns:m="http://schemas.openxmlformats.org/officeDocument/2006/math" xmlns="" val="1"/>
+              <ma14:wrappingTextBoxFlag xmlns="" xmlns:m="http://schemas.openxmlformats.org/officeDocument/2006/math" xmlns:a14="http://schemas.microsoft.com/office/drawing/2010/main" xmlns:ma14="http://schemas.microsoft.com/office/mac/drawingml/2011/main" val="1"/>
             </a:ext>
           </a:extLst>
         </p:spPr>
@@ -12539,7 +12659,7 @@
           <a:effectLst/>
           <a:extLst>
             <a:ext uri="{C572A759-6A51-4108-AA02-DFA0A04FC94B}">
-              <ma14:wrappingTextBoxFlag xmlns:ma14="http://schemas.microsoft.com/office/mac/drawingml/2011/main" xmlns:a14="http://schemas.microsoft.com/office/drawing/2010/main" xmlns:m="http://schemas.openxmlformats.org/officeDocument/2006/math" xmlns="" val="1"/>
+              <ma14:wrappingTextBoxFlag xmlns="" xmlns:m="http://schemas.openxmlformats.org/officeDocument/2006/math" xmlns:a14="http://schemas.microsoft.com/office/drawing/2010/main" xmlns:ma14="http://schemas.microsoft.com/office/mac/drawingml/2011/main" val="1"/>
             </a:ext>
           </a:extLst>
         </p:spPr>
@@ -12662,7 +12782,7 @@
           </a:ln>
           <a:extLst>
             <a:ext uri="{C572A759-6A51-4108-AA02-DFA0A04FC94B}">
-              <ma14:wrappingTextBoxFlag xmlns:ma14="http://schemas.microsoft.com/office/mac/drawingml/2011/main" xmlns:a14="http://schemas.microsoft.com/office/drawing/2010/main" xmlns:m="http://schemas.openxmlformats.org/officeDocument/2006/math" xmlns="" val="1"/>
+              <ma14:wrappingTextBoxFlag xmlns="" xmlns:m="http://schemas.openxmlformats.org/officeDocument/2006/math" xmlns:a14="http://schemas.microsoft.com/office/drawing/2010/main" xmlns:ma14="http://schemas.microsoft.com/office/mac/drawingml/2011/main" val="1"/>
             </a:ext>
           </a:extLst>
         </p:spPr>
@@ -12888,7 +13008,7 @@
           </a:ln>
           <a:extLst>
             <a:ext uri="{C572A759-6A51-4108-AA02-DFA0A04FC94B}">
-              <ma14:wrappingTextBoxFlag xmlns:ma14="http://schemas.microsoft.com/office/mac/drawingml/2011/main" xmlns:a14="http://schemas.microsoft.com/office/drawing/2010/main" xmlns:m="http://schemas.openxmlformats.org/officeDocument/2006/math" xmlns="" val="1"/>
+              <ma14:wrappingTextBoxFlag xmlns="" xmlns:m="http://schemas.openxmlformats.org/officeDocument/2006/math" xmlns:a14="http://schemas.microsoft.com/office/drawing/2010/main" xmlns:ma14="http://schemas.microsoft.com/office/mac/drawingml/2011/main" val="1"/>
             </a:ext>
           </a:extLst>
         </p:spPr>
@@ -12934,11 +13054,960 @@
           </a:ln>
           <a:extLst>
             <a:ext uri="{C572A759-6A51-4108-AA02-DFA0A04FC94B}">
-              <ma14:wrappingTextBoxFlag xmlns:ma14="http://schemas.microsoft.com/office/mac/drawingml/2011/main" xmlns:a14="http://schemas.microsoft.com/office/drawing/2010/main" xmlns:m="http://schemas.openxmlformats.org/officeDocument/2006/math" xmlns="" val="1"/>
+              <ma14:wrappingTextBoxFlag xmlns="" xmlns:m="http://schemas.openxmlformats.org/officeDocument/2006/math" xmlns:a14="http://schemas.microsoft.com/office/drawing/2010/main" xmlns:ma14="http://schemas.microsoft.com/office/mac/drawingml/2011/main" val="1"/>
             </a:ext>
           </a:extLst>
         </p:spPr>
       </p:pic>
+      <p:pic>
+        <p:nvPicPr>
+          <p:cNvPr id="11" name="Picture 10" descr="A picture containing blue, seat&#10;&#10;Description automatically generated">
+            <a:extLst>
+              <a:ext uri="{FF2B5EF4-FFF2-40B4-BE49-F238E27FC236}">
+                <a16:creationId xmlns:a16="http://schemas.microsoft.com/office/drawing/2014/main" id="{EEFC507E-9310-4667-8A0C-BCFF8F15A868}"/>
+              </a:ext>
+            </a:extLst>
+          </p:cNvPr>
+          <p:cNvPicPr>
+            <a:picLocks noChangeAspect="1"/>
+          </p:cNvPicPr>
+          <p:nvPr/>
+        </p:nvPicPr>
+        <p:blipFill>
+          <a:blip r:embed="rId33">
+            <a:extLst>
+              <a:ext uri="{28A0092B-C50C-407E-A947-70E740481C1C}">
+                <a14:useLocalDpi xmlns:a14="http://schemas.microsoft.com/office/drawing/2010/main" val="0"/>
+              </a:ext>
+            </a:extLst>
+          </a:blip>
+          <a:stretch>
+            <a:fillRect/>
+          </a:stretch>
+        </p:blipFill>
+        <p:spPr>
+          <a:xfrm>
+            <a:off x="5552361" y="2708276"/>
+            <a:ext cx="609600" cy="609600"/>
+          </a:xfrm>
+          <a:prstGeom prst="rect">
+            <a:avLst/>
+          </a:prstGeom>
+        </p:spPr>
+      </p:pic>
+      <p:sp>
+        <p:nvSpPr>
+          <p:cNvPr id="19" name="Heart 18">
+            <a:extLst>
+              <a:ext uri="{FF2B5EF4-FFF2-40B4-BE49-F238E27FC236}">
+                <a16:creationId xmlns:a16="http://schemas.microsoft.com/office/drawing/2014/main" id="{8BC4D36B-B8CC-4DCB-9A40-860E86361382}"/>
+              </a:ext>
+            </a:extLst>
+          </p:cNvPr>
+          <p:cNvSpPr/>
+          <p:nvPr/>
+        </p:nvSpPr>
+        <p:spPr>
+          <a:xfrm>
+            <a:off x="5334228" y="2265375"/>
+            <a:ext cx="252397" cy="252397"/>
+          </a:xfrm>
+          <a:prstGeom prst="heart">
+            <a:avLst/>
+          </a:prstGeom>
+          <a:solidFill>
+            <a:schemeClr val="accent2">
+              <a:lumMod val="75000"/>
+            </a:schemeClr>
+          </a:solidFill>
+          <a:ln w="12700" cap="flat">
+            <a:noFill/>
+            <a:miter lim="400000"/>
+          </a:ln>
+          <a:effectLst/>
+          <a:sp3d/>
+        </p:spPr>
+        <p:style>
+          <a:lnRef idx="0">
+            <a:scrgbClr r="0" g="0" b="0"/>
+          </a:lnRef>
+          <a:fillRef idx="0">
+            <a:scrgbClr r="0" g="0" b="0"/>
+          </a:fillRef>
+          <a:effectRef idx="0">
+            <a:scrgbClr r="0" g="0" b="0"/>
+          </a:effectRef>
+          <a:fontRef idx="none"/>
+        </p:style>
+        <p:txBody>
+          <a:bodyPr rot="0" spcFirstLastPara="1" vertOverflow="overflow" horzOverflow="overflow" vert="horz" wrap="square" lIns="0" tIns="0" rIns="0" bIns="0" numCol="1" spcCol="38100" rtlCol="0" anchor="ctr">
+            <a:spAutoFit/>
+          </a:bodyPr>
+          <a:lstStyle/>
+          <a:p>
+            <a:pPr marL="0" marR="0" indent="0" algn="ctr" defTabSz="825500" rtl="0" fontAlgn="auto" latinLnBrk="0" hangingPunct="0">
+              <a:lnSpc>
+                <a:spcPct val="100000"/>
+              </a:lnSpc>
+              <a:spcBef>
+                <a:spcPts val="0"/>
+              </a:spcBef>
+              <a:spcAft>
+                <a:spcPts val="0"/>
+              </a:spcAft>
+              <a:buClrTx/>
+              <a:buSzTx/>
+              <a:buFontTx/>
+              <a:buNone/>
+              <a:tabLst/>
+            </a:pPr>
+            <a:endParaRPr kumimoji="0" lang="en-US" sz="3200" b="0" i="0" u="none" strike="noStrike" cap="none" spc="0" normalizeH="0" baseline="0">
+              <a:ln>
+                <a:noFill/>
+              </a:ln>
+              <a:solidFill>
+                <a:srgbClr val="FFFFFF"/>
+              </a:solidFill>
+              <a:effectLst/>
+              <a:uFillTx/>
+              <a:latin typeface="+mn-lt"/>
+              <a:ea typeface="+mn-ea"/>
+              <a:cs typeface="+mn-cs"/>
+              <a:sym typeface="Helvetica Neue Medium"/>
+            </a:endParaRPr>
+          </a:p>
+        </p:txBody>
+      </p:sp>
+      <p:sp>
+        <p:nvSpPr>
+          <p:cNvPr id="157" name="Heart 156">
+            <a:extLst>
+              <a:ext uri="{FF2B5EF4-FFF2-40B4-BE49-F238E27FC236}">
+                <a16:creationId xmlns:a16="http://schemas.microsoft.com/office/drawing/2014/main" id="{26660013-C9FD-4331-9EDD-7D0ACEFC8DFC}"/>
+              </a:ext>
+            </a:extLst>
+          </p:cNvPr>
+          <p:cNvSpPr/>
+          <p:nvPr/>
+        </p:nvSpPr>
+        <p:spPr>
+          <a:xfrm>
+            <a:off x="5773070" y="2471995"/>
+            <a:ext cx="163768" cy="163768"/>
+          </a:xfrm>
+          <a:prstGeom prst="heart">
+            <a:avLst/>
+          </a:prstGeom>
+          <a:solidFill>
+            <a:schemeClr val="accent2">
+              <a:lumMod val="75000"/>
+            </a:schemeClr>
+          </a:solidFill>
+          <a:ln w="12700" cap="flat">
+            <a:noFill/>
+            <a:miter lim="400000"/>
+          </a:ln>
+          <a:effectLst/>
+          <a:sp3d/>
+        </p:spPr>
+        <p:style>
+          <a:lnRef idx="0">
+            <a:scrgbClr r="0" g="0" b="0"/>
+          </a:lnRef>
+          <a:fillRef idx="0">
+            <a:scrgbClr r="0" g="0" b="0"/>
+          </a:fillRef>
+          <a:effectRef idx="0">
+            <a:scrgbClr r="0" g="0" b="0"/>
+          </a:effectRef>
+          <a:fontRef idx="none"/>
+        </p:style>
+        <p:txBody>
+          <a:bodyPr rot="0" spcFirstLastPara="1" vertOverflow="overflow" horzOverflow="overflow" vert="horz" wrap="square" lIns="0" tIns="0" rIns="0" bIns="0" numCol="1" spcCol="38100" rtlCol="0" anchor="ctr">
+            <a:spAutoFit/>
+          </a:bodyPr>
+          <a:lstStyle/>
+          <a:p>
+            <a:pPr marL="0" marR="0" indent="0" algn="ctr" defTabSz="825500" rtl="0" fontAlgn="auto" latinLnBrk="0" hangingPunct="0">
+              <a:lnSpc>
+                <a:spcPct val="100000"/>
+              </a:lnSpc>
+              <a:spcBef>
+                <a:spcPts val="0"/>
+              </a:spcBef>
+              <a:spcAft>
+                <a:spcPts val="0"/>
+              </a:spcAft>
+              <a:buClrTx/>
+              <a:buSzTx/>
+              <a:buFontTx/>
+              <a:buNone/>
+              <a:tabLst/>
+            </a:pPr>
+            <a:endParaRPr kumimoji="0" lang="en-US" sz="3200" b="0" i="0" u="none" strike="noStrike" cap="none" spc="0" normalizeH="0" baseline="0">
+              <a:ln>
+                <a:noFill/>
+              </a:ln>
+              <a:solidFill>
+                <a:srgbClr val="FFFFFF"/>
+              </a:solidFill>
+              <a:effectLst/>
+              <a:uFillTx/>
+              <a:latin typeface="+mn-lt"/>
+              <a:ea typeface="+mn-ea"/>
+              <a:cs typeface="+mn-cs"/>
+              <a:sym typeface="Helvetica Neue Medium"/>
+            </a:endParaRPr>
+          </a:p>
+        </p:txBody>
+      </p:sp>
+      <p:sp>
+        <p:nvSpPr>
+          <p:cNvPr id="158" name="Heart 157">
+            <a:extLst>
+              <a:ext uri="{FF2B5EF4-FFF2-40B4-BE49-F238E27FC236}">
+                <a16:creationId xmlns:a16="http://schemas.microsoft.com/office/drawing/2014/main" id="{2CCA6BAB-F5D2-48A6-9CA8-90C264336197}"/>
+              </a:ext>
+            </a:extLst>
+          </p:cNvPr>
+          <p:cNvSpPr/>
+          <p:nvPr/>
+        </p:nvSpPr>
+        <p:spPr>
+          <a:xfrm>
+            <a:off x="4951355" y="2468853"/>
+            <a:ext cx="163768" cy="163768"/>
+          </a:xfrm>
+          <a:prstGeom prst="heart">
+            <a:avLst/>
+          </a:prstGeom>
+          <a:solidFill>
+            <a:schemeClr val="accent2">
+              <a:lumMod val="75000"/>
+            </a:schemeClr>
+          </a:solidFill>
+          <a:ln w="12700" cap="flat">
+            <a:noFill/>
+            <a:miter lim="400000"/>
+          </a:ln>
+          <a:effectLst/>
+          <a:sp3d/>
+        </p:spPr>
+        <p:style>
+          <a:lnRef idx="0">
+            <a:scrgbClr r="0" g="0" b="0"/>
+          </a:lnRef>
+          <a:fillRef idx="0">
+            <a:scrgbClr r="0" g="0" b="0"/>
+          </a:fillRef>
+          <a:effectRef idx="0">
+            <a:scrgbClr r="0" g="0" b="0"/>
+          </a:effectRef>
+          <a:fontRef idx="none"/>
+        </p:style>
+        <p:txBody>
+          <a:bodyPr rot="0" spcFirstLastPara="1" vertOverflow="overflow" horzOverflow="overflow" vert="horz" wrap="square" lIns="0" tIns="0" rIns="0" bIns="0" numCol="1" spcCol="38100" rtlCol="0" anchor="ctr">
+            <a:spAutoFit/>
+          </a:bodyPr>
+          <a:lstStyle/>
+          <a:p>
+            <a:pPr marL="0" marR="0" indent="0" algn="ctr" defTabSz="825500" rtl="0" fontAlgn="auto" latinLnBrk="0" hangingPunct="0">
+              <a:lnSpc>
+                <a:spcPct val="100000"/>
+              </a:lnSpc>
+              <a:spcBef>
+                <a:spcPts val="0"/>
+              </a:spcBef>
+              <a:spcAft>
+                <a:spcPts val="0"/>
+              </a:spcAft>
+              <a:buClrTx/>
+              <a:buSzTx/>
+              <a:buFontTx/>
+              <a:buNone/>
+              <a:tabLst/>
+            </a:pPr>
+            <a:endParaRPr kumimoji="0" lang="en-US" sz="3200" b="0" i="0" u="none" strike="noStrike" cap="none" spc="0" normalizeH="0" baseline="0">
+              <a:ln>
+                <a:noFill/>
+              </a:ln>
+              <a:solidFill>
+                <a:srgbClr val="FFFFFF"/>
+              </a:solidFill>
+              <a:effectLst/>
+              <a:uFillTx/>
+              <a:latin typeface="+mn-lt"/>
+              <a:ea typeface="+mn-ea"/>
+              <a:cs typeface="+mn-cs"/>
+              <a:sym typeface="Helvetica Neue Medium"/>
+            </a:endParaRPr>
+          </a:p>
+        </p:txBody>
+      </p:sp>
+      <p:sp>
+        <p:nvSpPr>
+          <p:cNvPr id="179" name="Heart 178">
+            <a:extLst>
+              <a:ext uri="{FF2B5EF4-FFF2-40B4-BE49-F238E27FC236}">
+                <a16:creationId xmlns:a16="http://schemas.microsoft.com/office/drawing/2014/main" id="{78E8A4FD-E637-4136-8C54-D3508090393C}"/>
+              </a:ext>
+            </a:extLst>
+          </p:cNvPr>
+          <p:cNvSpPr/>
+          <p:nvPr/>
+        </p:nvSpPr>
+        <p:spPr>
+          <a:xfrm rot="1044083">
+            <a:off x="5723903" y="2254798"/>
+            <a:ext cx="84165" cy="84165"/>
+          </a:xfrm>
+          <a:prstGeom prst="heart">
+            <a:avLst/>
+          </a:prstGeom>
+          <a:solidFill>
+            <a:schemeClr val="accent2">
+              <a:lumMod val="75000"/>
+            </a:schemeClr>
+          </a:solidFill>
+          <a:ln w="12700" cap="flat">
+            <a:noFill/>
+            <a:miter lim="400000"/>
+          </a:ln>
+          <a:effectLst/>
+          <a:sp3d/>
+        </p:spPr>
+        <p:style>
+          <a:lnRef idx="0">
+            <a:scrgbClr r="0" g="0" b="0"/>
+          </a:lnRef>
+          <a:fillRef idx="0">
+            <a:scrgbClr r="0" g="0" b="0"/>
+          </a:fillRef>
+          <a:effectRef idx="0">
+            <a:scrgbClr r="0" g="0" b="0"/>
+          </a:effectRef>
+          <a:fontRef idx="none"/>
+        </p:style>
+        <p:txBody>
+          <a:bodyPr rot="0" spcFirstLastPara="1" vertOverflow="overflow" horzOverflow="overflow" vert="horz" wrap="square" lIns="0" tIns="0" rIns="0" bIns="0" numCol="1" spcCol="38100" rtlCol="0" anchor="ctr">
+            <a:spAutoFit/>
+          </a:bodyPr>
+          <a:lstStyle/>
+          <a:p>
+            <a:pPr marL="0" marR="0" indent="0" algn="ctr" defTabSz="825500" rtl="0" fontAlgn="auto" latinLnBrk="0" hangingPunct="0">
+              <a:lnSpc>
+                <a:spcPct val="100000"/>
+              </a:lnSpc>
+              <a:spcBef>
+                <a:spcPts val="0"/>
+              </a:spcBef>
+              <a:spcAft>
+                <a:spcPts val="0"/>
+              </a:spcAft>
+              <a:buClrTx/>
+              <a:buSzTx/>
+              <a:buFontTx/>
+              <a:buNone/>
+              <a:tabLst/>
+            </a:pPr>
+            <a:endParaRPr kumimoji="0" lang="en-US" sz="3200" b="0" i="0" u="none" strike="noStrike" cap="none" spc="0" normalizeH="0" baseline="0">
+              <a:ln>
+                <a:noFill/>
+              </a:ln>
+              <a:solidFill>
+                <a:srgbClr val="FFFFFF"/>
+              </a:solidFill>
+              <a:effectLst/>
+              <a:uFillTx/>
+              <a:latin typeface="+mn-lt"/>
+              <a:ea typeface="+mn-ea"/>
+              <a:cs typeface="+mn-cs"/>
+              <a:sym typeface="Helvetica Neue Medium"/>
+            </a:endParaRPr>
+          </a:p>
+        </p:txBody>
+      </p:sp>
+      <p:sp>
+        <p:nvSpPr>
+          <p:cNvPr id="180" name="Heart 179">
+            <a:extLst>
+              <a:ext uri="{FF2B5EF4-FFF2-40B4-BE49-F238E27FC236}">
+                <a16:creationId xmlns:a16="http://schemas.microsoft.com/office/drawing/2014/main" id="{9C20FD4D-2919-4AAB-A352-81BEF9B64947}"/>
+              </a:ext>
+            </a:extLst>
+          </p:cNvPr>
+          <p:cNvSpPr/>
+          <p:nvPr/>
+        </p:nvSpPr>
+        <p:spPr>
+          <a:xfrm rot="20293074">
+            <a:off x="5085725" y="2282405"/>
+            <a:ext cx="84165" cy="84165"/>
+          </a:xfrm>
+          <a:prstGeom prst="heart">
+            <a:avLst/>
+          </a:prstGeom>
+          <a:solidFill>
+            <a:schemeClr val="accent2">
+              <a:lumMod val="75000"/>
+            </a:schemeClr>
+          </a:solidFill>
+          <a:ln w="12700" cap="flat">
+            <a:noFill/>
+            <a:miter lim="400000"/>
+          </a:ln>
+          <a:effectLst/>
+          <a:sp3d/>
+        </p:spPr>
+        <p:style>
+          <a:lnRef idx="0">
+            <a:scrgbClr r="0" g="0" b="0"/>
+          </a:lnRef>
+          <a:fillRef idx="0">
+            <a:scrgbClr r="0" g="0" b="0"/>
+          </a:fillRef>
+          <a:effectRef idx="0">
+            <a:scrgbClr r="0" g="0" b="0"/>
+          </a:effectRef>
+          <a:fontRef idx="none"/>
+        </p:style>
+        <p:txBody>
+          <a:bodyPr rot="0" spcFirstLastPara="1" vertOverflow="overflow" horzOverflow="overflow" vert="horz" wrap="square" lIns="0" tIns="0" rIns="0" bIns="0" numCol="1" spcCol="38100" rtlCol="0" anchor="ctr">
+            <a:spAutoFit/>
+          </a:bodyPr>
+          <a:lstStyle/>
+          <a:p>
+            <a:pPr marL="0" marR="0" indent="0" algn="ctr" defTabSz="825500" rtl="0" fontAlgn="auto" latinLnBrk="0" hangingPunct="0">
+              <a:lnSpc>
+                <a:spcPct val="100000"/>
+              </a:lnSpc>
+              <a:spcBef>
+                <a:spcPts val="0"/>
+              </a:spcBef>
+              <a:spcAft>
+                <a:spcPts val="0"/>
+              </a:spcAft>
+              <a:buClrTx/>
+              <a:buSzTx/>
+              <a:buFontTx/>
+              <a:buNone/>
+              <a:tabLst/>
+            </a:pPr>
+            <a:endParaRPr kumimoji="0" lang="en-US" sz="3200" b="0" i="0" u="none" strike="noStrike" cap="none" spc="0" normalizeH="0" baseline="0">
+              <a:ln>
+                <a:noFill/>
+              </a:ln>
+              <a:solidFill>
+                <a:srgbClr val="FFFFFF"/>
+              </a:solidFill>
+              <a:effectLst/>
+              <a:uFillTx/>
+              <a:latin typeface="+mn-lt"/>
+              <a:ea typeface="+mn-ea"/>
+              <a:cs typeface="+mn-cs"/>
+              <a:sym typeface="Helvetica Neue Medium"/>
+            </a:endParaRPr>
+          </a:p>
+        </p:txBody>
+      </p:sp>
+      <p:sp>
+        <p:nvSpPr>
+          <p:cNvPr id="181" name="Heart 180">
+            <a:extLst>
+              <a:ext uri="{FF2B5EF4-FFF2-40B4-BE49-F238E27FC236}">
+                <a16:creationId xmlns:a16="http://schemas.microsoft.com/office/drawing/2014/main" id="{3A8A4196-4027-474A-B68E-8F61BA375D64}"/>
+              </a:ext>
+            </a:extLst>
+          </p:cNvPr>
+          <p:cNvSpPr/>
+          <p:nvPr/>
+        </p:nvSpPr>
+        <p:spPr>
+          <a:xfrm rot="21112199">
+            <a:off x="5312954" y="2070871"/>
+            <a:ext cx="84165" cy="84165"/>
+          </a:xfrm>
+          <a:prstGeom prst="heart">
+            <a:avLst/>
+          </a:prstGeom>
+          <a:solidFill>
+            <a:schemeClr val="accent2">
+              <a:lumMod val="75000"/>
+            </a:schemeClr>
+          </a:solidFill>
+          <a:ln w="12700" cap="flat">
+            <a:noFill/>
+            <a:miter lim="400000"/>
+          </a:ln>
+          <a:effectLst/>
+          <a:sp3d/>
+        </p:spPr>
+        <p:style>
+          <a:lnRef idx="0">
+            <a:scrgbClr r="0" g="0" b="0"/>
+          </a:lnRef>
+          <a:fillRef idx="0">
+            <a:scrgbClr r="0" g="0" b="0"/>
+          </a:fillRef>
+          <a:effectRef idx="0">
+            <a:scrgbClr r="0" g="0" b="0"/>
+          </a:effectRef>
+          <a:fontRef idx="none"/>
+        </p:style>
+        <p:txBody>
+          <a:bodyPr rot="0" spcFirstLastPara="1" vertOverflow="overflow" horzOverflow="overflow" vert="horz" wrap="square" lIns="0" tIns="0" rIns="0" bIns="0" numCol="1" spcCol="38100" rtlCol="0" anchor="ctr">
+            <a:spAutoFit/>
+          </a:bodyPr>
+          <a:lstStyle/>
+          <a:p>
+            <a:pPr marL="0" marR="0" indent="0" algn="ctr" defTabSz="825500" rtl="0" fontAlgn="auto" latinLnBrk="0" hangingPunct="0">
+              <a:lnSpc>
+                <a:spcPct val="100000"/>
+              </a:lnSpc>
+              <a:spcBef>
+                <a:spcPts val="0"/>
+              </a:spcBef>
+              <a:spcAft>
+                <a:spcPts val="0"/>
+              </a:spcAft>
+              <a:buClrTx/>
+              <a:buSzTx/>
+              <a:buFontTx/>
+              <a:buNone/>
+              <a:tabLst/>
+            </a:pPr>
+            <a:endParaRPr kumimoji="0" lang="en-US" sz="3200" b="0" i="0" u="none" strike="noStrike" cap="none" spc="0" normalizeH="0" baseline="0">
+              <a:ln>
+                <a:noFill/>
+              </a:ln>
+              <a:solidFill>
+                <a:srgbClr val="FFFFFF"/>
+              </a:solidFill>
+              <a:effectLst/>
+              <a:uFillTx/>
+              <a:latin typeface="+mn-lt"/>
+              <a:ea typeface="+mn-ea"/>
+              <a:cs typeface="+mn-cs"/>
+              <a:sym typeface="Helvetica Neue Medium"/>
+            </a:endParaRPr>
+          </a:p>
+        </p:txBody>
+      </p:sp>
+      <p:sp>
+        <p:nvSpPr>
+          <p:cNvPr id="182" name="Heart 181">
+            <a:extLst>
+              <a:ext uri="{FF2B5EF4-FFF2-40B4-BE49-F238E27FC236}">
+                <a16:creationId xmlns:a16="http://schemas.microsoft.com/office/drawing/2014/main" id="{DA43734A-4EDA-4EF8-AE8D-9E84A0206C2A}"/>
+              </a:ext>
+            </a:extLst>
+          </p:cNvPr>
+          <p:cNvSpPr/>
+          <p:nvPr/>
+        </p:nvSpPr>
+        <p:spPr>
+          <a:xfrm rot="1238601">
+            <a:off x="5605828" y="2120989"/>
+            <a:ext cx="84165" cy="84165"/>
+          </a:xfrm>
+          <a:prstGeom prst="heart">
+            <a:avLst/>
+          </a:prstGeom>
+          <a:solidFill>
+            <a:schemeClr val="accent2">
+              <a:lumMod val="75000"/>
+            </a:schemeClr>
+          </a:solidFill>
+          <a:ln w="12700" cap="flat">
+            <a:noFill/>
+            <a:miter lim="400000"/>
+          </a:ln>
+          <a:effectLst/>
+          <a:sp3d/>
+        </p:spPr>
+        <p:style>
+          <a:lnRef idx="0">
+            <a:scrgbClr r="0" g="0" b="0"/>
+          </a:lnRef>
+          <a:fillRef idx="0">
+            <a:scrgbClr r="0" g="0" b="0"/>
+          </a:fillRef>
+          <a:effectRef idx="0">
+            <a:scrgbClr r="0" g="0" b="0"/>
+          </a:effectRef>
+          <a:fontRef idx="none"/>
+        </p:style>
+        <p:txBody>
+          <a:bodyPr rot="0" spcFirstLastPara="1" vertOverflow="overflow" horzOverflow="overflow" vert="horz" wrap="square" lIns="0" tIns="0" rIns="0" bIns="0" numCol="1" spcCol="38100" rtlCol="0" anchor="ctr">
+            <a:spAutoFit/>
+          </a:bodyPr>
+          <a:lstStyle/>
+          <a:p>
+            <a:pPr marL="0" marR="0" indent="0" algn="ctr" defTabSz="825500" rtl="0" fontAlgn="auto" latinLnBrk="0" hangingPunct="0">
+              <a:lnSpc>
+                <a:spcPct val="100000"/>
+              </a:lnSpc>
+              <a:spcBef>
+                <a:spcPts val="0"/>
+              </a:spcBef>
+              <a:spcAft>
+                <a:spcPts val="0"/>
+              </a:spcAft>
+              <a:buClrTx/>
+              <a:buSzTx/>
+              <a:buFontTx/>
+              <a:buNone/>
+              <a:tabLst/>
+            </a:pPr>
+            <a:endParaRPr kumimoji="0" lang="en-US" sz="3200" b="0" i="0" u="none" strike="noStrike" cap="none" spc="0" normalizeH="0" baseline="0">
+              <a:ln>
+                <a:noFill/>
+              </a:ln>
+              <a:solidFill>
+                <a:srgbClr val="FFFFFF"/>
+              </a:solidFill>
+              <a:effectLst/>
+              <a:uFillTx/>
+              <a:latin typeface="+mn-lt"/>
+              <a:ea typeface="+mn-ea"/>
+              <a:cs typeface="+mn-cs"/>
+              <a:sym typeface="Helvetica Neue Medium"/>
+            </a:endParaRPr>
+          </a:p>
+        </p:txBody>
+      </p:sp>
+      <p:sp>
+        <p:nvSpPr>
+          <p:cNvPr id="183" name="Heart 182">
+            <a:extLst>
+              <a:ext uri="{FF2B5EF4-FFF2-40B4-BE49-F238E27FC236}">
+                <a16:creationId xmlns:a16="http://schemas.microsoft.com/office/drawing/2014/main" id="{8BB0E08F-2AAE-4C1B-B005-FA1CDF269971}"/>
+              </a:ext>
+            </a:extLst>
+          </p:cNvPr>
+          <p:cNvSpPr/>
+          <p:nvPr/>
+        </p:nvSpPr>
+        <p:spPr>
+          <a:xfrm rot="837863">
+            <a:off x="5592403" y="2544325"/>
+            <a:ext cx="84165" cy="84165"/>
+          </a:xfrm>
+          <a:prstGeom prst="heart">
+            <a:avLst/>
+          </a:prstGeom>
+          <a:solidFill>
+            <a:schemeClr val="accent2">
+              <a:lumMod val="75000"/>
+            </a:schemeClr>
+          </a:solidFill>
+          <a:ln w="12700" cap="flat">
+            <a:noFill/>
+            <a:miter lim="400000"/>
+          </a:ln>
+          <a:effectLst/>
+          <a:sp3d/>
+        </p:spPr>
+        <p:style>
+          <a:lnRef idx="0">
+            <a:scrgbClr r="0" g="0" b="0"/>
+          </a:lnRef>
+          <a:fillRef idx="0">
+            <a:scrgbClr r="0" g="0" b="0"/>
+          </a:fillRef>
+          <a:effectRef idx="0">
+            <a:scrgbClr r="0" g="0" b="0"/>
+          </a:effectRef>
+          <a:fontRef idx="none"/>
+        </p:style>
+        <p:txBody>
+          <a:bodyPr rot="0" spcFirstLastPara="1" vertOverflow="overflow" horzOverflow="overflow" vert="horz" wrap="square" lIns="0" tIns="0" rIns="0" bIns="0" numCol="1" spcCol="38100" rtlCol="0" anchor="ctr">
+            <a:spAutoFit/>
+          </a:bodyPr>
+          <a:lstStyle/>
+          <a:p>
+            <a:pPr marL="0" marR="0" indent="0" algn="ctr" defTabSz="825500" rtl="0" fontAlgn="auto" latinLnBrk="0" hangingPunct="0">
+              <a:lnSpc>
+                <a:spcPct val="100000"/>
+              </a:lnSpc>
+              <a:spcBef>
+                <a:spcPts val="0"/>
+              </a:spcBef>
+              <a:spcAft>
+                <a:spcPts val="0"/>
+              </a:spcAft>
+              <a:buClrTx/>
+              <a:buSzTx/>
+              <a:buFontTx/>
+              <a:buNone/>
+              <a:tabLst/>
+            </a:pPr>
+            <a:endParaRPr kumimoji="0" lang="en-US" sz="3200" b="0" i="0" u="none" strike="noStrike" cap="none" spc="0" normalizeH="0" baseline="0" dirty="0">
+              <a:ln>
+                <a:noFill/>
+              </a:ln>
+              <a:solidFill>
+                <a:srgbClr val="FFFFFF"/>
+              </a:solidFill>
+              <a:effectLst/>
+              <a:uFillTx/>
+              <a:latin typeface="+mn-lt"/>
+              <a:ea typeface="+mn-ea"/>
+              <a:cs typeface="+mn-cs"/>
+              <a:sym typeface="Helvetica Neue Medium"/>
+            </a:endParaRPr>
+          </a:p>
+        </p:txBody>
+      </p:sp>
+      <p:sp>
+        <p:nvSpPr>
+          <p:cNvPr id="184" name="Heart 183">
+            <a:extLst>
+              <a:ext uri="{FF2B5EF4-FFF2-40B4-BE49-F238E27FC236}">
+                <a16:creationId xmlns:a16="http://schemas.microsoft.com/office/drawing/2014/main" id="{4BE61E34-0882-47FE-B633-357882824437}"/>
+              </a:ext>
+            </a:extLst>
+          </p:cNvPr>
+          <p:cNvSpPr/>
+          <p:nvPr/>
+        </p:nvSpPr>
+        <p:spPr>
+          <a:xfrm rot="20949119">
+            <a:off x="5282998" y="2625001"/>
+            <a:ext cx="84165" cy="84165"/>
+          </a:xfrm>
+          <a:prstGeom prst="heart">
+            <a:avLst/>
+          </a:prstGeom>
+          <a:solidFill>
+            <a:schemeClr val="accent2">
+              <a:lumMod val="75000"/>
+            </a:schemeClr>
+          </a:solidFill>
+          <a:ln w="12700" cap="flat">
+            <a:noFill/>
+            <a:miter lim="400000"/>
+          </a:ln>
+          <a:effectLst/>
+          <a:sp3d/>
+        </p:spPr>
+        <p:style>
+          <a:lnRef idx="0">
+            <a:scrgbClr r="0" g="0" b="0"/>
+          </a:lnRef>
+          <a:fillRef idx="0">
+            <a:scrgbClr r="0" g="0" b="0"/>
+          </a:fillRef>
+          <a:effectRef idx="0">
+            <a:scrgbClr r="0" g="0" b="0"/>
+          </a:effectRef>
+          <a:fontRef idx="none"/>
+        </p:style>
+        <p:txBody>
+          <a:bodyPr rot="0" spcFirstLastPara="1" vertOverflow="overflow" horzOverflow="overflow" vert="horz" wrap="square" lIns="0" tIns="0" rIns="0" bIns="0" numCol="1" spcCol="38100" rtlCol="0" anchor="ctr">
+            <a:spAutoFit/>
+          </a:bodyPr>
+          <a:lstStyle/>
+          <a:p>
+            <a:pPr marL="0" marR="0" indent="0" algn="ctr" defTabSz="825500" rtl="0" fontAlgn="auto" latinLnBrk="0" hangingPunct="0">
+              <a:lnSpc>
+                <a:spcPct val="100000"/>
+              </a:lnSpc>
+              <a:spcBef>
+                <a:spcPts val="0"/>
+              </a:spcBef>
+              <a:spcAft>
+                <a:spcPts val="0"/>
+              </a:spcAft>
+              <a:buClrTx/>
+              <a:buSzTx/>
+              <a:buFontTx/>
+              <a:buNone/>
+              <a:tabLst/>
+            </a:pPr>
+            <a:endParaRPr kumimoji="0" lang="en-US" sz="3200" b="0" i="0" u="none" strike="noStrike" cap="none" spc="0" normalizeH="0" baseline="0">
+              <a:ln>
+                <a:noFill/>
+              </a:ln>
+              <a:solidFill>
+                <a:srgbClr val="FFFFFF"/>
+              </a:solidFill>
+              <a:effectLst/>
+              <a:uFillTx/>
+              <a:latin typeface="+mn-lt"/>
+              <a:ea typeface="+mn-ea"/>
+              <a:cs typeface="+mn-cs"/>
+              <a:sym typeface="Helvetica Neue Medium"/>
+            </a:endParaRPr>
+          </a:p>
+        </p:txBody>
+      </p:sp>
+      <p:sp>
+        <p:nvSpPr>
+          <p:cNvPr id="185" name="Heart 184">
+            <a:extLst>
+              <a:ext uri="{FF2B5EF4-FFF2-40B4-BE49-F238E27FC236}">
+                <a16:creationId xmlns:a16="http://schemas.microsoft.com/office/drawing/2014/main" id="{EB9C8C8D-FF9A-43C5-9A1D-C21C2111822F}"/>
+              </a:ext>
+            </a:extLst>
+          </p:cNvPr>
+          <p:cNvSpPr/>
+          <p:nvPr/>
+        </p:nvSpPr>
+        <p:spPr>
+          <a:xfrm>
+            <a:off x="5516330" y="2721354"/>
+            <a:ext cx="84165" cy="84165"/>
+          </a:xfrm>
+          <a:prstGeom prst="heart">
+            <a:avLst/>
+          </a:prstGeom>
+          <a:solidFill>
+            <a:schemeClr val="accent2">
+              <a:lumMod val="75000"/>
+            </a:schemeClr>
+          </a:solidFill>
+          <a:ln w="12700" cap="flat">
+            <a:noFill/>
+            <a:miter lim="400000"/>
+          </a:ln>
+          <a:effectLst/>
+          <a:sp3d/>
+        </p:spPr>
+        <p:style>
+          <a:lnRef idx="0">
+            <a:scrgbClr r="0" g="0" b="0"/>
+          </a:lnRef>
+          <a:fillRef idx="0">
+            <a:scrgbClr r="0" g="0" b="0"/>
+          </a:fillRef>
+          <a:effectRef idx="0">
+            <a:scrgbClr r="0" g="0" b="0"/>
+          </a:effectRef>
+          <a:fontRef idx="none"/>
+        </p:style>
+        <p:txBody>
+          <a:bodyPr rot="0" spcFirstLastPara="1" vertOverflow="overflow" horzOverflow="overflow" vert="horz" wrap="square" lIns="0" tIns="0" rIns="0" bIns="0" numCol="1" spcCol="38100" rtlCol="0" anchor="ctr">
+            <a:spAutoFit/>
+          </a:bodyPr>
+          <a:lstStyle/>
+          <a:p>
+            <a:pPr marL="0" marR="0" indent="0" algn="ctr" defTabSz="825500" rtl="0" fontAlgn="auto" latinLnBrk="0" hangingPunct="0">
+              <a:lnSpc>
+                <a:spcPct val="100000"/>
+              </a:lnSpc>
+              <a:spcBef>
+                <a:spcPts val="0"/>
+              </a:spcBef>
+              <a:spcAft>
+                <a:spcPts val="0"/>
+              </a:spcAft>
+              <a:buClrTx/>
+              <a:buSzTx/>
+              <a:buFontTx/>
+              <a:buNone/>
+              <a:tabLst/>
+            </a:pPr>
+            <a:endParaRPr kumimoji="0" lang="en-US" sz="3200" b="0" i="0" u="none" strike="noStrike" cap="none" spc="0" normalizeH="0" baseline="0">
+              <a:ln>
+                <a:noFill/>
+              </a:ln>
+              <a:solidFill>
+                <a:srgbClr val="FFFFFF"/>
+              </a:solidFill>
+              <a:effectLst/>
+              <a:uFillTx/>
+              <a:latin typeface="+mn-lt"/>
+              <a:ea typeface="+mn-ea"/>
+              <a:cs typeface="+mn-cs"/>
+              <a:sym typeface="Helvetica Neue Medium"/>
+            </a:endParaRPr>
+          </a:p>
+        </p:txBody>
+      </p:sp>
+      <p:sp>
+        <p:nvSpPr>
+          <p:cNvPr id="186" name="Heart 185">
+            <a:extLst>
+              <a:ext uri="{FF2B5EF4-FFF2-40B4-BE49-F238E27FC236}">
+                <a16:creationId xmlns:a16="http://schemas.microsoft.com/office/drawing/2014/main" id="{2E5CAC0B-30C2-4695-8068-BF77A841145E}"/>
+              </a:ext>
+            </a:extLst>
+          </p:cNvPr>
+          <p:cNvSpPr/>
+          <p:nvPr/>
+        </p:nvSpPr>
+        <p:spPr>
+          <a:xfrm rot="1609585">
+            <a:off x="5716590" y="2675417"/>
+            <a:ext cx="84165" cy="84165"/>
+          </a:xfrm>
+          <a:prstGeom prst="heart">
+            <a:avLst/>
+          </a:prstGeom>
+          <a:solidFill>
+            <a:schemeClr val="accent2">
+              <a:lumMod val="75000"/>
+            </a:schemeClr>
+          </a:solidFill>
+          <a:ln w="12700" cap="flat">
+            <a:noFill/>
+            <a:miter lim="400000"/>
+          </a:ln>
+          <a:effectLst/>
+          <a:sp3d/>
+        </p:spPr>
+        <p:style>
+          <a:lnRef idx="0">
+            <a:scrgbClr r="0" g="0" b="0"/>
+          </a:lnRef>
+          <a:fillRef idx="0">
+            <a:scrgbClr r="0" g="0" b="0"/>
+          </a:fillRef>
+          <a:effectRef idx="0">
+            <a:scrgbClr r="0" g="0" b="0"/>
+          </a:effectRef>
+          <a:fontRef idx="none"/>
+        </p:style>
+        <p:txBody>
+          <a:bodyPr rot="0" spcFirstLastPara="1" vertOverflow="overflow" horzOverflow="overflow" vert="horz" wrap="square" lIns="0" tIns="0" rIns="0" bIns="0" numCol="1" spcCol="38100" rtlCol="0" anchor="ctr">
+            <a:spAutoFit/>
+          </a:bodyPr>
+          <a:lstStyle/>
+          <a:p>
+            <a:pPr marL="0" marR="0" indent="0" algn="ctr" defTabSz="825500" rtl="0" fontAlgn="auto" latinLnBrk="0" hangingPunct="0">
+              <a:lnSpc>
+                <a:spcPct val="100000"/>
+              </a:lnSpc>
+              <a:spcBef>
+                <a:spcPts val="0"/>
+              </a:spcBef>
+              <a:spcAft>
+                <a:spcPts val="0"/>
+              </a:spcAft>
+              <a:buClrTx/>
+              <a:buSzTx/>
+              <a:buFontTx/>
+              <a:buNone/>
+              <a:tabLst/>
+            </a:pPr>
+            <a:endParaRPr kumimoji="0" lang="en-US" sz="3200" b="0" i="0" u="none" strike="noStrike" cap="none" spc="0" normalizeH="0" baseline="0">
+              <a:ln>
+                <a:noFill/>
+              </a:ln>
+              <a:solidFill>
+                <a:srgbClr val="FFFFFF"/>
+              </a:solidFill>
+              <a:effectLst/>
+              <a:uFillTx/>
+              <a:latin typeface="+mn-lt"/>
+              <a:ea typeface="+mn-ea"/>
+              <a:cs typeface="+mn-cs"/>
+              <a:sym typeface="Helvetica Neue Medium"/>
+            </a:endParaRPr>
+          </a:p>
+        </p:txBody>
+      </p:sp>
     </p:spTree>
     <p:extLst>
       <p:ext uri="{BB962C8B-B14F-4D97-AF65-F5344CB8AC3E}">

--- a/images/alliance-leadership/Brave-Leadership 2.pptx
+++ b/images/alliance-leadership/Brave-Leadership 2.pptx
@@ -333,374 +333,9 @@
 <file path=ppt/revisionInfo.xml><?xml version="1.0" encoding="utf-8"?>
 <p1510:revInfo xmlns:a="http://schemas.openxmlformats.org/drawingml/2006/main" xmlns:r="http://schemas.openxmlformats.org/officeDocument/2006/relationships" xmlns:p1510="http://schemas.microsoft.com/office/powerpoint/2015/10/main">
   <p1510:revLst>
-    <p1510:client id="{9344AE72-F363-428B-B7F1-1C064A3A24DF}" v="142" dt="2021-12-23T19:42:09.158"/>
+    <p1510:client id="{D00725CE-8F20-4D74-A391-222C504AF317}" v="6" dt="2022-07-03T13:13:44.626"/>
   </p1510:revLst>
 </p1510:revInfo>
-</file>
-
-<file path=ppt/changesInfos/changesInfo1.xml><?xml version="1.0" encoding="utf-8"?>
-<pc:chgInfo xmlns:a="http://schemas.openxmlformats.org/drawingml/2006/main" xmlns:r="http://schemas.openxmlformats.org/officeDocument/2006/relationships" xmlns:ac="http://schemas.microsoft.com/office/drawing/2013/main/command" xmlns:pc="http://schemas.microsoft.com/office/powerpoint/2013/main/command">
-  <pc:docChgLst>
-    <pc:chgData name="Aiden Jepson" userId="27ac3319768fac1a" providerId="LiveId" clId="{4BE024F7-1545-4B72-AEEC-C0F382AEBC24}"/>
-    <pc:docChg chg="modSld">
-      <pc:chgData name="Aiden Jepson" userId="27ac3319768fac1a" providerId="LiveId" clId="{4BE024F7-1545-4B72-AEEC-C0F382AEBC24}" dt="2021-11-30T22:07:41.724" v="1" actId="14100"/>
-      <pc:docMkLst>
-        <pc:docMk/>
-      </pc:docMkLst>
-      <pc:sldChg chg="modSp mod">
-        <pc:chgData name="Aiden Jepson" userId="27ac3319768fac1a" providerId="LiveId" clId="{4BE024F7-1545-4B72-AEEC-C0F382AEBC24}" dt="2021-11-30T22:07:41.724" v="1" actId="14100"/>
-        <pc:sldMkLst>
-          <pc:docMk/>
-          <pc:sldMk cId="180280424" sldId="326"/>
-        </pc:sldMkLst>
-        <pc:spChg chg="mod">
-          <ac:chgData name="Aiden Jepson" userId="27ac3319768fac1a" providerId="LiveId" clId="{4BE024F7-1545-4B72-AEEC-C0F382AEBC24}" dt="2021-11-30T22:07:41.724" v="1" actId="14100"/>
-          <ac:spMkLst>
-            <pc:docMk/>
-            <pc:sldMk cId="180280424" sldId="326"/>
-            <ac:spMk id="30" creationId="{E3629B67-1B57-496A-9A26-8F1CD79975FB}"/>
-          </ac:spMkLst>
-        </pc:spChg>
-      </pc:sldChg>
-    </pc:docChg>
-  </pc:docChgLst>
-  <pc:docChgLst>
-    <pc:chgData name="Aiden Jepson" userId="27ac3319768fac1a" providerId="LiveId" clId="{0CD06005-BE02-46D1-B07A-48E42C56809F}"/>
-    <pc:docChg chg="undo redo custSel modSld">
-      <pc:chgData name="Aiden Jepson" userId="27ac3319768fac1a" providerId="LiveId" clId="{0CD06005-BE02-46D1-B07A-48E42C56809F}" dt="2021-11-29T23:02:52.459" v="21" actId="20577"/>
-      <pc:docMkLst>
-        <pc:docMk/>
-      </pc:docMkLst>
-      <pc:sldChg chg="addSp delSp modSp mod">
-        <pc:chgData name="Aiden Jepson" userId="27ac3319768fac1a" providerId="LiveId" clId="{0CD06005-BE02-46D1-B07A-48E42C56809F}" dt="2021-11-29T23:02:52.459" v="21" actId="20577"/>
-        <pc:sldMkLst>
-          <pc:docMk/>
-          <pc:sldMk cId="180280424" sldId="326"/>
-        </pc:sldMkLst>
-        <pc:spChg chg="add del mod">
-          <ac:chgData name="Aiden Jepson" userId="27ac3319768fac1a" providerId="LiveId" clId="{0CD06005-BE02-46D1-B07A-48E42C56809F}" dt="2021-11-29T23:01:26.269" v="9"/>
-          <ac:spMkLst>
-            <pc:docMk/>
-            <pc:sldMk cId="180280424" sldId="326"/>
-            <ac:spMk id="136" creationId="{DA74FB85-1701-4C5F-8E19-D98D7F2C7BB9}"/>
-          </ac:spMkLst>
-        </pc:spChg>
-        <pc:spChg chg="mod">
-          <ac:chgData name="Aiden Jepson" userId="27ac3319768fac1a" providerId="LiveId" clId="{0CD06005-BE02-46D1-B07A-48E42C56809F}" dt="2021-11-29T23:00:57.879" v="2" actId="20577"/>
-          <ac:spMkLst>
-            <pc:docMk/>
-            <pc:sldMk cId="180280424" sldId="326"/>
-            <ac:spMk id="140" creationId="{D885C9C9-DFF7-4F23-BF55-443583094A88}"/>
-          </ac:spMkLst>
-        </pc:spChg>
-        <pc:spChg chg="mod">
-          <ac:chgData name="Aiden Jepson" userId="27ac3319768fac1a" providerId="LiveId" clId="{0CD06005-BE02-46D1-B07A-48E42C56809F}" dt="2021-11-29T23:01:32.777" v="12" actId="20577"/>
-          <ac:spMkLst>
-            <pc:docMk/>
-            <pc:sldMk cId="180280424" sldId="326"/>
-            <ac:spMk id="141" creationId="{7F06402D-4F5A-4766-84E6-5C262AC2DC70}"/>
-          </ac:spMkLst>
-        </pc:spChg>
-        <pc:spChg chg="mod">
-          <ac:chgData name="Aiden Jepson" userId="27ac3319768fac1a" providerId="LiveId" clId="{0CD06005-BE02-46D1-B07A-48E42C56809F}" dt="2021-11-29T23:02:52.459" v="21" actId="20577"/>
-          <ac:spMkLst>
-            <pc:docMk/>
-            <pc:sldMk cId="180280424" sldId="326"/>
-            <ac:spMk id="197" creationId="{C5C94788-395C-4F32-BBA6-E146849DDD96}"/>
-          </ac:spMkLst>
-        </pc:spChg>
-        <pc:spChg chg="mod">
-          <ac:chgData name="Aiden Jepson" userId="27ac3319768fac1a" providerId="LiveId" clId="{0CD06005-BE02-46D1-B07A-48E42C56809F}" dt="2021-11-29T23:01:46.632" v="14" actId="20577"/>
-          <ac:spMkLst>
-            <pc:docMk/>
-            <pc:sldMk cId="180280424" sldId="326"/>
-            <ac:spMk id="198" creationId="{B8D91B18-378E-4C75-83E6-CDF1619B35C7}"/>
-          </ac:spMkLst>
-        </pc:spChg>
-        <pc:picChg chg="add del">
-          <ac:chgData name="Aiden Jepson" userId="27ac3319768fac1a" providerId="LiveId" clId="{0CD06005-BE02-46D1-B07A-48E42C56809F}" dt="2021-11-29T23:01:28.525" v="11" actId="478"/>
-          <ac:picMkLst>
-            <pc:docMk/>
-            <pc:sldMk cId="180280424" sldId="326"/>
-            <ac:picMk id="142" creationId="{374C8887-9E3F-4583-8A55-3044C30B9DB5}"/>
-          </ac:picMkLst>
-        </pc:picChg>
-        <pc:picChg chg="del">
-          <ac:chgData name="Aiden Jepson" userId="27ac3319768fac1a" providerId="LiveId" clId="{0CD06005-BE02-46D1-B07A-48E42C56809F}" dt="2021-11-29T23:01:43.520" v="13" actId="478"/>
-          <ac:picMkLst>
-            <pc:docMk/>
-            <pc:sldMk cId="180280424" sldId="326"/>
-            <ac:picMk id="200" creationId="{5026E8E9-6A2C-4E14-B660-D1A2D6C220DA}"/>
-          </ac:picMkLst>
-        </pc:picChg>
-      </pc:sldChg>
-    </pc:docChg>
-  </pc:docChgLst>
-  <pc:docChgLst>
-    <pc:chgData name="Aiden Jepson" userId="27ac3319768fac1a" providerId="LiveId" clId="{9344AE72-F363-428B-B7F1-1C064A3A24DF}"/>
-    <pc:docChg chg="undo redo custSel modSld">
-      <pc:chgData name="Aiden Jepson" userId="27ac3319768fac1a" providerId="LiveId" clId="{9344AE72-F363-428B-B7F1-1C064A3A24DF}" dt="2021-12-23T19:45:04.887" v="387" actId="688"/>
-      <pc:docMkLst>
-        <pc:docMk/>
-      </pc:docMkLst>
-      <pc:sldChg chg="addSp delSp modSp mod">
-        <pc:chgData name="Aiden Jepson" userId="27ac3319768fac1a" providerId="LiveId" clId="{9344AE72-F363-428B-B7F1-1C064A3A24DF}" dt="2021-12-23T19:45:04.887" v="387" actId="688"/>
-        <pc:sldMkLst>
-          <pc:docMk/>
-          <pc:sldMk cId="180280424" sldId="326"/>
-        </pc:sldMkLst>
-        <pc:spChg chg="add del mod">
-          <ac:chgData name="Aiden Jepson" userId="27ac3319768fac1a" providerId="LiveId" clId="{9344AE72-F363-428B-B7F1-1C064A3A24DF}" dt="2021-12-23T19:37:57.758" v="302" actId="478"/>
-          <ac:spMkLst>
-            <pc:docMk/>
-            <pc:sldMk cId="180280424" sldId="326"/>
-            <ac:spMk id="12" creationId="{B7ED71B9-7300-4CE3-8E0E-EFDD067DD9E1}"/>
-          </ac:spMkLst>
-        </pc:spChg>
-        <pc:spChg chg="add del mod">
-          <ac:chgData name="Aiden Jepson" userId="27ac3319768fac1a" providerId="LiveId" clId="{9344AE72-F363-428B-B7F1-1C064A3A24DF}" dt="2021-11-30T22:33:07.380" v="171"/>
-          <ac:spMkLst>
-            <pc:docMk/>
-            <pc:sldMk cId="180280424" sldId="326"/>
-            <ac:spMk id="19" creationId="{608F4391-B634-4647-8A0B-8ECA34A121BD}"/>
-          </ac:spMkLst>
-        </pc:spChg>
-        <pc:spChg chg="add mod">
-          <ac:chgData name="Aiden Jepson" userId="27ac3319768fac1a" providerId="LiveId" clId="{9344AE72-F363-428B-B7F1-1C064A3A24DF}" dt="2021-12-23T19:41:29.535" v="355" actId="1076"/>
-          <ac:spMkLst>
-            <pc:docMk/>
-            <pc:sldMk cId="180280424" sldId="326"/>
-            <ac:spMk id="19" creationId="{8BC4D36B-B8CC-4DCB-9A40-860E86361382}"/>
-          </ac:spMkLst>
-        </pc:spChg>
-        <pc:spChg chg="mod">
-          <ac:chgData name="Aiden Jepson" userId="27ac3319768fac1a" providerId="LiveId" clId="{9344AE72-F363-428B-B7F1-1C064A3A24DF}" dt="2021-12-17T00:08:59.789" v="227" actId="20577"/>
-          <ac:spMkLst>
-            <pc:docMk/>
-            <pc:sldMk cId="180280424" sldId="326"/>
-            <ac:spMk id="133" creationId="{9CD6EC34-8EEB-46FD-AF2F-9BB796E407EA}"/>
-          </ac:spMkLst>
-        </pc:spChg>
-        <pc:spChg chg="mod">
-          <ac:chgData name="Aiden Jepson" userId="27ac3319768fac1a" providerId="LiveId" clId="{9344AE72-F363-428B-B7F1-1C064A3A24DF}" dt="2021-12-23T19:24:02.404" v="255" actId="20577"/>
-          <ac:spMkLst>
-            <pc:docMk/>
-            <pc:sldMk cId="180280424" sldId="326"/>
-            <ac:spMk id="140" creationId="{D885C9C9-DFF7-4F23-BF55-443583094A88}"/>
-          </ac:spMkLst>
-        </pc:spChg>
-        <pc:spChg chg="mod">
-          <ac:chgData name="Aiden Jepson" userId="27ac3319768fac1a" providerId="LiveId" clId="{9344AE72-F363-428B-B7F1-1C064A3A24DF}" dt="2021-12-23T19:24:05.225" v="256" actId="6549"/>
-          <ac:spMkLst>
-            <pc:docMk/>
-            <pc:sldMk cId="180280424" sldId="326"/>
-            <ac:spMk id="141" creationId="{7F06402D-4F5A-4766-84E6-5C262AC2DC70}"/>
-          </ac:spMkLst>
-        </pc:spChg>
-        <pc:spChg chg="mod">
-          <ac:chgData name="Aiden Jepson" userId="27ac3319768fac1a" providerId="LiveId" clId="{9344AE72-F363-428B-B7F1-1C064A3A24DF}" dt="2021-12-23T19:23:55.857" v="242" actId="20577"/>
-          <ac:spMkLst>
-            <pc:docMk/>
-            <pc:sldMk cId="180280424" sldId="326"/>
-            <ac:spMk id="144" creationId="{67420542-4341-4ADE-A361-87A3D3C8B439}"/>
-          </ac:spMkLst>
-        </pc:spChg>
-        <pc:spChg chg="mod">
-          <ac:chgData name="Aiden Jepson" userId="27ac3319768fac1a" providerId="LiveId" clId="{9344AE72-F363-428B-B7F1-1C064A3A24DF}" dt="2021-12-23T19:24:06.267" v="257" actId="20577"/>
-          <ac:spMkLst>
-            <pc:docMk/>
-            <pc:sldMk cId="180280424" sldId="326"/>
-            <ac:spMk id="145" creationId="{5180372D-6DC6-4818-9342-15A71A472830}"/>
-          </ac:spMkLst>
-        </pc:spChg>
-        <pc:spChg chg="add del mod">
-          <ac:chgData name="Aiden Jepson" userId="27ac3319768fac1a" providerId="LiveId" clId="{9344AE72-F363-428B-B7F1-1C064A3A24DF}" dt="2021-12-23T19:37:57.310" v="301" actId="478"/>
-          <ac:spMkLst>
-            <pc:docMk/>
-            <pc:sldMk cId="180280424" sldId="326"/>
-            <ac:spMk id="155" creationId="{B134B951-46F1-4957-93D9-3EF8E6709B7F}"/>
-          </ac:spMkLst>
-        </pc:spChg>
-        <pc:spChg chg="add del mod">
-          <ac:chgData name="Aiden Jepson" userId="27ac3319768fac1a" providerId="LiveId" clId="{9344AE72-F363-428B-B7F1-1C064A3A24DF}" dt="2021-12-23T19:37:58.538" v="303" actId="478"/>
-          <ac:spMkLst>
-            <pc:docMk/>
-            <pc:sldMk cId="180280424" sldId="326"/>
-            <ac:spMk id="156" creationId="{39159526-3B8E-42B0-8536-99BEA12FC17E}"/>
-          </ac:spMkLst>
-        </pc:spChg>
-        <pc:spChg chg="add mod">
-          <ac:chgData name="Aiden Jepson" userId="27ac3319768fac1a" providerId="LiveId" clId="{9344AE72-F363-428B-B7F1-1C064A3A24DF}" dt="2021-12-23T19:41:22.717" v="354" actId="1076"/>
-          <ac:spMkLst>
-            <pc:docMk/>
-            <pc:sldMk cId="180280424" sldId="326"/>
-            <ac:spMk id="157" creationId="{26660013-C9FD-4331-9EDD-7D0ACEFC8DFC}"/>
-          </ac:spMkLst>
-        </pc:spChg>
-        <pc:spChg chg="add mod">
-          <ac:chgData name="Aiden Jepson" userId="27ac3319768fac1a" providerId="LiveId" clId="{9344AE72-F363-428B-B7F1-1C064A3A24DF}" dt="2021-12-23T19:41:08.351" v="353" actId="1076"/>
-          <ac:spMkLst>
-            <pc:docMk/>
-            <pc:sldMk cId="180280424" sldId="326"/>
-            <ac:spMk id="158" creationId="{2CCA6BAB-F5D2-48A6-9CA8-90C264336197}"/>
-          </ac:spMkLst>
-        </pc:spChg>
-        <pc:spChg chg="add mod">
-          <ac:chgData name="Aiden Jepson" userId="27ac3319768fac1a" providerId="LiveId" clId="{9344AE72-F363-428B-B7F1-1C064A3A24DF}" dt="2021-12-23T19:44:50.330" v="386" actId="688"/>
-          <ac:spMkLst>
-            <pc:docMk/>
-            <pc:sldMk cId="180280424" sldId="326"/>
-            <ac:spMk id="179" creationId="{78E8A4FD-E637-4136-8C54-D3508090393C}"/>
-          </ac:spMkLst>
-        </pc:spChg>
-        <pc:spChg chg="add mod">
-          <ac:chgData name="Aiden Jepson" userId="27ac3319768fac1a" providerId="LiveId" clId="{9344AE72-F363-428B-B7F1-1C064A3A24DF}" dt="2021-12-23T19:43:12.056" v="371" actId="688"/>
-          <ac:spMkLst>
-            <pc:docMk/>
-            <pc:sldMk cId="180280424" sldId="326"/>
-            <ac:spMk id="180" creationId="{9C20FD4D-2919-4AAB-A352-81BEF9B64947}"/>
-          </ac:spMkLst>
-        </pc:spChg>
-        <pc:spChg chg="add mod">
-          <ac:chgData name="Aiden Jepson" userId="27ac3319768fac1a" providerId="LiveId" clId="{9344AE72-F363-428B-B7F1-1C064A3A24DF}" dt="2021-12-23T19:44:38.405" v="380" actId="688"/>
-          <ac:spMkLst>
-            <pc:docMk/>
-            <pc:sldMk cId="180280424" sldId="326"/>
-            <ac:spMk id="181" creationId="{3A8A4196-4027-474A-B68E-8F61BA375D64}"/>
-          </ac:spMkLst>
-        </pc:spChg>
-        <pc:spChg chg="add mod">
-          <ac:chgData name="Aiden Jepson" userId="27ac3319768fac1a" providerId="LiveId" clId="{9344AE72-F363-428B-B7F1-1C064A3A24DF}" dt="2021-12-23T19:44:43.163" v="382" actId="1076"/>
-          <ac:spMkLst>
-            <pc:docMk/>
-            <pc:sldMk cId="180280424" sldId="326"/>
-            <ac:spMk id="182" creationId="{DA43734A-4EDA-4EF8-AE8D-9E84A0206C2A}"/>
-          </ac:spMkLst>
-        </pc:spChg>
-        <pc:spChg chg="add mod">
-          <ac:chgData name="Aiden Jepson" userId="27ac3319768fac1a" providerId="LiveId" clId="{9344AE72-F363-428B-B7F1-1C064A3A24DF}" dt="2021-12-23T19:43:20.786" v="376" actId="688"/>
-          <ac:spMkLst>
-            <pc:docMk/>
-            <pc:sldMk cId="180280424" sldId="326"/>
-            <ac:spMk id="183" creationId="{8BB0E08F-2AAE-4C1B-B005-FA1CDF269971}"/>
-          </ac:spMkLst>
-        </pc:spChg>
-        <pc:spChg chg="add del mod">
-          <ac:chgData name="Aiden Jepson" userId="27ac3319768fac1a" providerId="LiveId" clId="{9344AE72-F363-428B-B7F1-1C064A3A24DF}" dt="2021-12-23T19:45:04.887" v="387" actId="688"/>
-          <ac:spMkLst>
-            <pc:docMk/>
-            <pc:sldMk cId="180280424" sldId="326"/>
-            <ac:spMk id="184" creationId="{4BE61E34-0882-47FE-B633-357882824437}"/>
-          </ac:spMkLst>
-        </pc:spChg>
-        <pc:spChg chg="add mod">
-          <ac:chgData name="Aiden Jepson" userId="27ac3319768fac1a" providerId="LiveId" clId="{9344AE72-F363-428B-B7F1-1C064A3A24DF}" dt="2021-12-23T19:42:08.494" v="368" actId="1076"/>
-          <ac:spMkLst>
-            <pc:docMk/>
-            <pc:sldMk cId="180280424" sldId="326"/>
-            <ac:spMk id="185" creationId="{EB9C8C8D-FF9A-43C5-9A1D-C21C2111822F}"/>
-          </ac:spMkLst>
-        </pc:spChg>
-        <pc:spChg chg="add mod">
-          <ac:chgData name="Aiden Jepson" userId="27ac3319768fac1a" providerId="LiveId" clId="{9344AE72-F363-428B-B7F1-1C064A3A24DF}" dt="2021-12-23T19:43:22.766" v="377" actId="688"/>
-          <ac:spMkLst>
-            <pc:docMk/>
-            <pc:sldMk cId="180280424" sldId="326"/>
-            <ac:spMk id="186" creationId="{2E5CAC0B-30C2-4695-8068-BF77A841145E}"/>
-          </ac:spMkLst>
-        </pc:spChg>
-        <pc:picChg chg="add mod">
-          <ac:chgData name="Aiden Jepson" userId="27ac3319768fac1a" providerId="LiveId" clId="{9344AE72-F363-428B-B7F1-1C064A3A24DF}" dt="2021-11-30T22:18:15.168" v="7" actId="1076"/>
-          <ac:picMkLst>
-            <pc:docMk/>
-            <pc:sldMk cId="180280424" sldId="326"/>
-            <ac:picMk id="9" creationId="{D40F93B3-220F-483A-A139-7736AF69F455}"/>
-          </ac:picMkLst>
-        </pc:picChg>
-        <pc:picChg chg="add mod">
-          <ac:chgData name="Aiden Jepson" userId="27ac3319768fac1a" providerId="LiveId" clId="{9344AE72-F363-428B-B7F1-1C064A3A24DF}" dt="2021-12-23T19:36:36.412" v="297" actId="1076"/>
-          <ac:picMkLst>
-            <pc:docMk/>
-            <pc:sldMk cId="180280424" sldId="326"/>
-            <ac:picMk id="11" creationId="{EEFC507E-9310-4667-8A0C-BCFF8F15A868}"/>
-          </ac:picMkLst>
-        </pc:picChg>
-        <pc:picChg chg="add del mod">
-          <ac:chgData name="Aiden Jepson" userId="27ac3319768fac1a" providerId="LiveId" clId="{9344AE72-F363-428B-B7F1-1C064A3A24DF}" dt="2021-12-17T00:09:01.759" v="228" actId="478"/>
-          <ac:picMkLst>
-            <pc:docMk/>
-            <pc:sldMk cId="180280424" sldId="326"/>
-            <ac:picMk id="12" creationId="{B64A556E-740D-40D7-9A31-5B78260E85C3}"/>
-          </ac:picMkLst>
-        </pc:picChg>
-        <pc:picChg chg="add mod">
-          <ac:chgData name="Aiden Jepson" userId="27ac3319768fac1a" providerId="LiveId" clId="{9344AE72-F363-428B-B7F1-1C064A3A24DF}" dt="2021-11-30T22:27:14.471" v="151" actId="1076"/>
-          <ac:picMkLst>
-            <pc:docMk/>
-            <pc:sldMk cId="180280424" sldId="326"/>
-            <ac:picMk id="21" creationId="{0395B0B0-BA44-40C6-BDBF-4546D2479EE3}"/>
-          </ac:picMkLst>
-        </pc:picChg>
-        <pc:picChg chg="add mod">
-          <ac:chgData name="Aiden Jepson" userId="27ac3319768fac1a" providerId="LiveId" clId="{9344AE72-F363-428B-B7F1-1C064A3A24DF}" dt="2021-11-30T22:31:28.042" v="164" actId="1076"/>
-          <ac:picMkLst>
-            <pc:docMk/>
-            <pc:sldMk cId="180280424" sldId="326"/>
-            <ac:picMk id="23" creationId="{6F9E326D-8734-41F5-AD0F-D8F7F21093B4}"/>
-          </ac:picMkLst>
-        </pc:picChg>
-        <pc:picChg chg="add del mod">
-          <ac:chgData name="Aiden Jepson" userId="27ac3319768fac1a" providerId="LiveId" clId="{9344AE72-F363-428B-B7F1-1C064A3A24DF}" dt="2021-11-30T22:33:07.379" v="169" actId="478"/>
-          <ac:picMkLst>
-            <pc:docMk/>
-            <pc:sldMk cId="180280424" sldId="326"/>
-            <ac:picMk id="25" creationId="{BF8B940C-2ED1-434A-83EA-74944FE3A6F1}"/>
-          </ac:picMkLst>
-        </pc:picChg>
-        <pc:picChg chg="add mod">
-          <ac:chgData name="Aiden Jepson" userId="27ac3319768fac1a" providerId="LiveId" clId="{9344AE72-F363-428B-B7F1-1C064A3A24DF}" dt="2021-11-30T22:36:18.624" v="191" actId="14100"/>
-          <ac:picMkLst>
-            <pc:docMk/>
-            <pc:sldMk cId="180280424" sldId="326"/>
-            <ac:picMk id="27" creationId="{98CEBC88-76FB-4223-A9DE-1C988649D7E9}"/>
-          </ac:picMkLst>
-        </pc:picChg>
-        <pc:picChg chg="mod">
-          <ac:chgData name="Aiden Jepson" userId="27ac3319768fac1a" providerId="LiveId" clId="{9344AE72-F363-428B-B7F1-1C064A3A24DF}" dt="2021-12-17T00:08:57.654" v="223" actId="14100"/>
-          <ac:picMkLst>
-            <pc:docMk/>
-            <pc:sldMk cId="180280424" sldId="326"/>
-            <ac:picMk id="130" creationId="{21EECA8D-7537-4FC0-B94F-71DCE19C40B8}"/>
-          </ac:picMkLst>
-        </pc:picChg>
-        <pc:picChg chg="mod">
-          <ac:chgData name="Aiden Jepson" userId="27ac3319768fac1a" providerId="LiveId" clId="{9344AE72-F363-428B-B7F1-1C064A3A24DF}" dt="2021-12-17T00:09:07.008" v="229" actId="14826"/>
-          <ac:picMkLst>
-            <pc:docMk/>
-            <pc:sldMk cId="180280424" sldId="326"/>
-            <ac:picMk id="135" creationId="{87D19866-70A9-43A6-8792-CE04481AD8F8}"/>
-          </ac:picMkLst>
-        </pc:picChg>
-        <pc:picChg chg="add mod">
-          <ac:chgData name="Aiden Jepson" userId="27ac3319768fac1a" providerId="LiveId" clId="{9344AE72-F363-428B-B7F1-1C064A3A24DF}" dt="2021-12-23T19:25:06.478" v="267" actId="1076"/>
-          <ac:picMkLst>
-            <pc:docMk/>
-            <pc:sldMk cId="180280424" sldId="326"/>
-            <ac:picMk id="136" creationId="{9AC30070-2832-4362-A6C0-383D145DC885}"/>
-          </ac:picMkLst>
-        </pc:picChg>
-        <pc:picChg chg="add mod">
-          <ac:chgData name="Aiden Jepson" userId="27ac3319768fac1a" providerId="LiveId" clId="{9344AE72-F363-428B-B7F1-1C064A3A24DF}" dt="2021-12-23T19:24:48.984" v="264" actId="1076"/>
-          <ac:picMkLst>
-            <pc:docMk/>
-            <pc:sldMk cId="180280424" sldId="326"/>
-            <ac:picMk id="142" creationId="{417B4E8A-062E-4B26-A131-144C298D759A}"/>
-          </ac:picMkLst>
-        </pc:picChg>
-      </pc:sldChg>
-    </pc:docChg>
-  </pc:docChgLst>
-</pc:chgInfo>
 </file>
 
 <file path=ppt/notesMasters/notesMaster1.xml><?xml version="1.0" encoding="utf-8"?>
@@ -2412,7 +2047,7 @@
           </a:ln>
           <a:extLst>
             <a:ext uri="{C572A759-6A51-4108-AA02-DFA0A04FC94B}">
-              <ma14:wrappingTextBoxFlag xmlns="" xmlns:m="http://schemas.openxmlformats.org/officeDocument/2006/math" xmlns:a14="http://schemas.microsoft.com/office/drawing/2010/main" xmlns:ma14="http://schemas.microsoft.com/office/mac/drawingml/2011/main" val="1"/>
+              <ma14:wrappingTextBoxFlag xmlns:ma14="http://schemas.microsoft.com/office/mac/drawingml/2011/main" xmlns:a14="http://schemas.microsoft.com/office/drawing/2010/main" xmlns:m="http://schemas.openxmlformats.org/officeDocument/2006/math" xmlns="" val="1"/>
             </a:ext>
           </a:extLst>
         </p:spPr>
@@ -2451,7 +2086,7 @@
           </a:ln>
           <a:extLst>
             <a:ext uri="{C572A759-6A51-4108-AA02-DFA0A04FC94B}">
-              <ma14:wrappingTextBoxFlag xmlns="" xmlns:m="http://schemas.openxmlformats.org/officeDocument/2006/math" xmlns:a14="http://schemas.microsoft.com/office/drawing/2010/main" xmlns:ma14="http://schemas.microsoft.com/office/mac/drawingml/2011/main" val="1"/>
+              <ma14:wrappingTextBoxFlag xmlns:ma14="http://schemas.microsoft.com/office/mac/drawingml/2011/main" xmlns:a14="http://schemas.microsoft.com/office/drawing/2010/main" xmlns:m="http://schemas.openxmlformats.org/officeDocument/2006/math" xmlns="" val="1"/>
             </a:ext>
           </a:extLst>
         </p:spPr>
@@ -3339,6 +2974,182 @@
       </p:sp>
       <p:sp>
         <p:nvSpPr>
+          <p:cNvPr id="155" name="Line">
+            <a:extLst>
+              <a:ext uri="{FF2B5EF4-FFF2-40B4-BE49-F238E27FC236}">
+                <a16:creationId xmlns:a16="http://schemas.microsoft.com/office/drawing/2014/main" id="{3756981D-1FDC-71C7-F7CC-A1F49EDD37FC}"/>
+              </a:ext>
+            </a:extLst>
+          </p:cNvPr>
+          <p:cNvSpPr/>
+          <p:nvPr/>
+        </p:nvSpPr>
+        <p:spPr>
+          <a:xfrm rot="5400000">
+            <a:off x="22501007" y="10178290"/>
+            <a:ext cx="1223740" cy="2250062"/>
+          </a:xfrm>
+          <a:custGeom>
+            <a:avLst/>
+            <a:gdLst>
+              <a:gd name="connsiteX0" fmla="*/ 0 w 21600"/>
+              <a:gd name="connsiteY0" fmla="*/ 4159 h 21521"/>
+              <a:gd name="connsiteX1" fmla="*/ 237 w 21600"/>
+              <a:gd name="connsiteY1" fmla="*/ 1182 h 21521"/>
+              <a:gd name="connsiteX2" fmla="*/ 841 w 21600"/>
+              <a:gd name="connsiteY2" fmla="*/ 12 h 21521"/>
+              <a:gd name="connsiteX3" fmla="*/ 20842 w 21600"/>
+              <a:gd name="connsiteY3" fmla="*/ 12 h 21521"/>
+              <a:gd name="connsiteX4" fmla="*/ 21420 w 21600"/>
+              <a:gd name="connsiteY4" fmla="*/ 1474 h 21521"/>
+              <a:gd name="connsiteX5" fmla="*/ 21600 w 21600"/>
+              <a:gd name="connsiteY5" fmla="*/ 4074 h 21521"/>
+              <a:gd name="connsiteX6" fmla="*/ 21600 w 21600"/>
+              <a:gd name="connsiteY6" fmla="*/ 21521 h 21521"/>
+              <a:gd name="connsiteX0" fmla="*/ 0 w 21363"/>
+              <a:gd name="connsiteY0" fmla="*/ 1182 h 21521"/>
+              <a:gd name="connsiteX1" fmla="*/ 604 w 21363"/>
+              <a:gd name="connsiteY1" fmla="*/ 12 h 21521"/>
+              <a:gd name="connsiteX2" fmla="*/ 20605 w 21363"/>
+              <a:gd name="connsiteY2" fmla="*/ 12 h 21521"/>
+              <a:gd name="connsiteX3" fmla="*/ 21183 w 21363"/>
+              <a:gd name="connsiteY3" fmla="*/ 1474 h 21521"/>
+              <a:gd name="connsiteX4" fmla="*/ 21363 w 21363"/>
+              <a:gd name="connsiteY4" fmla="*/ 4074 h 21521"/>
+              <a:gd name="connsiteX5" fmla="*/ 21363 w 21363"/>
+              <a:gd name="connsiteY5" fmla="*/ 21521 h 21521"/>
+              <a:gd name="connsiteX0" fmla="*/ 0 w 20759"/>
+              <a:gd name="connsiteY0" fmla="*/ 0 h 21509"/>
+              <a:gd name="connsiteX1" fmla="*/ 20001 w 20759"/>
+              <a:gd name="connsiteY1" fmla="*/ 0 h 21509"/>
+              <a:gd name="connsiteX2" fmla="*/ 20579 w 20759"/>
+              <a:gd name="connsiteY2" fmla="*/ 1462 h 21509"/>
+              <a:gd name="connsiteX3" fmla="*/ 20759 w 20759"/>
+              <a:gd name="connsiteY3" fmla="*/ 4062 h 21509"/>
+              <a:gd name="connsiteX4" fmla="*/ 20759 w 20759"/>
+              <a:gd name="connsiteY4" fmla="*/ 21509 h 21509"/>
+              <a:gd name="connsiteX0" fmla="*/ 0 w 3596"/>
+              <a:gd name="connsiteY0" fmla="*/ 393 h 21509"/>
+              <a:gd name="connsiteX1" fmla="*/ 2838 w 3596"/>
+              <a:gd name="connsiteY1" fmla="*/ 0 h 21509"/>
+              <a:gd name="connsiteX2" fmla="*/ 3416 w 3596"/>
+              <a:gd name="connsiteY2" fmla="*/ 1462 h 21509"/>
+              <a:gd name="connsiteX3" fmla="*/ 3596 w 3596"/>
+              <a:gd name="connsiteY3" fmla="*/ 4062 h 21509"/>
+              <a:gd name="connsiteX4" fmla="*/ 3596 w 3596"/>
+              <a:gd name="connsiteY4" fmla="*/ 21509 h 21509"/>
+              <a:gd name="connsiteX0" fmla="*/ 0 w 10166"/>
+              <a:gd name="connsiteY0" fmla="*/ 183 h 19865"/>
+              <a:gd name="connsiteX1" fmla="*/ 7892 w 10166"/>
+              <a:gd name="connsiteY1" fmla="*/ 0 h 19865"/>
+              <a:gd name="connsiteX2" fmla="*/ 9499 w 10166"/>
+              <a:gd name="connsiteY2" fmla="*/ 680 h 19865"/>
+              <a:gd name="connsiteX3" fmla="*/ 10000 w 10166"/>
+              <a:gd name="connsiteY3" fmla="*/ 1889 h 19865"/>
+              <a:gd name="connsiteX4" fmla="*/ 10166 w 10166"/>
+              <a:gd name="connsiteY4" fmla="*/ 19865 h 19865"/>
+              <a:gd name="connsiteX0" fmla="*/ 0 w 10015"/>
+              <a:gd name="connsiteY0" fmla="*/ 183 h 20230"/>
+              <a:gd name="connsiteX1" fmla="*/ 7892 w 10015"/>
+              <a:gd name="connsiteY1" fmla="*/ 0 h 20230"/>
+              <a:gd name="connsiteX2" fmla="*/ 9499 w 10015"/>
+              <a:gd name="connsiteY2" fmla="*/ 680 h 20230"/>
+              <a:gd name="connsiteX3" fmla="*/ 10000 w 10015"/>
+              <a:gd name="connsiteY3" fmla="*/ 1889 h 20230"/>
+              <a:gd name="connsiteX4" fmla="*/ 10000 w 10015"/>
+              <a:gd name="connsiteY4" fmla="*/ 20230 h 20230"/>
+              <a:gd name="connsiteX0" fmla="*/ 0 w 10015"/>
+              <a:gd name="connsiteY0" fmla="*/ 0 h 20412"/>
+              <a:gd name="connsiteX1" fmla="*/ 7892 w 10015"/>
+              <a:gd name="connsiteY1" fmla="*/ 182 h 20412"/>
+              <a:gd name="connsiteX2" fmla="*/ 9499 w 10015"/>
+              <a:gd name="connsiteY2" fmla="*/ 862 h 20412"/>
+              <a:gd name="connsiteX3" fmla="*/ 10000 w 10015"/>
+              <a:gd name="connsiteY3" fmla="*/ 2071 h 20412"/>
+              <a:gd name="connsiteX4" fmla="*/ 10000 w 10015"/>
+              <a:gd name="connsiteY4" fmla="*/ 20412 h 20412"/>
+              <a:gd name="connsiteX0" fmla="*/ 0 w 10015"/>
+              <a:gd name="connsiteY0" fmla="*/ 1 h 20230"/>
+              <a:gd name="connsiteX1" fmla="*/ 7892 w 10015"/>
+              <a:gd name="connsiteY1" fmla="*/ 0 h 20230"/>
+              <a:gd name="connsiteX2" fmla="*/ 9499 w 10015"/>
+              <a:gd name="connsiteY2" fmla="*/ 680 h 20230"/>
+              <a:gd name="connsiteX3" fmla="*/ 10000 w 10015"/>
+              <a:gd name="connsiteY3" fmla="*/ 1889 h 20230"/>
+              <a:gd name="connsiteX4" fmla="*/ 10000 w 10015"/>
+              <a:gd name="connsiteY4" fmla="*/ 20230 h 20230"/>
+            </a:gdLst>
+            <a:ahLst/>
+            <a:cxnLst>
+              <a:cxn ang="0">
+                <a:pos x="connsiteX0" y="connsiteY0"/>
+              </a:cxn>
+              <a:cxn ang="0">
+                <a:pos x="connsiteX1" y="connsiteY1"/>
+              </a:cxn>
+              <a:cxn ang="0">
+                <a:pos x="connsiteX2" y="connsiteY2"/>
+              </a:cxn>
+              <a:cxn ang="0">
+                <a:pos x="connsiteX3" y="connsiteY3"/>
+              </a:cxn>
+              <a:cxn ang="0">
+                <a:pos x="connsiteX4" y="connsiteY4"/>
+              </a:cxn>
+            </a:cxnLst>
+            <a:rect l="l" t="t" r="r" b="b"/>
+            <a:pathLst>
+              <a:path w="10015" h="20230" extrusionOk="0">
+                <a:moveTo>
+                  <a:pt x="0" y="1"/>
+                </a:moveTo>
+                <a:lnTo>
+                  <a:pt x="7892" y="0"/>
+                </a:lnTo>
+                <a:cubicBezTo>
+                  <a:pt x="8512" y="7"/>
+                  <a:pt x="9099" y="255"/>
+                  <a:pt x="9499" y="680"/>
+                </a:cubicBezTo>
+                <a:cubicBezTo>
+                  <a:pt x="9819" y="1018"/>
+                  <a:pt x="9994" y="1445"/>
+                  <a:pt x="10000" y="1889"/>
+                </a:cubicBezTo>
+                <a:cubicBezTo>
+                  <a:pt x="10055" y="7881"/>
+                  <a:pt x="9945" y="14238"/>
+                  <a:pt x="10000" y="20230"/>
+                </a:cubicBezTo>
+              </a:path>
+            </a:pathLst>
+          </a:custGeom>
+          <a:noFill/>
+          <a:ln w="25400" cap="flat">
+            <a:solidFill>
+              <a:srgbClr val="175E7A"/>
+            </a:solidFill>
+            <a:prstDash val="solid"/>
+            <a:miter lim="400000"/>
+          </a:ln>
+          <a:effectLst/>
+        </p:spPr>
+        <p:txBody>
+          <a:bodyPr wrap="square" lIns="0" tIns="0" rIns="0" bIns="0" numCol="1" anchor="ctr">
+            <a:noAutofit/>
+          </a:bodyPr>
+          <a:lstStyle/>
+          <a:p>
+            <a:endParaRPr sz="3200" b="0" dirty="0">
+              <a:solidFill>
+                <a:srgbClr val="FFFFFF"/>
+              </a:solidFill>
+            </a:endParaRPr>
+          </a:p>
+        </p:txBody>
+      </p:sp>
+      <p:sp>
+        <p:nvSpPr>
           <p:cNvPr id="131" name="Line">
             <a:extLst>
               <a:ext uri="{FF2B5EF4-FFF2-40B4-BE49-F238E27FC236}">
@@ -3422,57 +3233,6 @@
                 <a:srgbClr val="FFFFFF"/>
               </a:solidFill>
             </a:endParaRPr>
-          </a:p>
-        </p:txBody>
-      </p:sp>
-      <p:sp>
-        <p:nvSpPr>
-          <p:cNvPr id="160" name="Line">
-            <a:extLst>
-              <a:ext uri="{FF2B5EF4-FFF2-40B4-BE49-F238E27FC236}">
-                <a16:creationId xmlns:a16="http://schemas.microsoft.com/office/drawing/2014/main" id="{800F97EE-FFA0-4C22-8534-A967D215E3B6}"/>
-              </a:ext>
-            </a:extLst>
-          </p:cNvPr>
-          <p:cNvSpPr/>
-          <p:nvPr/>
-        </p:nvSpPr>
-        <p:spPr>
-          <a:xfrm>
-            <a:off x="13716000" y="8576543"/>
-            <a:ext cx="0" cy="1180166"/>
-          </a:xfrm>
-          <a:prstGeom prst="line">
-            <a:avLst/>
-          </a:prstGeom>
-          <a:noFill/>
-          <a:ln w="25400" cap="flat">
-            <a:solidFill>
-              <a:srgbClr val="175E7A"/>
-            </a:solidFill>
-            <a:prstDash val="solid"/>
-            <a:miter lim="400000"/>
-          </a:ln>
-          <a:effectLst/>
-        </p:spPr>
-        <p:txBody>
-          <a:bodyPr wrap="square" lIns="0" tIns="0" rIns="0" bIns="0" numCol="1" anchor="ctr">
-            <a:noAutofit/>
-          </a:bodyPr>
-          <a:lstStyle/>
-          <a:p>
-            <a:pPr>
-              <a:defRPr sz="3200" b="0">
-                <a:solidFill>
-                  <a:srgbClr val="FFFFFF"/>
-                </a:solidFill>
-                <a:latin typeface="+mn-lt"/>
-                <a:ea typeface="+mn-ea"/>
-                <a:cs typeface="+mn-cs"/>
-                <a:sym typeface="Helvetica Neue Medium"/>
-              </a:defRPr>
-            </a:pPr>
-            <a:endParaRPr sz="3200" dirty="0"/>
           </a:p>
         </p:txBody>
       </p:sp>
@@ -4076,7 +3836,7 @@
           <a:effectLst/>
           <a:extLst>
             <a:ext uri="{C572A759-6A51-4108-AA02-DFA0A04FC94B}">
-              <ma14:wrappingTextBoxFlag xmlns="" xmlns:m="http://schemas.openxmlformats.org/officeDocument/2006/math" xmlns:a14="http://schemas.microsoft.com/office/drawing/2010/main" xmlns:ma14="http://schemas.microsoft.com/office/mac/drawingml/2011/main" val="1"/>
+              <ma14:wrappingTextBoxFlag xmlns:ma14="http://schemas.microsoft.com/office/mac/drawingml/2011/main" xmlns:a14="http://schemas.microsoft.com/office/drawing/2010/main" xmlns:m="http://schemas.openxmlformats.org/officeDocument/2006/math" xmlns="" val="1"/>
             </a:ext>
           </a:extLst>
         </p:spPr>
@@ -4366,7 +4126,7 @@
         <p:spPr>
           <a:xfrm>
             <a:off x="23018267" y="9064549"/>
-            <a:ext cx="2413171" cy="748923"/>
+            <a:ext cx="2413171" cy="718145"/>
           </a:xfrm>
           <a:prstGeom prst="rect">
             <a:avLst/>
@@ -4379,7 +4139,7 @@
           <a:effectLst/>
           <a:extLst>
             <a:ext uri="{C572A759-6A51-4108-AA02-DFA0A04FC94B}">
-              <ma14:wrappingTextBoxFlag xmlns="" xmlns:m="http://schemas.openxmlformats.org/officeDocument/2006/math" xmlns:a14="http://schemas.microsoft.com/office/drawing/2010/main" xmlns:ma14="http://schemas.microsoft.com/office/mac/drawingml/2011/main" val="1"/>
+              <ma14:wrappingTextBoxFlag xmlns:ma14="http://schemas.microsoft.com/office/mac/drawingml/2011/main" xmlns:a14="http://schemas.microsoft.com/office/drawing/2010/main" xmlns:m="http://schemas.openxmlformats.org/officeDocument/2006/math" xmlns="" val="1"/>
             </a:ext>
           </a:extLst>
         </p:spPr>
@@ -4402,16 +4162,20 @@
           </a:lstStyle>
           <a:p>
             <a:r>
-              <a:rPr lang="fr-FR" dirty="0"/>
-              <a:t>Teophanu Tivianne</a:t>
+              <a:rPr lang="fr-FR" sz="2000" dirty="0" err="1"/>
+              <a:t>Reynauld</a:t>
+            </a:r>
+            <a:r>
+              <a:rPr lang="fr-FR" sz="2000" dirty="0"/>
+              <a:t> Lachapelle</a:t>
             </a:r>
           </a:p>
           <a:p>
             <a:r>
-              <a:rPr lang="fr-FR" sz="2000" dirty="0"/>
+              <a:rPr lang="fr-FR" sz="2000" dirty="0" err="1"/>
               <a:t>Recon</a:t>
             </a:r>
-            <a:endParaRPr sz="2000" dirty="0"/>
+            <a:endParaRPr lang="fr-FR" sz="2000" dirty="0"/>
           </a:p>
         </p:txBody>
       </p:sp>
@@ -4826,7 +4590,7 @@
           <a:effectLst/>
           <a:extLst>
             <a:ext uri="{C572A759-6A51-4108-AA02-DFA0A04FC94B}">
-              <ma14:wrappingTextBoxFlag xmlns="" xmlns:m="http://schemas.openxmlformats.org/officeDocument/2006/math" xmlns:a14="http://schemas.microsoft.com/office/drawing/2010/main" xmlns:ma14="http://schemas.microsoft.com/office/mac/drawingml/2011/main" val="1"/>
+              <ma14:wrappingTextBoxFlag xmlns:ma14="http://schemas.microsoft.com/office/mac/drawingml/2011/main" xmlns:a14="http://schemas.microsoft.com/office/drawing/2010/main" xmlns:m="http://schemas.openxmlformats.org/officeDocument/2006/math" xmlns="" val="1"/>
             </a:ext>
           </a:extLst>
         </p:spPr>
@@ -5130,7 +4894,7 @@
           <a:effectLst/>
           <a:extLst>
             <a:ext uri="{C572A759-6A51-4108-AA02-DFA0A04FC94B}">
-              <ma14:wrappingTextBoxFlag xmlns="" xmlns:m="http://schemas.openxmlformats.org/officeDocument/2006/math" xmlns:a14="http://schemas.microsoft.com/office/drawing/2010/main" xmlns:ma14="http://schemas.microsoft.com/office/mac/drawingml/2011/main" val="1"/>
+              <ma14:wrappingTextBoxFlag xmlns:ma14="http://schemas.microsoft.com/office/mac/drawingml/2011/main" xmlns:a14="http://schemas.microsoft.com/office/drawing/2010/main" xmlns:m="http://schemas.openxmlformats.org/officeDocument/2006/math" xmlns="" val="1"/>
             </a:ext>
           </a:extLst>
         </p:spPr>
@@ -5430,7 +5194,7 @@
           <a:effectLst/>
           <a:extLst>
             <a:ext uri="{C572A759-6A51-4108-AA02-DFA0A04FC94B}">
-              <ma14:wrappingTextBoxFlag xmlns="" xmlns:m="http://schemas.openxmlformats.org/officeDocument/2006/math" xmlns:a14="http://schemas.microsoft.com/office/drawing/2010/main" xmlns:ma14="http://schemas.microsoft.com/office/mac/drawingml/2011/main" val="1"/>
+              <ma14:wrappingTextBoxFlag xmlns:ma14="http://schemas.microsoft.com/office/mac/drawingml/2011/main" xmlns:a14="http://schemas.microsoft.com/office/drawing/2010/main" xmlns:m="http://schemas.openxmlformats.org/officeDocument/2006/math" xmlns="" val="1"/>
             </a:ext>
           </a:extLst>
         </p:spPr>
@@ -5734,7 +5498,7 @@
           <a:effectLst/>
           <a:extLst>
             <a:ext uri="{C572A759-6A51-4108-AA02-DFA0A04FC94B}">
-              <ma14:wrappingTextBoxFlag xmlns="" xmlns:m="http://schemas.openxmlformats.org/officeDocument/2006/math" xmlns:a14="http://schemas.microsoft.com/office/drawing/2010/main" xmlns:ma14="http://schemas.microsoft.com/office/mac/drawingml/2011/main" val="1"/>
+              <ma14:wrappingTextBoxFlag xmlns:ma14="http://schemas.microsoft.com/office/mac/drawingml/2011/main" xmlns:a14="http://schemas.microsoft.com/office/drawing/2010/main" xmlns:m="http://schemas.openxmlformats.org/officeDocument/2006/math" xmlns="" val="1"/>
             </a:ext>
           </a:extLst>
         </p:spPr>
@@ -5921,7 +5685,7 @@
             <p:ph type="pic" sz="quarter" idx="29"/>
           </p:nvPr>
         </p:nvPicPr>
-        <p:blipFill rotWithShape="1">
+        <p:blipFill>
           <a:blip r:embed="rId6">
             <a:extLst>
               <a:ext uri="{28A0092B-C50C-407E-A947-70E740481C1C}">
@@ -5929,7 +5693,7 @@
               </a:ext>
             </a:extLst>
           </a:blip>
-          <a:srcRect t="3804" b="3804"/>
+          <a:srcRect/>
           <a:stretch/>
         </p:blipFill>
         <p:spPr>
@@ -6335,7 +6099,7 @@
           <a:effectLst/>
           <a:extLst>
             <a:ext uri="{C572A759-6A51-4108-AA02-DFA0A04FC94B}">
-              <ma14:wrappingTextBoxFlag xmlns="" xmlns:m="http://schemas.openxmlformats.org/officeDocument/2006/math" xmlns:a14="http://schemas.microsoft.com/office/drawing/2010/main" xmlns:ma14="http://schemas.microsoft.com/office/mac/drawingml/2011/main" val="1"/>
+              <ma14:wrappingTextBoxFlag xmlns:ma14="http://schemas.microsoft.com/office/mac/drawingml/2011/main" xmlns:a14="http://schemas.microsoft.com/office/drawing/2010/main" xmlns:m="http://schemas.openxmlformats.org/officeDocument/2006/math" xmlns="" val="1"/>
             </a:ext>
           </a:extLst>
         </p:spPr>
@@ -6460,7 +6224,7 @@
           </a:ln>
           <a:extLst>
             <a:ext uri="{C572A759-6A51-4108-AA02-DFA0A04FC94B}">
-              <ma14:wrappingTextBoxFlag xmlns="" xmlns:m="http://schemas.openxmlformats.org/officeDocument/2006/math" xmlns:a14="http://schemas.microsoft.com/office/drawing/2010/main" xmlns:ma14="http://schemas.microsoft.com/office/mac/drawingml/2011/main" val="1"/>
+              <ma14:wrappingTextBoxFlag xmlns:ma14="http://schemas.microsoft.com/office/mac/drawingml/2011/main" xmlns:a14="http://schemas.microsoft.com/office/drawing/2010/main" xmlns:m="http://schemas.openxmlformats.org/officeDocument/2006/math" xmlns="" val="1"/>
             </a:ext>
           </a:extLst>
         </p:spPr>
@@ -6699,7 +6463,7 @@
           <a:effectLst/>
           <a:extLst>
             <a:ext uri="{C572A759-6A51-4108-AA02-DFA0A04FC94B}">
-              <ma14:wrappingTextBoxFlag xmlns="" xmlns:m="http://schemas.openxmlformats.org/officeDocument/2006/math" xmlns:a14="http://schemas.microsoft.com/office/drawing/2010/main" xmlns:ma14="http://schemas.microsoft.com/office/mac/drawingml/2011/main" val="1"/>
+              <ma14:wrappingTextBoxFlag xmlns:ma14="http://schemas.microsoft.com/office/mac/drawingml/2011/main" xmlns:a14="http://schemas.microsoft.com/office/drawing/2010/main" xmlns:m="http://schemas.openxmlformats.org/officeDocument/2006/math" xmlns="" val="1"/>
             </a:ext>
           </a:extLst>
         </p:spPr>
@@ -6823,7 +6587,7 @@
           </a:ln>
           <a:extLst>
             <a:ext uri="{C572A759-6A51-4108-AA02-DFA0A04FC94B}">
-              <ma14:wrappingTextBoxFlag xmlns="" xmlns:m="http://schemas.openxmlformats.org/officeDocument/2006/math" xmlns:a14="http://schemas.microsoft.com/office/drawing/2010/main" xmlns:ma14="http://schemas.microsoft.com/office/mac/drawingml/2011/main" val="1"/>
+              <ma14:wrappingTextBoxFlag xmlns:ma14="http://schemas.microsoft.com/office/mac/drawingml/2011/main" xmlns:a14="http://schemas.microsoft.com/office/drawing/2010/main" xmlns:m="http://schemas.openxmlformats.org/officeDocument/2006/math" xmlns="" val="1"/>
             </a:ext>
           </a:extLst>
         </p:spPr>
@@ -7066,7 +6830,7 @@
           <a:effectLst/>
           <a:extLst>
             <a:ext uri="{C572A759-6A51-4108-AA02-DFA0A04FC94B}">
-              <ma14:wrappingTextBoxFlag xmlns="" xmlns:m="http://schemas.openxmlformats.org/officeDocument/2006/math" xmlns:a14="http://schemas.microsoft.com/office/drawing/2010/main" xmlns:ma14="http://schemas.microsoft.com/office/mac/drawingml/2011/main" val="1"/>
+              <ma14:wrappingTextBoxFlag xmlns:ma14="http://schemas.microsoft.com/office/mac/drawingml/2011/main" xmlns:a14="http://schemas.microsoft.com/office/drawing/2010/main" xmlns:m="http://schemas.openxmlformats.org/officeDocument/2006/math" xmlns="" val="1"/>
             </a:ext>
           </a:extLst>
         </p:spPr>
@@ -7194,7 +6958,7 @@
           </a:ln>
           <a:extLst>
             <a:ext uri="{C572A759-6A51-4108-AA02-DFA0A04FC94B}">
-              <ma14:wrappingTextBoxFlag xmlns="" xmlns:m="http://schemas.openxmlformats.org/officeDocument/2006/math" xmlns:a14="http://schemas.microsoft.com/office/drawing/2010/main" xmlns:ma14="http://schemas.microsoft.com/office/mac/drawingml/2011/main" val="1"/>
+              <ma14:wrappingTextBoxFlag xmlns:ma14="http://schemas.microsoft.com/office/mac/drawingml/2011/main" xmlns:a14="http://schemas.microsoft.com/office/drawing/2010/main" xmlns:m="http://schemas.openxmlformats.org/officeDocument/2006/math" xmlns="" val="1"/>
             </a:ext>
           </a:extLst>
         </p:spPr>
@@ -7437,7 +7201,7 @@
           <a:effectLst/>
           <a:extLst>
             <a:ext uri="{C572A759-6A51-4108-AA02-DFA0A04FC94B}">
-              <ma14:wrappingTextBoxFlag xmlns="" xmlns:m="http://schemas.openxmlformats.org/officeDocument/2006/math" xmlns:a14="http://schemas.microsoft.com/office/drawing/2010/main" xmlns:ma14="http://schemas.microsoft.com/office/mac/drawingml/2011/main" val="1"/>
+              <ma14:wrappingTextBoxFlag xmlns:ma14="http://schemas.microsoft.com/office/mac/drawingml/2011/main" xmlns:a14="http://schemas.microsoft.com/office/drawing/2010/main" xmlns:m="http://schemas.openxmlformats.org/officeDocument/2006/math" xmlns="" val="1"/>
             </a:ext>
           </a:extLst>
         </p:spPr>
@@ -7766,7 +7530,7 @@
           <a:effectLst/>
           <a:extLst>
             <a:ext uri="{C572A759-6A51-4108-AA02-DFA0A04FC94B}">
-              <ma14:wrappingTextBoxFlag xmlns="" xmlns:m="http://schemas.openxmlformats.org/officeDocument/2006/math" xmlns:a14="http://schemas.microsoft.com/office/drawing/2010/main" xmlns:ma14="http://schemas.microsoft.com/office/mac/drawingml/2011/main" val="1"/>
+              <ma14:wrappingTextBoxFlag xmlns:ma14="http://schemas.microsoft.com/office/mac/drawingml/2011/main" xmlns:a14="http://schemas.microsoft.com/office/drawing/2010/main" xmlns:m="http://schemas.openxmlformats.org/officeDocument/2006/math" xmlns="" val="1"/>
             </a:ext>
           </a:extLst>
         </p:spPr>
@@ -8095,7 +7859,7 @@
           <a:effectLst/>
           <a:extLst>
             <a:ext uri="{C572A759-6A51-4108-AA02-DFA0A04FC94B}">
-              <ma14:wrappingTextBoxFlag xmlns="" xmlns:m="http://schemas.openxmlformats.org/officeDocument/2006/math" xmlns:a14="http://schemas.microsoft.com/office/drawing/2010/main" xmlns:ma14="http://schemas.microsoft.com/office/mac/drawingml/2011/main" val="1"/>
+              <ma14:wrappingTextBoxFlag xmlns:ma14="http://schemas.microsoft.com/office/mac/drawingml/2011/main" xmlns:a14="http://schemas.microsoft.com/office/drawing/2010/main" xmlns:m="http://schemas.openxmlformats.org/officeDocument/2006/math" xmlns="" val="1"/>
             </a:ext>
           </a:extLst>
         </p:spPr>
@@ -8218,375 +7982,7 @@
           </a:ln>
           <a:extLst>
             <a:ext uri="{C572A759-6A51-4108-AA02-DFA0A04FC94B}">
-              <ma14:wrappingTextBoxFlag xmlns="" xmlns:m="http://schemas.openxmlformats.org/officeDocument/2006/math" xmlns:a14="http://schemas.microsoft.com/office/drawing/2010/main" xmlns:ma14="http://schemas.microsoft.com/office/mac/drawingml/2011/main" val="1"/>
-            </a:ext>
-          </a:extLst>
-        </p:spPr>
-      </p:pic>
-      <p:sp>
-        <p:nvSpPr>
-          <p:cNvPr id="166" name="Shape">
-            <a:extLst>
-              <a:ext uri="{FF2B5EF4-FFF2-40B4-BE49-F238E27FC236}">
-                <a16:creationId xmlns:a16="http://schemas.microsoft.com/office/drawing/2014/main" id="{821694E6-3C9D-4CFB-80DD-CDCEEA2DF103}"/>
-              </a:ext>
-            </a:extLst>
-          </p:cNvPr>
-          <p:cNvSpPr/>
-          <p:nvPr/>
-        </p:nvSpPr>
-        <p:spPr>
-          <a:xfrm>
-            <a:off x="11445722" y="9714083"/>
-            <a:ext cx="4561334" cy="1003303"/>
-          </a:xfrm>
-          <a:custGeom>
-            <a:avLst/>
-            <a:gdLst/>
-            <a:ahLst/>
-            <a:cxnLst>
-              <a:cxn ang="0">
-                <a:pos x="wd2" y="hd2"/>
-              </a:cxn>
-              <a:cxn ang="5400000">
-                <a:pos x="wd2" y="hd2"/>
-              </a:cxn>
-              <a:cxn ang="10800000">
-                <a:pos x="wd2" y="hd2"/>
-              </a:cxn>
-              <a:cxn ang="16200000">
-                <a:pos x="wd2" y="hd2"/>
-              </a:cxn>
-            </a:cxnLst>
-            <a:rect l="0" t="0" r="r" b="b"/>
-            <a:pathLst>
-              <a:path w="21600" h="21600" extrusionOk="0">
-                <a:moveTo>
-                  <a:pt x="917" y="0"/>
-                </a:moveTo>
-                <a:lnTo>
-                  <a:pt x="20683" y="0"/>
-                </a:lnTo>
-                <a:cubicBezTo>
-                  <a:pt x="20815" y="0"/>
-                  <a:pt x="20914" y="0"/>
-                  <a:pt x="20998" y="25"/>
-                </a:cubicBezTo>
-                <a:cubicBezTo>
-                  <a:pt x="21082" y="51"/>
-                  <a:pt x="21150" y="102"/>
-                  <a:pt x="21221" y="204"/>
-                </a:cubicBezTo>
-                <a:cubicBezTo>
-                  <a:pt x="21299" y="332"/>
-                  <a:pt x="21368" y="534"/>
-                  <a:pt x="21425" y="792"/>
-                </a:cubicBezTo>
-                <a:cubicBezTo>
-                  <a:pt x="21482" y="1051"/>
-                  <a:pt x="21527" y="1365"/>
-                  <a:pt x="21555" y="1716"/>
-                </a:cubicBezTo>
-                <a:cubicBezTo>
-                  <a:pt x="21578" y="2037"/>
-                  <a:pt x="21589" y="2349"/>
-                  <a:pt x="21594" y="2732"/>
-                </a:cubicBezTo>
-                <a:cubicBezTo>
-                  <a:pt x="21600" y="3115"/>
-                  <a:pt x="21600" y="3568"/>
-                  <a:pt x="21600" y="4173"/>
-                </a:cubicBezTo>
-                <a:lnTo>
-                  <a:pt x="21600" y="17445"/>
-                </a:lnTo>
-                <a:cubicBezTo>
-                  <a:pt x="21600" y="18041"/>
-                  <a:pt x="21600" y="18490"/>
-                  <a:pt x="21594" y="18870"/>
-                </a:cubicBezTo>
-                <a:cubicBezTo>
-                  <a:pt x="21589" y="19251"/>
-                  <a:pt x="21578" y="19563"/>
-                  <a:pt x="21555" y="19884"/>
-                </a:cubicBezTo>
-                <a:cubicBezTo>
-                  <a:pt x="21527" y="20235"/>
-                  <a:pt x="21482" y="20549"/>
-                  <a:pt x="21425" y="20808"/>
-                </a:cubicBezTo>
-                <a:cubicBezTo>
-                  <a:pt x="21368" y="21066"/>
-                  <a:pt x="21299" y="21268"/>
-                  <a:pt x="21221" y="21396"/>
-                </a:cubicBezTo>
-                <a:cubicBezTo>
-                  <a:pt x="21150" y="21498"/>
-                  <a:pt x="21082" y="21549"/>
-                  <a:pt x="20997" y="21575"/>
-                </a:cubicBezTo>
-                <a:cubicBezTo>
-                  <a:pt x="20913" y="21600"/>
-                  <a:pt x="20813" y="21600"/>
-                  <a:pt x="20679" y="21600"/>
-                </a:cubicBezTo>
-                <a:lnTo>
-                  <a:pt x="917" y="21600"/>
-                </a:lnTo>
-                <a:cubicBezTo>
-                  <a:pt x="785" y="21600"/>
-                  <a:pt x="686" y="21600"/>
-                  <a:pt x="602" y="21575"/>
-                </a:cubicBezTo>
-                <a:cubicBezTo>
-                  <a:pt x="518" y="21549"/>
-                  <a:pt x="450" y="21498"/>
-                  <a:pt x="379" y="21396"/>
-                </a:cubicBezTo>
-                <a:cubicBezTo>
-                  <a:pt x="301" y="21268"/>
-                  <a:pt x="232" y="21066"/>
-                  <a:pt x="175" y="20808"/>
-                </a:cubicBezTo>
-                <a:cubicBezTo>
-                  <a:pt x="118" y="20549"/>
-                  <a:pt x="73" y="20235"/>
-                  <a:pt x="45" y="19884"/>
-                </a:cubicBezTo>
-                <a:cubicBezTo>
-                  <a:pt x="22" y="19563"/>
-                  <a:pt x="11" y="19251"/>
-                  <a:pt x="6" y="18868"/>
-                </a:cubicBezTo>
-                <a:cubicBezTo>
-                  <a:pt x="0" y="18485"/>
-                  <a:pt x="0" y="18032"/>
-                  <a:pt x="0" y="17427"/>
-                </a:cubicBezTo>
-                <a:lnTo>
-                  <a:pt x="0" y="4155"/>
-                </a:lnTo>
-                <a:cubicBezTo>
-                  <a:pt x="0" y="3559"/>
-                  <a:pt x="0" y="3110"/>
-                  <a:pt x="6" y="2730"/>
-                </a:cubicBezTo>
-                <a:cubicBezTo>
-                  <a:pt x="11" y="2349"/>
-                  <a:pt x="22" y="2037"/>
-                  <a:pt x="45" y="1716"/>
-                </a:cubicBezTo>
-                <a:cubicBezTo>
-                  <a:pt x="73" y="1365"/>
-                  <a:pt x="118" y="1051"/>
-                  <a:pt x="175" y="792"/>
-                </a:cubicBezTo>
-                <a:cubicBezTo>
-                  <a:pt x="232" y="534"/>
-                  <a:pt x="301" y="332"/>
-                  <a:pt x="379" y="204"/>
-                </a:cubicBezTo>
-                <a:cubicBezTo>
-                  <a:pt x="450" y="102"/>
-                  <a:pt x="518" y="51"/>
-                  <a:pt x="603" y="25"/>
-                </a:cubicBezTo>
-                <a:cubicBezTo>
-                  <a:pt x="687" y="0"/>
-                  <a:pt x="787" y="0"/>
-                  <a:pt x="921" y="0"/>
-                </a:cubicBezTo>
-                <a:lnTo>
-                  <a:pt x="917" y="0"/>
-                </a:lnTo>
-                <a:close/>
-              </a:path>
-            </a:pathLst>
-          </a:custGeom>
-          <a:solidFill>
-            <a:srgbClr val="2598F5"/>
-          </a:solidFill>
-          <a:ln w="12700" cap="flat">
-            <a:noFill/>
-            <a:miter lim="400000"/>
-          </a:ln>
-          <a:effectLst/>
-        </p:spPr>
-        <p:txBody>
-          <a:bodyPr wrap="square" lIns="0" tIns="0" rIns="0" bIns="0" numCol="1" anchor="ctr">
-            <a:noAutofit/>
-          </a:bodyPr>
-          <a:lstStyle/>
-          <a:p>
-            <a:pPr>
-              <a:defRPr sz="3200" b="0">
-                <a:solidFill>
-                  <a:srgbClr val="FFFFFF"/>
-                </a:solidFill>
-                <a:latin typeface="+mn-lt"/>
-                <a:ea typeface="+mn-ea"/>
-                <a:cs typeface="+mn-cs"/>
-                <a:sym typeface="Helvetica Neue Medium"/>
-              </a:defRPr>
-            </a:pPr>
-            <a:endParaRPr sz="3200" dirty="0"/>
-          </a:p>
-        </p:txBody>
-      </p:sp>
-      <p:sp>
-        <p:nvSpPr>
-          <p:cNvPr id="167" name="Text Placeholder">
-            <a:extLst>
-              <a:ext uri="{FF2B5EF4-FFF2-40B4-BE49-F238E27FC236}">
-                <a16:creationId xmlns:a16="http://schemas.microsoft.com/office/drawing/2014/main" id="{792BF6DE-4958-416A-A799-CAC7204B8E76}"/>
-              </a:ext>
-            </a:extLst>
-          </p:cNvPr>
-          <p:cNvSpPr txBox="1"/>
-          <p:nvPr/>
-        </p:nvSpPr>
-        <p:spPr>
-          <a:xfrm>
-            <a:off x="12805231" y="9756710"/>
-            <a:ext cx="3072035" cy="902811"/>
-          </a:xfrm>
-          <a:prstGeom prst="rect">
-            <a:avLst/>
-          </a:prstGeom>
-          <a:noFill/>
-          <a:ln w="12700" cap="flat">
-            <a:noFill/>
-            <a:miter lim="400000"/>
-          </a:ln>
-          <a:effectLst/>
-          <a:extLst>
-            <a:ext uri="{C572A759-6A51-4108-AA02-DFA0A04FC94B}">
-              <ma14:wrappingTextBoxFlag xmlns="" xmlns:m="http://schemas.openxmlformats.org/officeDocument/2006/math" xmlns:a14="http://schemas.microsoft.com/office/drawing/2010/main" xmlns:ma14="http://schemas.microsoft.com/office/mac/drawingml/2011/main" val="1"/>
-            </a:ext>
-          </a:extLst>
-        </p:spPr>
-        <p:txBody>
-          <a:bodyPr wrap="square" lIns="50800" tIns="50800" rIns="50800" bIns="50800" numCol="1" anchor="t">
-            <a:spAutoFit/>
-          </a:bodyPr>
-          <a:lstStyle>
-            <a:lvl1pPr algn="l">
-              <a:defRPr sz="2800" b="0">
-                <a:solidFill>
-                  <a:srgbClr val="FFFFFF"/>
-                </a:solidFill>
-                <a:latin typeface="Barlow Bold"/>
-                <a:ea typeface="Barlow Bold"/>
-                <a:cs typeface="Barlow Bold"/>
-                <a:sym typeface="Barlow Bold"/>
-              </a:defRPr>
-            </a:lvl1pPr>
-          </a:lstStyle>
-          <a:p>
-            <a:pPr algn="ctr"/>
-            <a:r>
-              <a:rPr lang="fr-FR" b="1" dirty="0"/>
-              <a:t>Ariadne Invictus</a:t>
-            </a:r>
-            <a:br>
-              <a:rPr lang="fr-FR" b="1" dirty="0"/>
-            </a:br>
-            <a:r>
-              <a:rPr lang="fr-FR" sz="2400" dirty="0"/>
-              <a:t>Alliance Chief of Staff</a:t>
-            </a:r>
-            <a:endParaRPr dirty="0"/>
-          </a:p>
-        </p:txBody>
-      </p:sp>
-      <p:sp>
-        <p:nvSpPr>
-          <p:cNvPr id="168" name="Circle">
-            <a:extLst>
-              <a:ext uri="{FF2B5EF4-FFF2-40B4-BE49-F238E27FC236}">
-                <a16:creationId xmlns:a16="http://schemas.microsoft.com/office/drawing/2014/main" id="{A0B56510-3121-42CB-8B3A-AD6BB41ABB42}"/>
-              </a:ext>
-            </a:extLst>
-          </p:cNvPr>
-          <p:cNvSpPr/>
-          <p:nvPr/>
-        </p:nvSpPr>
-        <p:spPr>
-          <a:xfrm>
-            <a:off x="11530992" y="9471255"/>
-            <a:ext cx="1394827" cy="1402090"/>
-          </a:xfrm>
-          <a:prstGeom prst="ellipse">
-            <a:avLst/>
-          </a:prstGeom>
-          <a:solidFill>
-            <a:srgbClr val="175E7A"/>
-          </a:solidFill>
-          <a:ln w="12700" cap="flat">
-            <a:noFill/>
-            <a:miter lim="400000"/>
-          </a:ln>
-          <a:effectLst/>
-        </p:spPr>
-        <p:txBody>
-          <a:bodyPr wrap="square" lIns="0" tIns="0" rIns="0" bIns="0" numCol="1" anchor="ctr">
-            <a:noAutofit/>
-          </a:bodyPr>
-          <a:lstStyle/>
-          <a:p>
-            <a:endParaRPr sz="3200" b="0" dirty="0">
-              <a:solidFill>
-                <a:srgbClr val="FFFFFF"/>
-              </a:solidFill>
-              <a:latin typeface="+mn-lt"/>
-              <a:ea typeface="+mn-ea"/>
-              <a:cs typeface="+mn-cs"/>
-            </a:endParaRPr>
-          </a:p>
-        </p:txBody>
-      </p:sp>
-      <p:pic>
-        <p:nvPicPr>
-          <p:cNvPr id="169" name="Espace réservé pour une image  2">
-            <a:extLst>
-              <a:ext uri="{FF2B5EF4-FFF2-40B4-BE49-F238E27FC236}">
-                <a16:creationId xmlns:a16="http://schemas.microsoft.com/office/drawing/2014/main" id="{A666E471-5A9B-4D39-BE2B-A39CA5B48C54}"/>
-              </a:ext>
-            </a:extLst>
-          </p:cNvPr>
-          <p:cNvPicPr>
-            <a:picLocks noChangeAspect="1"/>
-          </p:cNvPicPr>
-          <p:nvPr/>
-        </p:nvPicPr>
-        <p:blipFill rotWithShape="1">
-          <a:blip r:embed="rId13">
-            <a:extLst>
-              <a:ext uri="{28A0092B-C50C-407E-A947-70E740481C1C}">
-                <a14:useLocalDpi xmlns:a14="http://schemas.microsoft.com/office/drawing/2010/main" val="0"/>
-              </a:ext>
-            </a:extLst>
-          </a:blip>
-          <a:srcRect t="1362" b="1362"/>
-          <a:stretch/>
-        </p:blipFill>
-        <p:spPr>
-          <a:xfrm>
-            <a:off x="11694332" y="9639916"/>
-            <a:ext cx="1047768" cy="1053224"/>
-          </a:xfrm>
-          <a:prstGeom prst="ellipse">
-            <a:avLst/>
-          </a:prstGeom>
-          <a:solidFill>
-            <a:srgbClr val="ECECEC"/>
-          </a:solidFill>
-          <a:ln w="12700">
-            <a:miter lim="400000"/>
-          </a:ln>
-          <a:extLst>
-            <a:ext uri="{C572A759-6A51-4108-AA02-DFA0A04FC94B}">
-              <ma14:wrappingTextBoxFlag xmlns="" xmlns:m="http://schemas.openxmlformats.org/officeDocument/2006/math" xmlns:a14="http://schemas.microsoft.com/office/drawing/2010/main" xmlns:ma14="http://schemas.microsoft.com/office/mac/drawingml/2011/main" val="1"/>
+              <ma14:wrappingTextBoxFlag xmlns:ma14="http://schemas.microsoft.com/office/mac/drawingml/2011/main" xmlns:a14="http://schemas.microsoft.com/office/drawing/2010/main" xmlns:m="http://schemas.openxmlformats.org/officeDocument/2006/math" xmlns="" val="1"/>
             </a:ext>
           </a:extLst>
         </p:spPr>
@@ -8606,7 +8002,7 @@
           <p:nvPr/>
         </p:nvPicPr>
         <p:blipFill>
-          <a:blip r:embed="rId14">
+          <a:blip r:embed="rId13">
             <a:extLst>
               <a:ext uri="{28A0092B-C50C-407E-A947-70E740481C1C}">
                 <a14:useLocalDpi xmlns:a14="http://schemas.microsoft.com/office/drawing/2010/main" val="0"/>
@@ -8999,7 +8395,7 @@
             <a:effectLst/>
             <a:extLst>
               <a:ext uri="{C572A759-6A51-4108-AA02-DFA0A04FC94B}">
-                <ma14:wrappingTextBoxFlag xmlns="" xmlns:m="http://schemas.openxmlformats.org/officeDocument/2006/math" xmlns:a14="http://schemas.microsoft.com/office/drawing/2010/main" xmlns:ma14="http://schemas.microsoft.com/office/mac/drawingml/2011/main" val="1"/>
+                <ma14:wrappingTextBoxFlag xmlns:ma14="http://schemas.microsoft.com/office/mac/drawingml/2011/main" xmlns:a14="http://schemas.microsoft.com/office/drawing/2010/main" xmlns:m="http://schemas.openxmlformats.org/officeDocument/2006/math" xmlns="" val="1"/>
               </a:ext>
             </a:extLst>
           </p:spPr>
@@ -9098,7 +8494,7 @@
             <p:nvPr/>
           </p:nvPicPr>
           <p:blipFill rotWithShape="1">
-            <a:blip r:embed="rId15">
+            <a:blip r:embed="rId14">
               <a:extLst>
                 <a:ext uri="{28A0092B-C50C-407E-A947-70E740481C1C}">
                   <a14:useLocalDpi xmlns:a14="http://schemas.microsoft.com/office/drawing/2010/main" val="0"/>
@@ -9126,7 +8522,7 @@
             <a:effectLst/>
             <a:extLst>
               <a:ext uri="{C572A759-6A51-4108-AA02-DFA0A04FC94B}">
-                <ma14:wrappingTextBoxFlag xmlns="" xmlns:m="http://schemas.openxmlformats.org/officeDocument/2006/math" xmlns:a14="http://schemas.microsoft.com/office/drawing/2010/main" xmlns:ma14="http://schemas.microsoft.com/office/mac/drawingml/2011/main" val="1"/>
+                <ma14:wrappingTextBoxFlag xmlns:ma14="http://schemas.microsoft.com/office/mac/drawingml/2011/main" xmlns:a14="http://schemas.microsoft.com/office/drawing/2010/main" xmlns:m="http://schemas.openxmlformats.org/officeDocument/2006/math" xmlns="" val="1"/>
               </a:ext>
             </a:extLst>
           </p:spPr>
@@ -9388,7 +8784,7 @@
             <a:effectLst/>
             <a:extLst>
               <a:ext uri="{C572A759-6A51-4108-AA02-DFA0A04FC94B}">
-                <ma14:wrappingTextBoxFlag xmlns="" xmlns:m="http://schemas.openxmlformats.org/officeDocument/2006/math" xmlns:a14="http://schemas.microsoft.com/office/drawing/2010/main" xmlns:ma14="http://schemas.microsoft.com/office/mac/drawingml/2011/main" val="1"/>
+                <ma14:wrappingTextBoxFlag xmlns:ma14="http://schemas.microsoft.com/office/mac/drawingml/2011/main" xmlns:a14="http://schemas.microsoft.com/office/drawing/2010/main" xmlns:m="http://schemas.openxmlformats.org/officeDocument/2006/math" xmlns="" val="1"/>
               </a:ext>
             </a:extLst>
           </p:spPr>
@@ -9487,7 +8883,7 @@
             <p:nvPr/>
           </p:nvPicPr>
           <p:blipFill rotWithShape="1">
-            <a:blip r:embed="rId16">
+            <a:blip r:embed="rId15">
               <a:extLst>
                 <a:ext uri="{28A0092B-C50C-407E-A947-70E740481C1C}">
                   <a14:useLocalDpi xmlns:a14="http://schemas.microsoft.com/office/drawing/2010/main" val="0"/>
@@ -9513,7 +8909,7 @@
             </a:ln>
             <a:extLst>
               <a:ext uri="{C572A759-6A51-4108-AA02-DFA0A04FC94B}">
-                <ma14:wrappingTextBoxFlag xmlns="" xmlns:m="http://schemas.openxmlformats.org/officeDocument/2006/math" xmlns:a14="http://schemas.microsoft.com/office/drawing/2010/main" xmlns:ma14="http://schemas.microsoft.com/office/mac/drawingml/2011/main" val="1"/>
+                <ma14:wrappingTextBoxFlag xmlns:ma14="http://schemas.microsoft.com/office/mac/drawingml/2011/main" xmlns:a14="http://schemas.microsoft.com/office/drawing/2010/main" xmlns:m="http://schemas.openxmlformats.org/officeDocument/2006/math" xmlns="" val="1"/>
               </a:ext>
             </a:extLst>
           </p:spPr>
@@ -9775,7 +9171,7 @@
             <a:effectLst/>
             <a:extLst>
               <a:ext uri="{C572A759-6A51-4108-AA02-DFA0A04FC94B}">
-                <ma14:wrappingTextBoxFlag xmlns="" xmlns:m="http://schemas.openxmlformats.org/officeDocument/2006/math" xmlns:a14="http://schemas.microsoft.com/office/drawing/2010/main" xmlns:ma14="http://schemas.microsoft.com/office/mac/drawingml/2011/main" val="1"/>
+                <ma14:wrappingTextBoxFlag xmlns:ma14="http://schemas.microsoft.com/office/mac/drawingml/2011/main" xmlns:a14="http://schemas.microsoft.com/office/drawing/2010/main" xmlns:m="http://schemas.openxmlformats.org/officeDocument/2006/math" xmlns="" val="1"/>
               </a:ext>
             </a:extLst>
           </p:spPr>
@@ -9874,7 +9270,7 @@
             <p:nvPr/>
           </p:nvPicPr>
           <p:blipFill rotWithShape="1">
-            <a:blip r:embed="rId17">
+            <a:blip r:embed="rId16">
               <a:extLst>
                 <a:ext uri="{28A0092B-C50C-407E-A947-70E740481C1C}">
                   <a14:useLocalDpi xmlns:a14="http://schemas.microsoft.com/office/drawing/2010/main" val="0"/>
@@ -9900,7 +9296,7 @@
             </a:ln>
             <a:extLst>
               <a:ext uri="{C572A759-6A51-4108-AA02-DFA0A04FC94B}">
-                <ma14:wrappingTextBoxFlag xmlns="" xmlns:m="http://schemas.openxmlformats.org/officeDocument/2006/math" xmlns:a14="http://schemas.microsoft.com/office/drawing/2010/main" xmlns:ma14="http://schemas.microsoft.com/office/mac/drawingml/2011/main" val="1"/>
+                <ma14:wrappingTextBoxFlag xmlns:ma14="http://schemas.microsoft.com/office/mac/drawingml/2011/main" xmlns:a14="http://schemas.microsoft.com/office/drawing/2010/main" xmlns:m="http://schemas.openxmlformats.org/officeDocument/2006/math" xmlns="" val="1"/>
               </a:ext>
             </a:extLst>
           </p:spPr>
@@ -10162,7 +9558,7 @@
             <a:effectLst/>
             <a:extLst>
               <a:ext uri="{C572A759-6A51-4108-AA02-DFA0A04FC94B}">
-                <ma14:wrappingTextBoxFlag xmlns="" xmlns:m="http://schemas.openxmlformats.org/officeDocument/2006/math" xmlns:a14="http://schemas.microsoft.com/office/drawing/2010/main" xmlns:ma14="http://schemas.microsoft.com/office/mac/drawingml/2011/main" val="1"/>
+                <ma14:wrappingTextBoxFlag xmlns:ma14="http://schemas.microsoft.com/office/mac/drawingml/2011/main" xmlns:a14="http://schemas.microsoft.com/office/drawing/2010/main" xmlns:m="http://schemas.openxmlformats.org/officeDocument/2006/math" xmlns="" val="1"/>
               </a:ext>
             </a:extLst>
           </p:spPr>
@@ -10261,7 +9657,7 @@
             <p:nvPr/>
           </p:nvPicPr>
           <p:blipFill rotWithShape="1">
-            <a:blip r:embed="rId18" cstate="print">
+            <a:blip r:embed="rId17" cstate="print">
               <a:extLst>
                 <a:ext uri="{28A0092B-C50C-407E-A947-70E740481C1C}">
                   <a14:useLocalDpi xmlns:a14="http://schemas.microsoft.com/office/drawing/2010/main" val="0"/>
@@ -10287,7 +9683,7 @@
             </a:ln>
             <a:extLst>
               <a:ext uri="{C572A759-6A51-4108-AA02-DFA0A04FC94B}">
-                <ma14:wrappingTextBoxFlag xmlns="" xmlns:m="http://schemas.openxmlformats.org/officeDocument/2006/math" xmlns:a14="http://schemas.microsoft.com/office/drawing/2010/main" xmlns:ma14="http://schemas.microsoft.com/office/mac/drawingml/2011/main" val="1"/>
+                <ma14:wrappingTextBoxFlag xmlns:ma14="http://schemas.microsoft.com/office/mac/drawingml/2011/main" xmlns:a14="http://schemas.microsoft.com/office/drawing/2010/main" xmlns:m="http://schemas.openxmlformats.org/officeDocument/2006/math" xmlns="" val="1"/>
               </a:ext>
             </a:extLst>
           </p:spPr>
@@ -10531,7 +9927,7 @@
           <a:effectLst/>
           <a:extLst>
             <a:ext uri="{C572A759-6A51-4108-AA02-DFA0A04FC94B}">
-              <ma14:wrappingTextBoxFlag xmlns="" xmlns:m="http://schemas.openxmlformats.org/officeDocument/2006/math" xmlns:a14="http://schemas.microsoft.com/office/drawing/2010/main" xmlns:ma14="http://schemas.microsoft.com/office/mac/drawingml/2011/main" val="1"/>
+              <ma14:wrappingTextBoxFlag xmlns:ma14="http://schemas.microsoft.com/office/mac/drawingml/2011/main" xmlns:a14="http://schemas.microsoft.com/office/drawing/2010/main" xmlns:m="http://schemas.openxmlformats.org/officeDocument/2006/math" xmlns="" val="1"/>
             </a:ext>
           </a:extLst>
         </p:spPr>
@@ -10628,7 +10024,7 @@
           <p:nvPr/>
         </p:nvPicPr>
         <p:blipFill rotWithShape="1">
-          <a:blip r:embed="rId19"/>
+          <a:blip r:embed="rId18"/>
           <a:srcRect t="992" b="992"/>
           <a:stretch/>
         </p:blipFill>
@@ -10648,7 +10044,7 @@
           </a:ln>
           <a:extLst>
             <a:ext uri="{C572A759-6A51-4108-AA02-DFA0A04FC94B}">
-              <ma14:wrappingTextBoxFlag xmlns="" xmlns:m="http://schemas.openxmlformats.org/officeDocument/2006/math" xmlns:a14="http://schemas.microsoft.com/office/drawing/2010/main" xmlns:ma14="http://schemas.microsoft.com/office/mac/drawingml/2011/main" val="1"/>
+              <ma14:wrappingTextBoxFlag xmlns:ma14="http://schemas.microsoft.com/office/mac/drawingml/2011/main" xmlns:a14="http://schemas.microsoft.com/office/drawing/2010/main" xmlns:m="http://schemas.openxmlformats.org/officeDocument/2006/math" xmlns="" val="1"/>
             </a:ext>
           </a:extLst>
         </p:spPr>
@@ -10818,7 +10214,7 @@
           <p:nvPr/>
         </p:nvPicPr>
         <p:blipFill rotWithShape="1">
-          <a:blip r:embed="rId20">
+          <a:blip r:embed="rId19">
             <a:extLst>
               <a:ext uri="{28A0092B-C50C-407E-A947-70E740481C1C}">
                 <a14:useLocalDpi xmlns:a14="http://schemas.microsoft.com/office/drawing/2010/main" val="0"/>
@@ -10844,7 +10240,7 @@
           </a:ln>
           <a:extLst>
             <a:ext uri="{C572A759-6A51-4108-AA02-DFA0A04FC94B}">
-              <ma14:wrappingTextBoxFlag xmlns="" xmlns:m="http://schemas.openxmlformats.org/officeDocument/2006/math" xmlns:a14="http://schemas.microsoft.com/office/drawing/2010/main" xmlns:ma14="http://schemas.microsoft.com/office/mac/drawingml/2011/main" val="1"/>
+              <ma14:wrappingTextBoxFlag xmlns:ma14="http://schemas.microsoft.com/office/mac/drawingml/2011/main" xmlns:a14="http://schemas.microsoft.com/office/drawing/2010/main" xmlns:m="http://schemas.openxmlformats.org/officeDocument/2006/math" xmlns="" val="1"/>
             </a:ext>
           </a:extLst>
         </p:spPr>
@@ -11127,7 +10523,7 @@
           <a:effectLst/>
           <a:extLst>
             <a:ext uri="{C572A759-6A51-4108-AA02-DFA0A04FC94B}">
-              <ma14:wrappingTextBoxFlag xmlns="" xmlns:m="http://schemas.openxmlformats.org/officeDocument/2006/math" xmlns:a14="http://schemas.microsoft.com/office/drawing/2010/main" xmlns:ma14="http://schemas.microsoft.com/office/mac/drawingml/2011/main" val="1"/>
+              <ma14:wrappingTextBoxFlag xmlns:ma14="http://schemas.microsoft.com/office/mac/drawingml/2011/main" xmlns:a14="http://schemas.microsoft.com/office/drawing/2010/main" xmlns:m="http://schemas.openxmlformats.org/officeDocument/2006/math" xmlns="" val="1"/>
             </a:ext>
           </a:extLst>
         </p:spPr>
@@ -11226,7 +10622,7 @@
           <p:nvPr/>
         </p:nvPicPr>
         <p:blipFill rotWithShape="1">
-          <a:blip r:embed="rId21">
+          <a:blip r:embed="rId20">
             <a:extLst>
               <a:ext uri="{28A0092B-C50C-407E-A947-70E740481C1C}">
                 <a14:useLocalDpi xmlns:a14="http://schemas.microsoft.com/office/drawing/2010/main" val="0"/>
@@ -11252,7 +10648,7 @@
           </a:ln>
           <a:extLst>
             <a:ext uri="{C572A759-6A51-4108-AA02-DFA0A04FC94B}">
-              <ma14:wrappingTextBoxFlag xmlns="" xmlns:m="http://schemas.openxmlformats.org/officeDocument/2006/math" xmlns:a14="http://schemas.microsoft.com/office/drawing/2010/main" xmlns:ma14="http://schemas.microsoft.com/office/mac/drawingml/2011/main" val="1"/>
+              <ma14:wrappingTextBoxFlag xmlns:ma14="http://schemas.microsoft.com/office/mac/drawingml/2011/main" xmlns:a14="http://schemas.microsoft.com/office/drawing/2010/main" xmlns:m="http://schemas.openxmlformats.org/officeDocument/2006/math" xmlns="" val="1"/>
             </a:ext>
           </a:extLst>
         </p:spPr>
@@ -11495,7 +10891,7 @@
           <a:effectLst/>
           <a:extLst>
             <a:ext uri="{C572A759-6A51-4108-AA02-DFA0A04FC94B}">
-              <ma14:wrappingTextBoxFlag xmlns="" xmlns:m="http://schemas.openxmlformats.org/officeDocument/2006/math" xmlns:a14="http://schemas.microsoft.com/office/drawing/2010/main" xmlns:ma14="http://schemas.microsoft.com/office/mac/drawingml/2011/main" val="1"/>
+              <ma14:wrappingTextBoxFlag xmlns:ma14="http://schemas.microsoft.com/office/mac/drawingml/2011/main" xmlns:a14="http://schemas.microsoft.com/office/drawing/2010/main" xmlns:m="http://schemas.openxmlformats.org/officeDocument/2006/math" xmlns="" val="1"/>
             </a:ext>
           </a:extLst>
         </p:spPr>
@@ -11592,7 +10988,7 @@
           <p:nvPr/>
         </p:nvPicPr>
         <p:blipFill rotWithShape="1">
-          <a:blip r:embed="rId22">
+          <a:blip r:embed="rId21">
             <a:extLst>
               <a:ext uri="{28A0092B-C50C-407E-A947-70E740481C1C}">
                 <a14:useLocalDpi xmlns:a14="http://schemas.microsoft.com/office/drawing/2010/main" val="0"/>
@@ -11618,7 +11014,7 @@
           </a:ln>
           <a:extLst>
             <a:ext uri="{C572A759-6A51-4108-AA02-DFA0A04FC94B}">
-              <ma14:wrappingTextBoxFlag xmlns="" xmlns:m="http://schemas.openxmlformats.org/officeDocument/2006/math" xmlns:a14="http://schemas.microsoft.com/office/drawing/2010/main" xmlns:ma14="http://schemas.microsoft.com/office/mac/drawingml/2011/main" val="1"/>
+              <ma14:wrappingTextBoxFlag xmlns:ma14="http://schemas.microsoft.com/office/mac/drawingml/2011/main" xmlns:a14="http://schemas.microsoft.com/office/drawing/2010/main" xmlns:m="http://schemas.openxmlformats.org/officeDocument/2006/math" xmlns="" val="1"/>
             </a:ext>
           </a:extLst>
         </p:spPr>
@@ -11961,7 +11357,7 @@
           <a:effectLst/>
           <a:extLst>
             <a:ext uri="{C572A759-6A51-4108-AA02-DFA0A04FC94B}">
-              <ma14:wrappingTextBoxFlag xmlns="" xmlns:m="http://schemas.openxmlformats.org/officeDocument/2006/math" xmlns:a14="http://schemas.microsoft.com/office/drawing/2010/main" xmlns:ma14="http://schemas.microsoft.com/office/mac/drawingml/2011/main" val="1"/>
+              <ma14:wrappingTextBoxFlag xmlns:ma14="http://schemas.microsoft.com/office/mac/drawingml/2011/main" xmlns:a14="http://schemas.microsoft.com/office/drawing/2010/main" xmlns:m="http://schemas.openxmlformats.org/officeDocument/2006/math" xmlns="" val="1"/>
             </a:ext>
           </a:extLst>
         </p:spPr>
@@ -12282,7 +11678,7 @@
           <a:effectLst/>
           <a:extLst>
             <a:ext uri="{C572A759-6A51-4108-AA02-DFA0A04FC94B}">
-              <ma14:wrappingTextBoxFlag xmlns="" xmlns:m="http://schemas.openxmlformats.org/officeDocument/2006/math" xmlns:a14="http://schemas.microsoft.com/office/drawing/2010/main" xmlns:ma14="http://schemas.microsoft.com/office/mac/drawingml/2011/main" val="1"/>
+              <ma14:wrappingTextBoxFlag xmlns:ma14="http://schemas.microsoft.com/office/mac/drawingml/2011/main" xmlns:a14="http://schemas.microsoft.com/office/drawing/2010/main" xmlns:m="http://schemas.openxmlformats.org/officeDocument/2006/math" xmlns="" val="1"/>
             </a:ext>
           </a:extLst>
         </p:spPr>
@@ -12390,7 +11786,7 @@
           <p:nvPr/>
         </p:nvPicPr>
         <p:blipFill rotWithShape="1">
-          <a:blip r:embed="rId23">
+          <a:blip r:embed="rId22">
             <a:extLst>
               <a:ext uri="{28A0092B-C50C-407E-A947-70E740481C1C}">
                 <a14:useLocalDpi xmlns:a14="http://schemas.microsoft.com/office/drawing/2010/main" val="0"/>
@@ -12416,7 +11812,7 @@
           </a:ln>
           <a:extLst>
             <a:ext uri="{C572A759-6A51-4108-AA02-DFA0A04FC94B}">
-              <ma14:wrappingTextBoxFlag xmlns="" xmlns:m="http://schemas.openxmlformats.org/officeDocument/2006/math" xmlns:a14="http://schemas.microsoft.com/office/drawing/2010/main" xmlns:ma14="http://schemas.microsoft.com/office/mac/drawingml/2011/main" val="1"/>
+              <ma14:wrappingTextBoxFlag xmlns:ma14="http://schemas.microsoft.com/office/mac/drawingml/2011/main" xmlns:a14="http://schemas.microsoft.com/office/drawing/2010/main" xmlns:m="http://schemas.openxmlformats.org/officeDocument/2006/math" xmlns="" val="1"/>
             </a:ext>
           </a:extLst>
         </p:spPr>
@@ -12659,7 +12055,7 @@
           <a:effectLst/>
           <a:extLst>
             <a:ext uri="{C572A759-6A51-4108-AA02-DFA0A04FC94B}">
-              <ma14:wrappingTextBoxFlag xmlns="" xmlns:m="http://schemas.openxmlformats.org/officeDocument/2006/math" xmlns:a14="http://schemas.microsoft.com/office/drawing/2010/main" xmlns:ma14="http://schemas.microsoft.com/office/mac/drawingml/2011/main" val="1"/>
+              <ma14:wrappingTextBoxFlag xmlns:ma14="http://schemas.microsoft.com/office/mac/drawingml/2011/main" xmlns:a14="http://schemas.microsoft.com/office/drawing/2010/main" xmlns:m="http://schemas.openxmlformats.org/officeDocument/2006/math" xmlns="" val="1"/>
             </a:ext>
           </a:extLst>
         </p:spPr>
@@ -12756,7 +12152,7 @@
           <p:nvPr/>
         </p:nvPicPr>
         <p:blipFill rotWithShape="1">
-          <a:blip r:embed="rId24">
+          <a:blip r:embed="rId23">
             <a:extLst>
               <a:ext uri="{28A0092B-C50C-407E-A947-70E740481C1C}">
                 <a14:useLocalDpi xmlns:a14="http://schemas.microsoft.com/office/drawing/2010/main" val="0"/>
@@ -12782,7 +12178,7 @@
           </a:ln>
           <a:extLst>
             <a:ext uri="{C572A759-6A51-4108-AA02-DFA0A04FC94B}">
-              <ma14:wrappingTextBoxFlag xmlns="" xmlns:m="http://schemas.openxmlformats.org/officeDocument/2006/math" xmlns:a14="http://schemas.microsoft.com/office/drawing/2010/main" xmlns:ma14="http://schemas.microsoft.com/office/mac/drawingml/2011/main" val="1"/>
+              <ma14:wrappingTextBoxFlag xmlns:ma14="http://schemas.microsoft.com/office/mac/drawingml/2011/main" xmlns:a14="http://schemas.microsoft.com/office/drawing/2010/main" xmlns:m="http://schemas.openxmlformats.org/officeDocument/2006/math" xmlns="" val="1"/>
             </a:ext>
           </a:extLst>
         </p:spPr>
@@ -12802,7 +12198,7 @@
           <p:nvPr/>
         </p:nvPicPr>
         <p:blipFill>
-          <a:blip r:embed="rId25">
+          <a:blip r:embed="rId24">
             <a:clrChange>
               <a:clrFrom>
                 <a:srgbClr val="FEFEFE"/>
@@ -12818,7 +12214,7 @@
                 <a14:useLocalDpi xmlns:a14="http://schemas.microsoft.com/office/drawing/2010/main" val="0"/>
               </a:ext>
               <a:ext uri="{837473B0-CC2E-450A-ABE3-18F120FF3D39}">
-                <a1611:picAttrSrcUrl xmlns:a1611="http://schemas.microsoft.com/office/drawing/2016/11/main" r:id="rId26"/>
+                <a1611:picAttrSrcUrl xmlns:a1611="http://schemas.microsoft.com/office/drawing/2016/11/main" r:id="rId25"/>
               </a:ext>
             </a:extLst>
           </a:blip>
@@ -12851,7 +12247,7 @@
           <p:nvPr/>
         </p:nvPicPr>
         <p:blipFill>
-          <a:blip r:embed="rId27">
+          <a:blip r:embed="rId26" cstate="print">
             <a:clrChange>
               <a:clrFrom>
                 <a:srgbClr val="FFFFFF"/>
@@ -12867,7 +12263,7 @@
                 <a14:useLocalDpi xmlns:a14="http://schemas.microsoft.com/office/drawing/2010/main" val="0"/>
               </a:ext>
               <a:ext uri="{837473B0-CC2E-450A-ABE3-18F120FF3D39}">
-                <a1611:picAttrSrcUrl xmlns:a1611="http://schemas.microsoft.com/office/drawing/2016/11/main" r:id="rId28"/>
+                <a1611:picAttrSrcUrl xmlns:a1611="http://schemas.microsoft.com/office/drawing/2016/11/main" r:id="rId27"/>
               </a:ext>
             </a:extLst>
           </a:blip>
@@ -12900,7 +12296,7 @@
           <p:nvPr/>
         </p:nvPicPr>
         <p:blipFill>
-          <a:blip r:embed="rId29">
+          <a:blip r:embed="rId28">
             <a:extLst>
               <a:ext uri="{28A0092B-C50C-407E-A947-70E740481C1C}">
                 <a14:useLocalDpi xmlns:a14="http://schemas.microsoft.com/office/drawing/2010/main" val="0"/>
@@ -12936,7 +12332,7 @@
           <p:nvPr/>
         </p:nvPicPr>
         <p:blipFill>
-          <a:blip r:embed="rId30">
+          <a:blip r:embed="rId29" cstate="print">
             <a:clrChange>
               <a:clrFrom>
                 <a:srgbClr val="000000"/>
@@ -12982,7 +12378,7 @@
           <p:nvPr/>
         </p:nvPicPr>
         <p:blipFill>
-          <a:blip r:embed="rId31">
+          <a:blip r:embed="rId30">
             <a:extLst>
               <a:ext uri="{28A0092B-C50C-407E-A947-70E740481C1C}">
                 <a14:useLocalDpi xmlns:a14="http://schemas.microsoft.com/office/drawing/2010/main" val="0"/>
@@ -13008,7 +12404,7 @@
           </a:ln>
           <a:extLst>
             <a:ext uri="{C572A759-6A51-4108-AA02-DFA0A04FC94B}">
-              <ma14:wrappingTextBoxFlag xmlns="" xmlns:m="http://schemas.openxmlformats.org/officeDocument/2006/math" xmlns:a14="http://schemas.microsoft.com/office/drawing/2010/main" xmlns:ma14="http://schemas.microsoft.com/office/mac/drawingml/2011/main" val="1"/>
+              <ma14:wrappingTextBoxFlag xmlns:ma14="http://schemas.microsoft.com/office/mac/drawingml/2011/main" xmlns:a14="http://schemas.microsoft.com/office/drawing/2010/main" xmlns:m="http://schemas.openxmlformats.org/officeDocument/2006/math" xmlns="" val="1"/>
             </a:ext>
           </a:extLst>
         </p:spPr>
@@ -13028,7 +12424,7 @@
           <p:nvPr/>
         </p:nvPicPr>
         <p:blipFill>
-          <a:blip r:embed="rId32">
+          <a:blip r:embed="rId31">
             <a:extLst>
               <a:ext uri="{28A0092B-C50C-407E-A947-70E740481C1C}">
                 <a14:useLocalDpi xmlns:a14="http://schemas.microsoft.com/office/drawing/2010/main" val="0"/>
@@ -13054,7 +12450,7 @@
           </a:ln>
           <a:extLst>
             <a:ext uri="{C572A759-6A51-4108-AA02-DFA0A04FC94B}">
-              <ma14:wrappingTextBoxFlag xmlns="" xmlns:m="http://schemas.openxmlformats.org/officeDocument/2006/math" xmlns:a14="http://schemas.microsoft.com/office/drawing/2010/main" xmlns:ma14="http://schemas.microsoft.com/office/mac/drawingml/2011/main" val="1"/>
+              <ma14:wrappingTextBoxFlag xmlns:ma14="http://schemas.microsoft.com/office/mac/drawingml/2011/main" xmlns:a14="http://schemas.microsoft.com/office/drawing/2010/main" xmlns:m="http://schemas.openxmlformats.org/officeDocument/2006/math" xmlns="" val="1"/>
             </a:ext>
           </a:extLst>
         </p:spPr>
@@ -13074,7 +12470,7 @@
           <p:nvPr/>
         </p:nvPicPr>
         <p:blipFill>
-          <a:blip r:embed="rId33">
+          <a:blip r:embed="rId32">
             <a:extLst>
               <a:ext uri="{28A0092B-C50C-407E-A947-70E740481C1C}">
                 <a14:useLocalDpi xmlns:a14="http://schemas.microsoft.com/office/drawing/2010/main" val="0"/>
@@ -14008,6 +13404,385 @@
           </a:p>
         </p:txBody>
       </p:sp>
+      <p:sp>
+        <p:nvSpPr>
+          <p:cNvPr id="156" name="Shape">
+            <a:extLst>
+              <a:ext uri="{FF2B5EF4-FFF2-40B4-BE49-F238E27FC236}">
+                <a16:creationId xmlns:a16="http://schemas.microsoft.com/office/drawing/2014/main" id="{E220D14E-8759-FCFD-A79C-BB20A0827E98}"/>
+              </a:ext>
+            </a:extLst>
+          </p:cNvPr>
+          <p:cNvSpPr/>
+          <p:nvPr/>
+        </p:nvSpPr>
+        <p:spPr>
+          <a:xfrm>
+            <a:off x="21488541" y="10413320"/>
+            <a:ext cx="4265930" cy="703635"/>
+          </a:xfrm>
+          <a:custGeom>
+            <a:avLst/>
+            <a:gdLst/>
+            <a:ahLst/>
+            <a:cxnLst>
+              <a:cxn ang="0">
+                <a:pos x="wd2" y="hd2"/>
+              </a:cxn>
+              <a:cxn ang="5400000">
+                <a:pos x="wd2" y="hd2"/>
+              </a:cxn>
+              <a:cxn ang="10800000">
+                <a:pos x="wd2" y="hd2"/>
+              </a:cxn>
+              <a:cxn ang="16200000">
+                <a:pos x="wd2" y="hd2"/>
+              </a:cxn>
+            </a:cxnLst>
+            <a:rect l="0" t="0" r="r" b="b"/>
+            <a:pathLst>
+              <a:path w="21600" h="21600" extrusionOk="0">
+                <a:moveTo>
+                  <a:pt x="940" y="0"/>
+                </a:moveTo>
+                <a:lnTo>
+                  <a:pt x="20660" y="0"/>
+                </a:lnTo>
+                <a:cubicBezTo>
+                  <a:pt x="20795" y="0"/>
+                  <a:pt x="20897" y="0"/>
+                  <a:pt x="20983" y="38"/>
+                </a:cubicBezTo>
+                <a:cubicBezTo>
+                  <a:pt x="21069" y="75"/>
+                  <a:pt x="21139" y="151"/>
+                  <a:pt x="21212" y="302"/>
+                </a:cubicBezTo>
+                <a:cubicBezTo>
+                  <a:pt x="21291" y="491"/>
+                  <a:pt x="21362" y="791"/>
+                  <a:pt x="21421" y="1174"/>
+                </a:cubicBezTo>
+                <a:cubicBezTo>
+                  <a:pt x="21479" y="1556"/>
+                  <a:pt x="21525" y="2022"/>
+                  <a:pt x="21554" y="2543"/>
+                </a:cubicBezTo>
+                <a:cubicBezTo>
+                  <a:pt x="21577" y="3019"/>
+                  <a:pt x="21588" y="3480"/>
+                  <a:pt x="21594" y="4047"/>
+                </a:cubicBezTo>
+                <a:cubicBezTo>
+                  <a:pt x="21600" y="4614"/>
+                  <a:pt x="21600" y="5286"/>
+                  <a:pt x="21600" y="6182"/>
+                </a:cubicBezTo>
+                <a:lnTo>
+                  <a:pt x="21600" y="15445"/>
+                </a:lnTo>
+                <a:cubicBezTo>
+                  <a:pt x="21600" y="16327"/>
+                  <a:pt x="21600" y="16992"/>
+                  <a:pt x="21594" y="17556"/>
+                </a:cubicBezTo>
+                <a:cubicBezTo>
+                  <a:pt x="21588" y="18120"/>
+                  <a:pt x="21577" y="18581"/>
+                  <a:pt x="21554" y="19057"/>
+                </a:cubicBezTo>
+                <a:cubicBezTo>
+                  <a:pt x="21525" y="19578"/>
+                  <a:pt x="21479" y="20044"/>
+                  <a:pt x="21421" y="20426"/>
+                </a:cubicBezTo>
+                <a:cubicBezTo>
+                  <a:pt x="21362" y="20809"/>
+                  <a:pt x="21291" y="21109"/>
+                  <a:pt x="21212" y="21298"/>
+                </a:cubicBezTo>
+                <a:cubicBezTo>
+                  <a:pt x="21139" y="21449"/>
+                  <a:pt x="21069" y="21525"/>
+                  <a:pt x="20982" y="21562"/>
+                </a:cubicBezTo>
+                <a:cubicBezTo>
+                  <a:pt x="20896" y="21600"/>
+                  <a:pt x="20793" y="21600"/>
+                  <a:pt x="20656" y="21600"/>
+                </a:cubicBezTo>
+                <a:lnTo>
+                  <a:pt x="940" y="21600"/>
+                </a:lnTo>
+                <a:cubicBezTo>
+                  <a:pt x="805" y="21600"/>
+                  <a:pt x="703" y="21600"/>
+                  <a:pt x="617" y="21562"/>
+                </a:cubicBezTo>
+                <a:cubicBezTo>
+                  <a:pt x="531" y="21525"/>
+                  <a:pt x="461" y="21449"/>
+                  <a:pt x="388" y="21298"/>
+                </a:cubicBezTo>
+                <a:cubicBezTo>
+                  <a:pt x="309" y="21109"/>
+                  <a:pt x="238" y="20809"/>
+                  <a:pt x="179" y="20426"/>
+                </a:cubicBezTo>
+                <a:cubicBezTo>
+                  <a:pt x="121" y="20044"/>
+                  <a:pt x="75" y="19578"/>
+                  <a:pt x="46" y="19057"/>
+                </a:cubicBezTo>
+                <a:cubicBezTo>
+                  <a:pt x="23" y="18581"/>
+                  <a:pt x="12" y="18120"/>
+                  <a:pt x="6" y="17553"/>
+                </a:cubicBezTo>
+                <a:cubicBezTo>
+                  <a:pt x="0" y="16986"/>
+                  <a:pt x="0" y="16314"/>
+                  <a:pt x="0" y="15418"/>
+                </a:cubicBezTo>
+                <a:lnTo>
+                  <a:pt x="0" y="6155"/>
+                </a:lnTo>
+                <a:cubicBezTo>
+                  <a:pt x="0" y="5273"/>
+                  <a:pt x="0" y="4608"/>
+                  <a:pt x="6" y="4044"/>
+                </a:cubicBezTo>
+                <a:cubicBezTo>
+                  <a:pt x="12" y="3480"/>
+                  <a:pt x="23" y="3019"/>
+                  <a:pt x="46" y="2543"/>
+                </a:cubicBezTo>
+                <a:cubicBezTo>
+                  <a:pt x="75" y="2022"/>
+                  <a:pt x="121" y="1556"/>
+                  <a:pt x="179" y="1174"/>
+                </a:cubicBezTo>
+                <a:cubicBezTo>
+                  <a:pt x="238" y="791"/>
+                  <a:pt x="309" y="491"/>
+                  <a:pt x="388" y="302"/>
+                </a:cubicBezTo>
+                <a:cubicBezTo>
+                  <a:pt x="461" y="151"/>
+                  <a:pt x="531" y="75"/>
+                  <a:pt x="618" y="38"/>
+                </a:cubicBezTo>
+                <a:cubicBezTo>
+                  <a:pt x="704" y="0"/>
+                  <a:pt x="807" y="0"/>
+                  <a:pt x="944" y="0"/>
+                </a:cubicBezTo>
+                <a:lnTo>
+                  <a:pt x="940" y="0"/>
+                </a:lnTo>
+                <a:close/>
+              </a:path>
+            </a:pathLst>
+          </a:custGeom>
+          <a:solidFill>
+            <a:srgbClr val="F5F4F5"/>
+          </a:solidFill>
+          <a:ln w="12700" cap="flat">
+            <a:noFill/>
+            <a:miter lim="400000"/>
+          </a:ln>
+          <a:effectLst/>
+        </p:spPr>
+        <p:txBody>
+          <a:bodyPr wrap="square" lIns="0" tIns="0" rIns="0" bIns="0" numCol="1" anchor="ctr">
+            <a:noAutofit/>
+          </a:bodyPr>
+          <a:lstStyle/>
+          <a:p>
+            <a:pPr>
+              <a:defRPr sz="3200" b="0">
+                <a:solidFill>
+                  <a:srgbClr val="F3F4F5"/>
+                </a:solidFill>
+                <a:latin typeface="+mn-lt"/>
+                <a:ea typeface="+mn-ea"/>
+                <a:cs typeface="+mn-cs"/>
+                <a:sym typeface="Helvetica Neue Medium"/>
+              </a:defRPr>
+            </a:pPr>
+            <a:endParaRPr sz="3200" dirty="0"/>
+          </a:p>
+        </p:txBody>
+      </p:sp>
+      <p:sp>
+        <p:nvSpPr>
+          <p:cNvPr id="187" name="Circle">
+            <a:extLst>
+              <a:ext uri="{FF2B5EF4-FFF2-40B4-BE49-F238E27FC236}">
+                <a16:creationId xmlns:a16="http://schemas.microsoft.com/office/drawing/2014/main" id="{7DB2E93E-D60B-A426-712B-6D312DDA02DC}"/>
+              </a:ext>
+            </a:extLst>
+          </p:cNvPr>
+          <p:cNvSpPr/>
+          <p:nvPr/>
+        </p:nvSpPr>
+        <p:spPr>
+          <a:xfrm>
+            <a:off x="21761506" y="10219645"/>
+            <a:ext cx="1066736" cy="1066737"/>
+          </a:xfrm>
+          <a:prstGeom prst="ellipse">
+            <a:avLst/>
+          </a:prstGeom>
+          <a:solidFill>
+            <a:srgbClr val="175E7A"/>
+          </a:solidFill>
+          <a:ln w="12700" cap="flat">
+            <a:noFill/>
+            <a:miter lim="400000"/>
+          </a:ln>
+          <a:effectLst/>
+        </p:spPr>
+        <p:txBody>
+          <a:bodyPr wrap="square" lIns="0" tIns="0" rIns="0" bIns="0" numCol="1" anchor="ctr">
+            <a:noAutofit/>
+          </a:bodyPr>
+          <a:lstStyle/>
+          <a:p>
+            <a:endParaRPr sz="3200" b="0" dirty="0">
+              <a:solidFill>
+                <a:srgbClr val="FFFFFF"/>
+              </a:solidFill>
+              <a:latin typeface="+mn-lt"/>
+              <a:ea typeface="+mn-ea"/>
+              <a:cs typeface="+mn-cs"/>
+            </a:endParaRPr>
+          </a:p>
+        </p:txBody>
+      </p:sp>
+      <p:sp>
+        <p:nvSpPr>
+          <p:cNvPr id="188" name="Text Placeholder">
+            <a:extLst>
+              <a:ext uri="{FF2B5EF4-FFF2-40B4-BE49-F238E27FC236}">
+                <a16:creationId xmlns:a16="http://schemas.microsoft.com/office/drawing/2014/main" id="{9F017CEF-24F1-0F3F-7162-4AD1ECAC60C2}"/>
+              </a:ext>
+            </a:extLst>
+          </p:cNvPr>
+          <p:cNvSpPr txBox="1"/>
+          <p:nvPr/>
+        </p:nvSpPr>
+        <p:spPr>
+          <a:xfrm>
+            <a:off x="22886284" y="10378551"/>
+            <a:ext cx="2677135" cy="748923"/>
+          </a:xfrm>
+          <a:prstGeom prst="rect">
+            <a:avLst/>
+          </a:prstGeom>
+          <a:noFill/>
+          <a:ln w="12700" cap="flat">
+            <a:noFill/>
+            <a:miter lim="400000"/>
+          </a:ln>
+          <a:effectLst/>
+          <a:extLst>
+            <a:ext uri="{C572A759-6A51-4108-AA02-DFA0A04FC94B}">
+              <ma14:wrappingTextBoxFlag xmlns:ma14="http://schemas.microsoft.com/office/mac/drawingml/2011/main" xmlns:a14="http://schemas.microsoft.com/office/drawing/2010/main" xmlns:m="http://schemas.openxmlformats.org/officeDocument/2006/math" xmlns="" val="1"/>
+            </a:ext>
+          </a:extLst>
+        </p:spPr>
+        <p:txBody>
+          <a:bodyPr wrap="square" lIns="50800" tIns="50800" rIns="50800" bIns="50800" numCol="1" anchor="t">
+            <a:spAutoFit/>
+          </a:bodyPr>
+          <a:lstStyle>
+            <a:lvl1pPr>
+              <a:defRPr sz="2200" b="0">
+                <a:solidFill>
+                  <a:srgbClr val="2E3640"/>
+                </a:solidFill>
+                <a:latin typeface="Barlow Bold"/>
+                <a:ea typeface="Barlow Bold"/>
+                <a:cs typeface="Barlow Bold"/>
+                <a:sym typeface="Barlow Bold"/>
+              </a:defRPr>
+            </a:lvl1pPr>
+          </a:lstStyle>
+          <a:p>
+            <a:r>
+              <a:rPr lang="fr-FR" dirty="0" err="1"/>
+              <a:t>Wolfy</a:t>
+            </a:r>
+            <a:r>
+              <a:rPr lang="fr-FR" dirty="0"/>
+              <a:t> </a:t>
+            </a:r>
+            <a:r>
+              <a:rPr lang="fr-FR" dirty="0" err="1"/>
+              <a:t>Alexstrasza</a:t>
+            </a:r>
+            <a:endParaRPr lang="fr-FR" dirty="0"/>
+          </a:p>
+          <a:p>
+            <a:r>
+              <a:rPr lang="fr-FR" sz="2000" dirty="0"/>
+              <a:t>Head </a:t>
+            </a:r>
+            <a:r>
+              <a:rPr lang="fr-FR" sz="2000" dirty="0" err="1"/>
+              <a:t>Coordinator</a:t>
+            </a:r>
+            <a:endParaRPr sz="2000" dirty="0"/>
+          </a:p>
+        </p:txBody>
+      </p:sp>
+      <p:pic>
+        <p:nvPicPr>
+          <p:cNvPr id="189" name="Espace réservé pour une image  23">
+            <a:extLst>
+              <a:ext uri="{FF2B5EF4-FFF2-40B4-BE49-F238E27FC236}">
+                <a16:creationId xmlns:a16="http://schemas.microsoft.com/office/drawing/2014/main" id="{E6B188CD-BCF2-6778-86DB-26037834801A}"/>
+              </a:ext>
+            </a:extLst>
+          </p:cNvPr>
+          <p:cNvPicPr>
+            <a:picLocks noChangeAspect="1"/>
+          </p:cNvPicPr>
+          <p:nvPr/>
+        </p:nvPicPr>
+        <p:blipFill>
+          <a:blip r:embed="rId33">
+            <a:extLst>
+              <a:ext uri="{28A0092B-C50C-407E-A947-70E740481C1C}">
+                <a14:useLocalDpi xmlns:a14="http://schemas.microsoft.com/office/drawing/2010/main" val="0"/>
+              </a:ext>
+            </a:extLst>
+          </a:blip>
+          <a:srcRect t="108" b="108"/>
+          <a:stretch/>
+        </p:blipFill>
+        <p:spPr>
+          <a:xfrm>
+            <a:off x="21920672" y="10389557"/>
+            <a:ext cx="731837" cy="730250"/>
+          </a:xfrm>
+          <a:prstGeom prst="ellipse">
+            <a:avLst/>
+          </a:prstGeom>
+          <a:solidFill>
+            <a:srgbClr val="ECECEC"/>
+          </a:solidFill>
+          <a:ln w="12700">
+            <a:miter lim="400000"/>
+          </a:ln>
+          <a:extLst>
+            <a:ext uri="{C572A759-6A51-4108-AA02-DFA0A04FC94B}">
+              <ma14:wrappingTextBoxFlag xmlns:ma14="http://schemas.microsoft.com/office/mac/drawingml/2011/main" xmlns:a14="http://schemas.microsoft.com/office/drawing/2010/main" xmlns:m="http://schemas.openxmlformats.org/officeDocument/2006/math" xmlns="" val="1"/>
+            </a:ext>
+          </a:extLst>
+        </p:spPr>
+      </p:pic>
     </p:spTree>
     <p:extLst>
       <p:ext uri="{BB962C8B-B14F-4D97-AF65-F5344CB8AC3E}">
